--- a/ClassMaterials/Week9/MCP Servers.pptx
+++ b/ClassMaterials/Week9/MCP Servers.pptx
@@ -215,7 +215,7 @@
           <a:p>
             <a:fld id="{3FBF18DD-2582-4384-8F05-2BFE7DC01E67}" type="datetimeFigureOut">
               <a:rPr lang="en-US" smtClean="0"/>
-              <a:t>10/31/2025</a:t>
+              <a:t>11/4/2025</a:t>
             </a:fld>
             <a:endParaRPr lang="en-US"/>
           </a:p>
@@ -968,7 +968,7 @@
           <a:p>
             <a:fld id="{6D85D5A9-7D30-4DA7-A324-67AC7A15AFF5}" type="datetimeFigureOut">
               <a:rPr lang="en-US" smtClean="0"/>
-              <a:t>10/31/2025</a:t>
+              <a:t>11/4/2025</a:t>
             </a:fld>
             <a:endParaRPr lang="en-US"/>
           </a:p>
@@ -1166,7 +1166,7 @@
           <a:p>
             <a:fld id="{6D85D5A9-7D30-4DA7-A324-67AC7A15AFF5}" type="datetimeFigureOut">
               <a:rPr lang="en-US" smtClean="0"/>
-              <a:t>10/31/2025</a:t>
+              <a:t>11/4/2025</a:t>
             </a:fld>
             <a:endParaRPr lang="en-US"/>
           </a:p>
@@ -1374,7 +1374,7 @@
           <a:p>
             <a:fld id="{6D85D5A9-7D30-4DA7-A324-67AC7A15AFF5}" type="datetimeFigureOut">
               <a:rPr lang="en-US" smtClean="0"/>
-              <a:t>10/31/2025</a:t>
+              <a:t>11/4/2025</a:t>
             </a:fld>
             <a:endParaRPr lang="en-US"/>
           </a:p>
@@ -1572,7 +1572,7 @@
           <a:p>
             <a:fld id="{6D85D5A9-7D30-4DA7-A324-67AC7A15AFF5}" type="datetimeFigureOut">
               <a:rPr lang="en-US" smtClean="0"/>
-              <a:t>10/31/2025</a:t>
+              <a:t>11/4/2025</a:t>
             </a:fld>
             <a:endParaRPr lang="en-US"/>
           </a:p>
@@ -1847,7 +1847,7 @@
           <a:p>
             <a:fld id="{6D85D5A9-7D30-4DA7-A324-67AC7A15AFF5}" type="datetimeFigureOut">
               <a:rPr lang="en-US" smtClean="0"/>
-              <a:t>10/31/2025</a:t>
+              <a:t>11/4/2025</a:t>
             </a:fld>
             <a:endParaRPr lang="en-US"/>
           </a:p>
@@ -2112,7 +2112,7 @@
           <a:p>
             <a:fld id="{6D85D5A9-7D30-4DA7-A324-67AC7A15AFF5}" type="datetimeFigureOut">
               <a:rPr lang="en-US" smtClean="0"/>
-              <a:t>10/31/2025</a:t>
+              <a:t>11/4/2025</a:t>
             </a:fld>
             <a:endParaRPr lang="en-US"/>
           </a:p>
@@ -2524,7 +2524,7 @@
           <a:p>
             <a:fld id="{6D85D5A9-7D30-4DA7-A324-67AC7A15AFF5}" type="datetimeFigureOut">
               <a:rPr lang="en-US" smtClean="0"/>
-              <a:t>10/31/2025</a:t>
+              <a:t>11/4/2025</a:t>
             </a:fld>
             <a:endParaRPr lang="en-US"/>
           </a:p>
@@ -2665,7 +2665,7 @@
           <a:p>
             <a:fld id="{6D85D5A9-7D30-4DA7-A324-67AC7A15AFF5}" type="datetimeFigureOut">
               <a:rPr lang="en-US" smtClean="0"/>
-              <a:t>10/31/2025</a:t>
+              <a:t>11/4/2025</a:t>
             </a:fld>
             <a:endParaRPr lang="en-US"/>
           </a:p>
@@ -2778,7 +2778,7 @@
           <a:p>
             <a:fld id="{6D85D5A9-7D30-4DA7-A324-67AC7A15AFF5}" type="datetimeFigureOut">
               <a:rPr lang="en-US" smtClean="0"/>
-              <a:t>10/31/2025</a:t>
+              <a:t>11/4/2025</a:t>
             </a:fld>
             <a:endParaRPr lang="en-US"/>
           </a:p>
@@ -3089,7 +3089,7 @@
           <a:p>
             <a:fld id="{6D85D5A9-7D30-4DA7-A324-67AC7A15AFF5}" type="datetimeFigureOut">
               <a:rPr lang="en-US" smtClean="0"/>
-              <a:t>10/31/2025</a:t>
+              <a:t>11/4/2025</a:t>
             </a:fld>
             <a:endParaRPr lang="en-US"/>
           </a:p>
@@ -3377,7 +3377,7 @@
           <a:p>
             <a:fld id="{6D85D5A9-7D30-4DA7-A324-67AC7A15AFF5}" type="datetimeFigureOut">
               <a:rPr lang="en-US" smtClean="0"/>
-              <a:t>10/31/2025</a:t>
+              <a:t>11/4/2025</a:t>
             </a:fld>
             <a:endParaRPr lang="en-US"/>
           </a:p>
@@ -3618,7 +3618,7 @@
           <a:p>
             <a:fld id="{6D85D5A9-7D30-4DA7-A324-67AC7A15AFF5}" type="datetimeFigureOut">
               <a:rPr lang="en-US" smtClean="0"/>
-              <a:t>10/31/2025</a:t>
+              <a:t>11/4/2025</a:t>
             </a:fld>
             <a:endParaRPr lang="en-US"/>
           </a:p>
@@ -8181,6 +8181,71 @@
           </a:p>
         </p:txBody>
       </p:sp>
+      <p:sp>
+        <p:nvSpPr>
+          <p:cNvPr id="5" name="TextBox 4">
+            <a:extLst>
+              <a:ext uri="{FF2B5EF4-FFF2-40B4-BE49-F238E27FC236}">
+                <a16:creationId xmlns:a16="http://schemas.microsoft.com/office/drawing/2014/main" id="{674EEEF4-93A3-16EC-8553-E90DDAB4C8FD}"/>
+              </a:ext>
+            </a:extLst>
+          </p:cNvPr>
+          <p:cNvSpPr txBox="1"/>
+          <p:nvPr/>
+        </p:nvSpPr>
+        <p:spPr>
+          <a:xfrm>
+            <a:off x="4983321" y="4199225"/>
+            <a:ext cx="1325491" cy="369332"/>
+          </a:xfrm>
+          <a:prstGeom prst="rect">
+            <a:avLst/>
+          </a:prstGeom>
+          <a:noFill/>
+        </p:spPr>
+        <p:txBody>
+          <a:bodyPr wrap="none" rtlCol="0">
+            <a:spAutoFit/>
+          </a:bodyPr>
+          <a:lstStyle/>
+          <a:p>
+            <a:r>
+              <a:rPr lang="en-US" dirty="0"/>
+              <a:t>Raw output</a:t>
+            </a:r>
+          </a:p>
+        </p:txBody>
+      </p:sp>
+      <p:pic>
+        <p:nvPicPr>
+          <p:cNvPr id="6" name="Picture 5">
+            <a:extLst>
+              <a:ext uri="{FF2B5EF4-FFF2-40B4-BE49-F238E27FC236}">
+                <a16:creationId xmlns:a16="http://schemas.microsoft.com/office/drawing/2014/main" id="{F34416DF-6E6F-7BD4-A8EE-D9C370C20B81}"/>
+              </a:ext>
+            </a:extLst>
+          </p:cNvPr>
+          <p:cNvPicPr>
+            <a:picLocks noChangeAspect="1"/>
+          </p:cNvPicPr>
+          <p:nvPr/>
+        </p:nvPicPr>
+        <p:blipFill>
+          <a:blip r:embed="rId5"/>
+          <a:stretch>
+            <a:fillRect/>
+          </a:stretch>
+        </p:blipFill>
+        <p:spPr>
+          <a:xfrm>
+            <a:off x="5364637" y="934684"/>
+            <a:ext cx="495777" cy="530456"/>
+          </a:xfrm>
+          <a:prstGeom prst="rect">
+            <a:avLst/>
+          </a:prstGeom>
+        </p:spPr>
+      </p:pic>
     </p:spTree>
     <p:extLst>
       <p:ext uri="{BB962C8B-B14F-4D97-AF65-F5344CB8AC3E}">
@@ -8736,7 +8801,7 @@
           <a:p>
             <a:r>
               <a:rPr lang="en-US" sz="4000" dirty="0"/>
-              <a:t>Conceptual data flow</a:t>
+              <a:t>Conceptual data flow of Agent + MCP</a:t>
             </a:r>
           </a:p>
         </p:txBody>
@@ -8872,10 +8937,145 @@
       </p:sp>
       <p:sp>
         <p:nvSpPr>
-          <p:cNvPr id="24" name="Cylinder 23">
-            <a:extLst>
-              <a:ext uri="{FF2B5EF4-FFF2-40B4-BE49-F238E27FC236}">
-                <a16:creationId xmlns:a16="http://schemas.microsoft.com/office/drawing/2014/main" id="{6B0CB85A-E2FB-0AB2-2DEA-37DB0F139ADE}"/>
+          <p:cNvPr id="26" name="TextBox 25">
+            <a:extLst>
+              <a:ext uri="{FF2B5EF4-FFF2-40B4-BE49-F238E27FC236}">
+                <a16:creationId xmlns:a16="http://schemas.microsoft.com/office/drawing/2014/main" id="{3B7B842D-B6EC-A4A6-E31D-791690CB77EC}"/>
+              </a:ext>
+            </a:extLst>
+          </p:cNvPr>
+          <p:cNvSpPr txBox="1"/>
+          <p:nvPr/>
+        </p:nvSpPr>
+        <p:spPr>
+          <a:xfrm rot="2200018">
+            <a:off x="3178742" y="3429000"/>
+            <a:ext cx="1245854" cy="369332"/>
+          </a:xfrm>
+          <a:prstGeom prst="rect">
+            <a:avLst/>
+          </a:prstGeom>
+          <a:noFill/>
+        </p:spPr>
+        <p:txBody>
+          <a:bodyPr wrap="none" rtlCol="0">
+            <a:spAutoFit/>
+          </a:bodyPr>
+          <a:lstStyle/>
+          <a:p>
+            <a:r>
+              <a:rPr lang="en-US" dirty="0"/>
+              <a:t>MCP JSON</a:t>
+            </a:r>
+          </a:p>
+        </p:txBody>
+      </p:sp>
+      <p:sp>
+        <p:nvSpPr>
+          <p:cNvPr id="27" name="TextBox 26">
+            <a:extLst>
+              <a:ext uri="{FF2B5EF4-FFF2-40B4-BE49-F238E27FC236}">
+                <a16:creationId xmlns:a16="http://schemas.microsoft.com/office/drawing/2014/main" id="{1C6819D6-0760-4AF4-7237-A9AA62B00417}"/>
+              </a:ext>
+            </a:extLst>
+          </p:cNvPr>
+          <p:cNvSpPr txBox="1"/>
+          <p:nvPr/>
+        </p:nvSpPr>
+        <p:spPr>
+          <a:xfrm>
+            <a:off x="6181038" y="3949114"/>
+            <a:ext cx="1245854" cy="369332"/>
+          </a:xfrm>
+          <a:prstGeom prst="rect">
+            <a:avLst/>
+          </a:prstGeom>
+          <a:noFill/>
+        </p:spPr>
+        <p:txBody>
+          <a:bodyPr wrap="none" rtlCol="0">
+            <a:spAutoFit/>
+          </a:bodyPr>
+          <a:lstStyle/>
+          <a:p>
+            <a:r>
+              <a:rPr lang="en-US" dirty="0"/>
+              <a:t>MCP JSON</a:t>
+            </a:r>
+          </a:p>
+        </p:txBody>
+      </p:sp>
+      <p:sp>
+        <p:nvSpPr>
+          <p:cNvPr id="35" name="TextBox 34">
+            <a:extLst>
+              <a:ext uri="{FF2B5EF4-FFF2-40B4-BE49-F238E27FC236}">
+                <a16:creationId xmlns:a16="http://schemas.microsoft.com/office/drawing/2014/main" id="{86F5465E-D920-821D-F21D-81B945728DA7}"/>
+              </a:ext>
+            </a:extLst>
+          </p:cNvPr>
+          <p:cNvSpPr txBox="1"/>
+          <p:nvPr/>
+        </p:nvSpPr>
+        <p:spPr>
+          <a:xfrm>
+            <a:off x="2311818" y="2847662"/>
+            <a:ext cx="701602" cy="369332"/>
+          </a:xfrm>
+          <a:prstGeom prst="rect">
+            <a:avLst/>
+          </a:prstGeom>
+          <a:noFill/>
+        </p:spPr>
+        <p:txBody>
+          <a:bodyPr wrap="none" rtlCol="0">
+            <a:spAutoFit/>
+          </a:bodyPr>
+          <a:lstStyle/>
+          <a:p>
+            <a:r>
+              <a:rPr lang="en-US" dirty="0"/>
+              <a:t>Tools</a:t>
+            </a:r>
+          </a:p>
+        </p:txBody>
+      </p:sp>
+      <p:pic>
+        <p:nvPicPr>
+          <p:cNvPr id="5" name="Picture 4">
+            <a:extLst>
+              <a:ext uri="{FF2B5EF4-FFF2-40B4-BE49-F238E27FC236}">
+                <a16:creationId xmlns:a16="http://schemas.microsoft.com/office/drawing/2014/main" id="{68643F1D-EEAA-6102-634B-79AFBC491FD7}"/>
+              </a:ext>
+            </a:extLst>
+          </p:cNvPr>
+          <p:cNvPicPr>
+            <a:picLocks noChangeAspect="1"/>
+          </p:cNvPicPr>
+          <p:nvPr/>
+        </p:nvPicPr>
+        <p:blipFill>
+          <a:blip r:embed="rId3"/>
+          <a:stretch>
+            <a:fillRect/>
+          </a:stretch>
+        </p:blipFill>
+        <p:spPr>
+          <a:xfrm>
+            <a:off x="5048434" y="3763901"/>
+            <a:ext cx="495777" cy="530456"/>
+          </a:xfrm>
+          <a:prstGeom prst="rect">
+            <a:avLst/>
+          </a:prstGeom>
+        </p:spPr>
+      </p:pic>
+      <p:sp>
+        <p:nvSpPr>
+          <p:cNvPr id="6" name="Speech Bubble: Oval 5">
+            <a:extLst>
+              <a:ext uri="{FF2B5EF4-FFF2-40B4-BE49-F238E27FC236}">
+                <a16:creationId xmlns:a16="http://schemas.microsoft.com/office/drawing/2014/main" id="{F017803E-9D4F-719A-850A-6B68F8C16B23}"/>
               </a:ext>
             </a:extLst>
           </p:cNvPr>
@@ -8884,11 +9084,14 @@
         </p:nvSpPr>
         <p:spPr>
           <a:xfrm>
-            <a:off x="10044818" y="3705963"/>
-            <a:ext cx="1111557" cy="910487"/>
-          </a:xfrm>
-          <a:prstGeom prst="can">
-            <a:avLst/>
+            <a:off x="245368" y="2243673"/>
+            <a:ext cx="1707538" cy="825500"/>
+          </a:xfrm>
+          <a:prstGeom prst="wedgeEllipseCallout">
+            <a:avLst>
+              <a:gd name="adj1" fmla="val -64925"/>
+              <a:gd name="adj2" fmla="val 65577"/>
+            </a:avLst>
           </a:prstGeom>
         </p:spPr>
         <p:style>
@@ -8914,63 +9117,17 @@
             <a:pPr algn="ctr"/>
             <a:r>
               <a:rPr lang="en-US" dirty="0"/>
-              <a:t>DB</a:t>
-            </a:r>
-          </a:p>
-        </p:txBody>
-      </p:sp>
-      <p:sp>
-        <p:nvSpPr>
-          <p:cNvPr id="25" name="Arrow: Right 24">
-            <a:extLst>
-              <a:ext uri="{FF2B5EF4-FFF2-40B4-BE49-F238E27FC236}">
-                <a16:creationId xmlns:a16="http://schemas.microsoft.com/office/drawing/2014/main" id="{A5540756-7827-FA98-F390-C755433765FF}"/>
-              </a:ext>
-            </a:extLst>
-          </p:cNvPr>
-          <p:cNvSpPr/>
-          <p:nvPr/>
-        </p:nvSpPr>
-        <p:spPr>
-          <a:xfrm>
-            <a:off x="9074150" y="3911600"/>
-            <a:ext cx="838200" cy="457200"/>
-          </a:xfrm>
-          <a:prstGeom prst="rightArrow">
-            <a:avLst/>
-          </a:prstGeom>
-        </p:spPr>
-        <p:style>
-          <a:lnRef idx="2">
-            <a:schemeClr val="accent1">
-              <a:shade val="15000"/>
-            </a:schemeClr>
-          </a:lnRef>
-          <a:fillRef idx="1">
-            <a:schemeClr val="accent1"/>
-          </a:fillRef>
-          <a:effectRef idx="0">
-            <a:schemeClr val="accent1"/>
-          </a:effectRef>
-          <a:fontRef idx="minor">
-            <a:schemeClr val="lt1"/>
-          </a:fontRef>
-        </p:style>
-        <p:txBody>
-          <a:bodyPr rtlCol="0" anchor="ctr"/>
-          <a:lstStyle/>
-          <a:p>
-            <a:pPr algn="ctr"/>
-            <a:endParaRPr lang="en-US"/>
-          </a:p>
-        </p:txBody>
-      </p:sp>
-      <p:sp>
-        <p:nvSpPr>
-          <p:cNvPr id="26" name="TextBox 25">
-            <a:extLst>
-              <a:ext uri="{FF2B5EF4-FFF2-40B4-BE49-F238E27FC236}">
-                <a16:creationId xmlns:a16="http://schemas.microsoft.com/office/drawing/2014/main" id="{3B7B842D-B6EC-A4A6-E31D-791690CB77EC}"/>
+              <a:t>Add three and five</a:t>
+            </a:r>
+          </a:p>
+        </p:txBody>
+      </p:sp>
+      <p:sp>
+        <p:nvSpPr>
+          <p:cNvPr id="7" name="TextBox 6">
+            <a:extLst>
+              <a:ext uri="{FF2B5EF4-FFF2-40B4-BE49-F238E27FC236}">
+                <a16:creationId xmlns:a16="http://schemas.microsoft.com/office/drawing/2014/main" id="{E14874C2-473B-8667-4FAF-34A9C78161DE}"/>
               </a:ext>
             </a:extLst>
           </p:cNvPr>
@@ -8978,9 +9135,9 @@
           <p:nvPr/>
         </p:nvSpPr>
         <p:spPr>
-          <a:xfrm rot="2200018">
-            <a:off x="3178742" y="3429000"/>
-            <a:ext cx="1245854" cy="369332"/>
+          <a:xfrm>
+            <a:off x="9334500" y="3378200"/>
+            <a:ext cx="2018438" cy="1477328"/>
           </a:xfrm>
           <a:prstGeom prst="rect">
             <a:avLst/>
@@ -8994,117 +9151,34 @@
           <a:lstStyle/>
           <a:p>
             <a:r>
-              <a:rPr lang="en-US" dirty="0"/>
-              <a:t>MCP JSON</a:t>
-            </a:r>
-          </a:p>
-        </p:txBody>
-      </p:sp>
-      <p:sp>
-        <p:nvSpPr>
-          <p:cNvPr id="27" name="TextBox 26">
-            <a:extLst>
-              <a:ext uri="{FF2B5EF4-FFF2-40B4-BE49-F238E27FC236}">
-                <a16:creationId xmlns:a16="http://schemas.microsoft.com/office/drawing/2014/main" id="{1C6819D6-0760-4AF4-7237-A9AA62B00417}"/>
-              </a:ext>
-            </a:extLst>
-          </p:cNvPr>
-          <p:cNvSpPr txBox="1"/>
-          <p:nvPr/>
-        </p:nvSpPr>
-        <p:spPr>
-          <a:xfrm>
-            <a:off x="6181038" y="3949114"/>
-            <a:ext cx="1245854" cy="369332"/>
-          </a:xfrm>
-          <a:prstGeom prst="rect">
-            <a:avLst/>
-          </a:prstGeom>
-          <a:noFill/>
-        </p:spPr>
-        <p:txBody>
-          <a:bodyPr wrap="none" rtlCol="0">
-            <a:spAutoFit/>
-          </a:bodyPr>
-          <a:lstStyle/>
-          <a:p>
-            <a:r>
-              <a:rPr lang="en-US" dirty="0"/>
-              <a:t>MCP JSON</a:t>
-            </a:r>
-          </a:p>
-        </p:txBody>
-      </p:sp>
-      <p:sp>
-        <p:nvSpPr>
-          <p:cNvPr id="32" name="TextBox 31">
-            <a:extLst>
-              <a:ext uri="{FF2B5EF4-FFF2-40B4-BE49-F238E27FC236}">
-                <a16:creationId xmlns:a16="http://schemas.microsoft.com/office/drawing/2014/main" id="{327AB665-4A0A-348F-4D91-534037EB7C41}"/>
-              </a:ext>
-            </a:extLst>
-          </p:cNvPr>
-          <p:cNvSpPr txBox="1"/>
-          <p:nvPr/>
-        </p:nvSpPr>
-        <p:spPr>
-          <a:xfrm>
-            <a:off x="9074150" y="4865731"/>
-            <a:ext cx="2468753" cy="369332"/>
-          </a:xfrm>
-          <a:prstGeom prst="rect">
-            <a:avLst/>
-          </a:prstGeom>
-          <a:noFill/>
-        </p:spPr>
-        <p:txBody>
-          <a:bodyPr wrap="none" rtlCol="0">
-            <a:spAutoFit/>
-          </a:bodyPr>
-          <a:lstStyle/>
-          <a:p>
-            <a:r>
               <a:rPr lang="en-US" u="sng" dirty="0"/>
-              <a:t>Your</a:t>
-            </a:r>
-            <a:r>
-              <a:rPr lang="en-US" dirty="0"/>
-              <a:t> code calls the DB.</a:t>
-            </a:r>
-          </a:p>
-        </p:txBody>
-      </p:sp>
-      <p:sp>
-        <p:nvSpPr>
-          <p:cNvPr id="35" name="TextBox 34">
-            <a:extLst>
-              <a:ext uri="{FF2B5EF4-FFF2-40B4-BE49-F238E27FC236}">
-                <a16:creationId xmlns:a16="http://schemas.microsoft.com/office/drawing/2014/main" id="{86F5465E-D920-821D-F21D-81B945728DA7}"/>
-              </a:ext>
-            </a:extLst>
-          </p:cNvPr>
-          <p:cNvSpPr txBox="1"/>
-          <p:nvPr/>
-        </p:nvSpPr>
-        <p:spPr>
-          <a:xfrm>
-            <a:off x="2311818" y="2847662"/>
-            <a:ext cx="701602" cy="369332"/>
-          </a:xfrm>
-          <a:prstGeom prst="rect">
-            <a:avLst/>
-          </a:prstGeom>
-          <a:noFill/>
-        </p:spPr>
-        <p:txBody>
-          <a:bodyPr wrap="none" rtlCol="0">
-            <a:spAutoFit/>
-          </a:bodyPr>
-          <a:lstStyle/>
-          <a:p>
-            <a:r>
-              <a:rPr lang="en-US" dirty="0"/>
-              <a:t>Tools</a:t>
+              <a:t>Your code</a:t>
+            </a:r>
+            <a:r>
+              <a:rPr lang="en-US" dirty="0"/>
+              <a:t> handles</a:t>
+            </a:r>
+            <a:br>
+              <a:rPr lang="en-US" dirty="0"/>
+            </a:br>
+            <a:r>
+              <a:rPr lang="en-US" dirty="0"/>
+              <a:t>the request.</a:t>
+            </a:r>
+          </a:p>
+          <a:p>
+            <a:endParaRPr lang="en-US" dirty="0"/>
+          </a:p>
+          <a:p>
+            <a:r>
+              <a:rPr lang="en-US" dirty="0"/>
+              <a:t>Not the Agent.</a:t>
+            </a:r>
+          </a:p>
+          <a:p>
+            <a:r>
+              <a:rPr lang="en-US" dirty="0"/>
+              <a:t>Not the LLM.</a:t>
             </a:r>
           </a:p>
         </p:txBody>
@@ -9182,7 +9256,7 @@
         <p:spPr>
           <a:xfrm>
             <a:off x="509789" y="1426865"/>
-            <a:ext cx="6142149" cy="5262979"/>
+            <a:ext cx="6142149" cy="4832092"/>
           </a:xfrm>
           <a:prstGeom prst="rect">
             <a:avLst/>
@@ -9319,7 +9393,7 @@
                 <a:effectLst/>
                 <a:latin typeface="source-code-pro"/>
               </a:rPr>
-              <a:t>"Add two numbers, returning the result as a int"</a:t>
+              <a:t>"Add two numbers"</a:t>
             </a:r>
             <a:r>
               <a:rPr lang="en-US" sz="1400" b="0" i="0" dirty="0">
@@ -9764,111 +9838,7 @@
                 <a:effectLst/>
                 <a:latin typeface="source-code-pro"/>
               </a:rPr>
-              <a:t>],</a:t>
-            </a:r>
-            <a:br>
-              <a:rPr lang="en-US" sz="1400" dirty="0"/>
-            </a:br>
-            <a:r>
-              <a:rPr lang="en-US" sz="1400" dirty="0"/>
-              <a:t>		</a:t>
-            </a:r>
-            <a:r>
-              <a:rPr lang="en-US" sz="1400" b="0" i="0" dirty="0">
-                <a:solidFill>
-                  <a:srgbClr val="C41A16"/>
-                </a:solidFill>
-                <a:effectLst/>
-                <a:latin typeface="source-code-pro"/>
-              </a:rPr>
-              <a:t>"title"</a:t>
-            </a:r>
-            <a:r>
-              <a:rPr lang="en-US" sz="1400" b="0" i="0" dirty="0">
-                <a:solidFill>
-                  <a:srgbClr val="242424"/>
-                </a:solidFill>
-                <a:effectLst/>
-                <a:latin typeface="source-code-pro"/>
-              </a:rPr>
-              <a:t>: </a:t>
-            </a:r>
-            <a:r>
-              <a:rPr lang="en-US" sz="1400" b="0" i="0" dirty="0">
-                <a:solidFill>
-                  <a:srgbClr val="C41A16"/>
-                </a:solidFill>
-                <a:effectLst/>
-                <a:latin typeface="source-code-pro"/>
-              </a:rPr>
-              <a:t>"</a:t>
-            </a:r>
-            <a:r>
-              <a:rPr lang="en-US" sz="1400" b="0" i="0" dirty="0" err="1">
-                <a:solidFill>
-                  <a:srgbClr val="C41A16"/>
-                </a:solidFill>
-                <a:effectLst/>
-                <a:latin typeface="source-code-pro"/>
-              </a:rPr>
-              <a:t>addArguments</a:t>
-            </a:r>
-            <a:r>
-              <a:rPr lang="en-US" sz="1400" b="0" i="0" dirty="0">
-                <a:solidFill>
-                  <a:srgbClr val="C41A16"/>
-                </a:solidFill>
-                <a:effectLst/>
-                <a:latin typeface="source-code-pro"/>
-              </a:rPr>
-              <a:t>"</a:t>
-            </a:r>
-            <a:r>
-              <a:rPr lang="en-US" sz="1400" b="0" i="0" dirty="0">
-                <a:solidFill>
-                  <a:srgbClr val="242424"/>
-                </a:solidFill>
-                <a:effectLst/>
-                <a:latin typeface="source-code-pro"/>
-              </a:rPr>
-              <a:t>,</a:t>
-            </a:r>
-            <a:br>
-              <a:rPr lang="en-US" sz="1400" dirty="0"/>
-            </a:br>
-            <a:r>
-              <a:rPr lang="en-US" sz="1400" dirty="0"/>
-              <a:t>		</a:t>
-            </a:r>
-            <a:r>
-              <a:rPr lang="en-US" sz="1400" b="0" i="0" dirty="0">
-                <a:solidFill>
-                  <a:srgbClr val="C41A16"/>
-                </a:solidFill>
-                <a:effectLst/>
-                <a:latin typeface="source-code-pro"/>
-              </a:rPr>
-              <a:t>"type"</a:t>
-            </a:r>
-            <a:r>
-              <a:rPr lang="en-US" sz="1400" b="0" i="0" dirty="0">
-                <a:solidFill>
-                  <a:srgbClr val="242424"/>
-                </a:solidFill>
-                <a:effectLst/>
-                <a:latin typeface="source-code-pro"/>
-              </a:rPr>
-              <a:t>: </a:t>
-            </a:r>
-            <a:r>
-              <a:rPr lang="en-US" sz="1400" b="0" i="0" dirty="0">
-                <a:solidFill>
-                  <a:srgbClr val="C41A16"/>
-                </a:solidFill>
-                <a:effectLst/>
-                <a:latin typeface="source-code-pro"/>
-              </a:rPr>
-              <a:t>"object"</a:t>
+              <a:t>]</a:t>
             </a:r>
             <a:br>
               <a:rPr lang="en-US" sz="1400" dirty="0"/>
@@ -10075,13 +10045,15 @@
               </a:ext>
             </a:extLst>
           </p:cNvPr>
-          <p:cNvCxnSpPr/>
+          <p:cNvCxnSpPr>
+            <a:cxnSpLocks/>
+          </p:cNvCxnSpPr>
           <p:nvPr/>
         </p:nvCxnSpPr>
         <p:spPr>
           <a:xfrm flipV="1">
             <a:off x="6651938" y="3129566"/>
-            <a:ext cx="2646608" cy="3560278"/>
+            <a:ext cx="2646608" cy="3129391"/>
           </a:xfrm>
           <a:prstGeom prst="line">
             <a:avLst/>
@@ -10803,6 +10775,168 @@
             <a:r>
               <a:rPr lang="en-US" dirty="0"/>
               <a:t>Tools</a:t>
+            </a:r>
+          </a:p>
+        </p:txBody>
+      </p:sp>
+      <p:sp>
+        <p:nvSpPr>
+          <p:cNvPr id="7" name="Speech Bubble: Oval 6">
+            <a:extLst>
+              <a:ext uri="{FF2B5EF4-FFF2-40B4-BE49-F238E27FC236}">
+                <a16:creationId xmlns:a16="http://schemas.microsoft.com/office/drawing/2014/main" id="{91623B1E-D183-F0B8-FFAC-B97AABB0D12F}"/>
+              </a:ext>
+            </a:extLst>
+          </p:cNvPr>
+          <p:cNvSpPr/>
+          <p:nvPr/>
+        </p:nvSpPr>
+        <p:spPr>
+          <a:xfrm>
+            <a:off x="245368" y="2243673"/>
+            <a:ext cx="1707538" cy="825500"/>
+          </a:xfrm>
+          <a:prstGeom prst="wedgeEllipseCallout">
+            <a:avLst>
+              <a:gd name="adj1" fmla="val -64925"/>
+              <a:gd name="adj2" fmla="val 65577"/>
+            </a:avLst>
+          </a:prstGeom>
+        </p:spPr>
+        <p:style>
+          <a:lnRef idx="2">
+            <a:schemeClr val="accent1">
+              <a:shade val="15000"/>
+            </a:schemeClr>
+          </a:lnRef>
+          <a:fillRef idx="1">
+            <a:schemeClr val="accent1"/>
+          </a:fillRef>
+          <a:effectRef idx="0">
+            <a:schemeClr val="accent1"/>
+          </a:effectRef>
+          <a:fontRef idx="minor">
+            <a:schemeClr val="lt1"/>
+          </a:fontRef>
+        </p:style>
+        <p:txBody>
+          <a:bodyPr rtlCol="0" anchor="ctr"/>
+          <a:lstStyle/>
+          <a:p>
+            <a:pPr algn="ctr"/>
+            <a:r>
+              <a:rPr lang="en-US" dirty="0"/>
+              <a:t>Add three and five</a:t>
+            </a:r>
+          </a:p>
+        </p:txBody>
+      </p:sp>
+      <p:pic>
+        <p:nvPicPr>
+          <p:cNvPr id="9" name="Picture 8" descr="A cartoon of a rabbit with a brain coming out of a computer screen&#10;&#10;AI-generated content may be incorrect.">
+            <a:extLst>
+              <a:ext uri="{FF2B5EF4-FFF2-40B4-BE49-F238E27FC236}">
+                <a16:creationId xmlns:a16="http://schemas.microsoft.com/office/drawing/2014/main" id="{3BADDBC4-A6AA-A19B-A91A-CEEAB6DC911D}"/>
+              </a:ext>
+            </a:extLst>
+          </p:cNvPr>
+          <p:cNvPicPr>
+            <a:picLocks noChangeAspect="1"/>
+          </p:cNvPicPr>
+          <p:nvPr/>
+        </p:nvPicPr>
+        <p:blipFill>
+          <a:blip r:embed="rId2">
+            <a:extLst>
+              <a:ext uri="{28A0092B-C50C-407E-A947-70E740481C1C}">
+                <a14:useLocalDpi xmlns:a14="http://schemas.microsoft.com/office/drawing/2010/main" val="0"/>
+              </a:ext>
+            </a:extLst>
+          </a:blip>
+          <a:srcRect l="44796" r="30347"/>
+          <a:stretch>
+            <a:fillRect/>
+          </a:stretch>
+        </p:blipFill>
+        <p:spPr>
+          <a:xfrm>
+            <a:off x="10835022" y="1959083"/>
+            <a:ext cx="1738901" cy="4086225"/>
+          </a:xfrm>
+          <a:prstGeom prst="rect">
+            <a:avLst/>
+          </a:prstGeom>
+        </p:spPr>
+      </p:pic>
+      <p:pic>
+        <p:nvPicPr>
+          <p:cNvPr id="10" name="Picture 9">
+            <a:extLst>
+              <a:ext uri="{FF2B5EF4-FFF2-40B4-BE49-F238E27FC236}">
+                <a16:creationId xmlns:a16="http://schemas.microsoft.com/office/drawing/2014/main" id="{B3767EA8-0367-1EC7-6976-FAB35707B0C6}"/>
+              </a:ext>
+            </a:extLst>
+          </p:cNvPr>
+          <p:cNvPicPr>
+            <a:picLocks noChangeAspect="1"/>
+          </p:cNvPicPr>
+          <p:nvPr/>
+        </p:nvPicPr>
+        <p:blipFill>
+          <a:blip r:embed="rId3"/>
+          <a:stretch>
+            <a:fillRect/>
+          </a:stretch>
+        </p:blipFill>
+        <p:spPr>
+          <a:xfrm>
+            <a:off x="11456584" y="3736967"/>
+            <a:ext cx="495777" cy="530456"/>
+          </a:xfrm>
+          <a:prstGeom prst="rect">
+            <a:avLst/>
+          </a:prstGeom>
+        </p:spPr>
+      </p:pic>
+      <p:sp>
+        <p:nvSpPr>
+          <p:cNvPr id="15" name="TextBox 14">
+            <a:extLst>
+              <a:ext uri="{FF2B5EF4-FFF2-40B4-BE49-F238E27FC236}">
+                <a16:creationId xmlns:a16="http://schemas.microsoft.com/office/drawing/2014/main" id="{14EA9DF3-44F9-3DF4-A8CB-C44BA8D50622}"/>
+              </a:ext>
+            </a:extLst>
+          </p:cNvPr>
+          <p:cNvSpPr txBox="1"/>
+          <p:nvPr/>
+        </p:nvSpPr>
+        <p:spPr>
+          <a:xfrm>
+            <a:off x="10754754" y="4738047"/>
+            <a:ext cx="1501886" cy="646331"/>
+          </a:xfrm>
+          <a:prstGeom prst="rect">
+            <a:avLst/>
+          </a:prstGeom>
+          <a:noFill/>
+        </p:spPr>
+        <p:txBody>
+          <a:bodyPr wrap="none" rtlCol="0">
+            <a:spAutoFit/>
+          </a:bodyPr>
+          <a:lstStyle/>
+          <a:p>
+            <a:pPr algn="ctr"/>
+            <a:r>
+              <a:rPr lang="en-US" dirty="0"/>
+              <a:t>MCP Client</a:t>
+            </a:r>
+          </a:p>
+          <a:p>
+            <a:pPr algn="ctr"/>
+            <a:r>
+              <a:rPr lang="en-US" dirty="0"/>
+              <a:t>(Agent Mode)</a:t>
             </a:r>
           </a:p>
         </p:txBody>
@@ -10868,7 +11002,7 @@
           <a:p>
             <a:r>
               <a:rPr lang="en-US" dirty="0"/>
-              <a:t>Your code is sent this JSON.</a:t>
+              <a:t>Agent Mode passes the JSON to your server.</a:t>
             </a:r>
             <a:br>
               <a:rPr lang="en-US" dirty="0"/>
@@ -10902,7 +11036,7 @@
         </p:nvSpPr>
         <p:spPr>
           <a:xfrm>
-            <a:off x="1086836" y="1871659"/>
+            <a:off x="2369536" y="1871659"/>
             <a:ext cx="6094990" cy="3785652"/>
           </a:xfrm>
           <a:prstGeom prst="rect">
@@ -11243,7 +11377,7 @@
         </p:blipFill>
         <p:spPr>
           <a:xfrm>
-            <a:off x="7630732" y="1545465"/>
+            <a:off x="8913432" y="1545465"/>
             <a:ext cx="2675329" cy="4580362"/>
           </a:xfrm>
           <a:prstGeom prst="rect">
@@ -11265,7 +11399,7 @@
         </p:nvSpPr>
         <p:spPr>
           <a:xfrm>
-            <a:off x="8776450" y="4549315"/>
+            <a:off x="10059150" y="4549315"/>
             <a:ext cx="1340047" cy="646331"/>
           </a:xfrm>
           <a:prstGeom prst="rect">
@@ -11316,7 +11450,7 @@
         </p:nvSpPr>
         <p:spPr>
           <a:xfrm>
-            <a:off x="7530596" y="3582066"/>
+            <a:off x="8813296" y="3582066"/>
             <a:ext cx="1245854" cy="369332"/>
           </a:xfrm>
           <a:prstGeom prst="rect">
@@ -11351,7 +11485,7 @@
         </p:nvSpPr>
         <p:spPr>
           <a:xfrm flipH="1">
-            <a:off x="7219448" y="1892532"/>
+            <a:off x="8502148" y="1892532"/>
             <a:ext cx="311147" cy="3743906"/>
           </a:xfrm>
           <a:prstGeom prst="leftBrace">
@@ -11381,6 +11515,237 @@
           </a:p>
         </p:txBody>
       </p:sp>
+      <p:sp>
+        <p:nvSpPr>
+          <p:cNvPr id="4" name="TextBox 3">
+            <a:extLst>
+              <a:ext uri="{FF2B5EF4-FFF2-40B4-BE49-F238E27FC236}">
+                <a16:creationId xmlns:a16="http://schemas.microsoft.com/office/drawing/2014/main" id="{A438EDCA-ACCA-02DE-1372-A1A2591ABCFB}"/>
+              </a:ext>
+            </a:extLst>
+          </p:cNvPr>
+          <p:cNvSpPr txBox="1"/>
+          <p:nvPr/>
+        </p:nvSpPr>
+        <p:spPr>
+          <a:xfrm>
+            <a:off x="2920065" y="5838282"/>
+            <a:ext cx="4993931" cy="369332"/>
+          </a:xfrm>
+          <a:prstGeom prst="rect">
+            <a:avLst/>
+          </a:prstGeom>
+          <a:noFill/>
+        </p:spPr>
+        <p:txBody>
+          <a:bodyPr wrap="none" rtlCol="0">
+            <a:spAutoFit/>
+          </a:bodyPr>
+          <a:lstStyle/>
+          <a:p>
+            <a:r>
+              <a:rPr lang="en-US" dirty="0"/>
+              <a:t>This has reduced to a very ordinary web-dev task.</a:t>
+            </a:r>
+          </a:p>
+        </p:txBody>
+      </p:sp>
+      <p:pic>
+        <p:nvPicPr>
+          <p:cNvPr id="8" name="Picture 7" descr="A cartoon of a rabbit with a brain coming out of a computer screen&#10;&#10;AI-generated content may be incorrect.">
+            <a:extLst>
+              <a:ext uri="{FF2B5EF4-FFF2-40B4-BE49-F238E27FC236}">
+                <a16:creationId xmlns:a16="http://schemas.microsoft.com/office/drawing/2014/main" id="{2C95E9BE-22D0-C6CC-39F5-72BECC7F773B}"/>
+              </a:ext>
+            </a:extLst>
+          </p:cNvPr>
+          <p:cNvPicPr>
+            <a:picLocks noChangeAspect="1"/>
+          </p:cNvPicPr>
+          <p:nvPr/>
+        </p:nvPicPr>
+        <p:blipFill>
+          <a:blip r:embed="rId2">
+            <a:extLst>
+              <a:ext uri="{28A0092B-C50C-407E-A947-70E740481C1C}">
+                <a14:useLocalDpi xmlns:a14="http://schemas.microsoft.com/office/drawing/2010/main" val="0"/>
+              </a:ext>
+            </a:extLst>
+          </a:blip>
+          <a:srcRect l="44796" r="19998"/>
+          <a:stretch>
+            <a:fillRect/>
+          </a:stretch>
+        </p:blipFill>
+        <p:spPr>
+          <a:xfrm>
+            <a:off x="-233951" y="1792533"/>
+            <a:ext cx="2462846" cy="4086225"/>
+          </a:xfrm>
+          <a:prstGeom prst="rect">
+            <a:avLst/>
+          </a:prstGeom>
+        </p:spPr>
+      </p:pic>
+      <p:sp>
+        <p:nvSpPr>
+          <p:cNvPr id="10" name="TextBox 9">
+            <a:extLst>
+              <a:ext uri="{FF2B5EF4-FFF2-40B4-BE49-F238E27FC236}">
+                <a16:creationId xmlns:a16="http://schemas.microsoft.com/office/drawing/2014/main" id="{1008050C-4B36-540F-0BA3-D4270782D7AA}"/>
+              </a:ext>
+            </a:extLst>
+          </p:cNvPr>
+          <p:cNvSpPr txBox="1"/>
+          <p:nvPr/>
+        </p:nvSpPr>
+        <p:spPr>
+          <a:xfrm>
+            <a:off x="-147704" y="4549314"/>
+            <a:ext cx="1501886" cy="646331"/>
+          </a:xfrm>
+          <a:prstGeom prst="rect">
+            <a:avLst/>
+          </a:prstGeom>
+          <a:noFill/>
+        </p:spPr>
+        <p:txBody>
+          <a:bodyPr wrap="none" rtlCol="0">
+            <a:spAutoFit/>
+          </a:bodyPr>
+          <a:lstStyle/>
+          <a:p>
+            <a:pPr algn="ctr"/>
+            <a:r>
+              <a:rPr lang="en-US" dirty="0"/>
+              <a:t>MCP Client</a:t>
+            </a:r>
+          </a:p>
+          <a:p>
+            <a:pPr algn="ctr"/>
+            <a:r>
+              <a:rPr lang="en-US" dirty="0"/>
+              <a:t>(Agent Mode)</a:t>
+            </a:r>
+          </a:p>
+        </p:txBody>
+      </p:sp>
+      <p:sp>
+        <p:nvSpPr>
+          <p:cNvPr id="13" name="TextBox 12">
+            <a:extLst>
+              <a:ext uri="{FF2B5EF4-FFF2-40B4-BE49-F238E27FC236}">
+                <a16:creationId xmlns:a16="http://schemas.microsoft.com/office/drawing/2014/main" id="{657BC1E1-551D-3094-E73E-97FB76F127CE}"/>
+              </a:ext>
+            </a:extLst>
+          </p:cNvPr>
+          <p:cNvSpPr txBox="1"/>
+          <p:nvPr/>
+        </p:nvSpPr>
+        <p:spPr>
+          <a:xfrm>
+            <a:off x="2801754" y="4916363"/>
+            <a:ext cx="1340047" cy="646331"/>
+          </a:xfrm>
+          <a:prstGeom prst="rect">
+            <a:avLst/>
+          </a:prstGeom>
+          <a:noFill/>
+        </p:spPr>
+        <p:txBody>
+          <a:bodyPr wrap="none" rtlCol="0">
+            <a:spAutoFit/>
+          </a:bodyPr>
+          <a:lstStyle/>
+          <a:p>
+            <a:pPr algn="ctr"/>
+            <a:r>
+              <a:rPr lang="en-US" dirty="0"/>
+              <a:t>MCP Server</a:t>
+            </a:r>
+          </a:p>
+          <a:p>
+            <a:pPr algn="ctr"/>
+            <a:r>
+              <a:rPr lang="en-US" dirty="0"/>
+              <a:t>(</a:t>
+            </a:r>
+            <a:r>
+              <a:rPr lang="en-US" u="sng" dirty="0"/>
+              <a:t>your</a:t>
+            </a:r>
+            <a:r>
+              <a:rPr lang="en-US" dirty="0"/>
+              <a:t> code)</a:t>
+            </a:r>
+          </a:p>
+        </p:txBody>
+      </p:sp>
+      <p:sp>
+        <p:nvSpPr>
+          <p:cNvPr id="15" name="TextBox 14">
+            <a:extLst>
+              <a:ext uri="{FF2B5EF4-FFF2-40B4-BE49-F238E27FC236}">
+                <a16:creationId xmlns:a16="http://schemas.microsoft.com/office/drawing/2014/main" id="{388E9E91-85DE-78BD-2010-70F9BA442AA5}"/>
+              </a:ext>
+            </a:extLst>
+          </p:cNvPr>
+          <p:cNvSpPr txBox="1"/>
+          <p:nvPr/>
+        </p:nvSpPr>
+        <p:spPr>
+          <a:xfrm>
+            <a:off x="1354182" y="3681535"/>
+            <a:ext cx="1245854" cy="369332"/>
+          </a:xfrm>
+          <a:prstGeom prst="rect">
+            <a:avLst/>
+          </a:prstGeom>
+          <a:noFill/>
+        </p:spPr>
+        <p:txBody>
+          <a:bodyPr wrap="none" rtlCol="0">
+            <a:spAutoFit/>
+          </a:bodyPr>
+          <a:lstStyle/>
+          <a:p>
+            <a:r>
+              <a:rPr lang="en-US" dirty="0"/>
+              <a:t>MCP JSON</a:t>
+            </a:r>
+          </a:p>
+        </p:txBody>
+      </p:sp>
+      <p:pic>
+        <p:nvPicPr>
+          <p:cNvPr id="17" name="Picture 16">
+            <a:extLst>
+              <a:ext uri="{FF2B5EF4-FFF2-40B4-BE49-F238E27FC236}">
+                <a16:creationId xmlns:a16="http://schemas.microsoft.com/office/drawing/2014/main" id="{BC9801C7-5AE5-D3C9-BA5A-C25C0FAF5815}"/>
+              </a:ext>
+            </a:extLst>
+          </p:cNvPr>
+          <p:cNvPicPr>
+            <a:picLocks noChangeAspect="1"/>
+          </p:cNvPicPr>
+          <p:nvPr/>
+        </p:nvPicPr>
+        <p:blipFill>
+          <a:blip r:embed="rId3"/>
+          <a:stretch>
+            <a:fillRect/>
+          </a:stretch>
+        </p:blipFill>
+        <p:spPr>
+          <a:xfrm>
+            <a:off x="312227" y="3570417"/>
+            <a:ext cx="495777" cy="530456"/>
+          </a:xfrm>
+          <a:prstGeom prst="rect">
+            <a:avLst/>
+          </a:prstGeom>
+        </p:spPr>
+      </p:pic>
     </p:spTree>
     <p:extLst>
       <p:ext uri="{BB962C8B-B14F-4D97-AF65-F5344CB8AC3E}">

--- a/ClassMaterials/Week9/MCP Servers.pptx
+++ b/ClassMaterials/Week9/MCP Servers.pptx
@@ -10724,14 +10724,7 @@
             <a:pPr algn="ctr"/>
             <a:r>
               <a:rPr lang="en-US" dirty="0"/>
-              <a:t>If the LLM determines it needs to run a tool,</a:t>
-            </a:r>
-          </a:p>
-          <a:p>
-            <a:pPr algn="ctr"/>
-            <a:r>
-              <a:rPr lang="en-US" dirty="0"/>
-              <a:t>the LLM </a:t>
+              <a:t>The LLM </a:t>
             </a:r>
             <a:r>
               <a:rPr lang="en-US" i="1" dirty="0"/>
@@ -10739,7 +10732,14 @@
             </a:r>
             <a:r>
               <a:rPr lang="en-US" dirty="0"/>
-              <a:t> this JSON in its response to the Agent.</a:t>
+              <a:t> precise JSON in its response to the Agent.</a:t>
+            </a:r>
+          </a:p>
+          <a:p>
+            <a:pPr algn="ctr"/>
+            <a:r>
+              <a:rPr lang="en-US" dirty="0"/>
+              <a:t>(Nothing can possibly go wrong with this plan)</a:t>
             </a:r>
           </a:p>
         </p:txBody>
@@ -11626,57 +11626,6 @@
             <a:r>
               <a:rPr lang="en-US" dirty="0"/>
               <a:t>(Agent Mode)</a:t>
-            </a:r>
-          </a:p>
-        </p:txBody>
-      </p:sp>
-      <p:sp>
-        <p:nvSpPr>
-          <p:cNvPr id="13" name="TextBox 12">
-            <a:extLst>
-              <a:ext uri="{FF2B5EF4-FFF2-40B4-BE49-F238E27FC236}">
-                <a16:creationId xmlns:a16="http://schemas.microsoft.com/office/drawing/2014/main" id="{657BC1E1-551D-3094-E73E-97FB76F127CE}"/>
-              </a:ext>
-            </a:extLst>
-          </p:cNvPr>
-          <p:cNvSpPr txBox="1"/>
-          <p:nvPr/>
-        </p:nvSpPr>
-        <p:spPr>
-          <a:xfrm>
-            <a:off x="2801754" y="4916363"/>
-            <a:ext cx="1340047" cy="646331"/>
-          </a:xfrm>
-          <a:prstGeom prst="rect">
-            <a:avLst/>
-          </a:prstGeom>
-          <a:noFill/>
-        </p:spPr>
-        <p:txBody>
-          <a:bodyPr wrap="none" rtlCol="0">
-            <a:spAutoFit/>
-          </a:bodyPr>
-          <a:lstStyle/>
-          <a:p>
-            <a:pPr algn="ctr"/>
-            <a:r>
-              <a:rPr lang="en-US" dirty="0"/>
-              <a:t>MCP Server</a:t>
-            </a:r>
-          </a:p>
-          <a:p>
-            <a:pPr algn="ctr"/>
-            <a:r>
-              <a:rPr lang="en-US" dirty="0"/>
-              <a:t>(</a:t>
-            </a:r>
-            <a:r>
-              <a:rPr lang="en-US" u="sng" dirty="0"/>
-              <a:t>your</a:t>
-            </a:r>
-            <a:r>
-              <a:rPr lang="en-US" dirty="0"/>
-              <a:t> code)</a:t>
             </a:r>
           </a:p>
         </p:txBody>

--- a/ClassMaterials/Week9/MCP Servers.pptx
+++ b/ClassMaterials/Week9/MCP Servers.pptx
@@ -5,7 +5,7 @@
     <p:sldMasterId id="2147483648" r:id="rId1"/>
   </p:sldMasterIdLst>
   <p:notesMasterIdLst>
-    <p:notesMasterId r:id="rId21"/>
+    <p:notesMasterId r:id="rId22"/>
   </p:notesMasterIdLst>
   <p:sldIdLst>
     <p:sldId id="258" r:id="rId2"/>
@@ -14,19 +14,20 @@
     <p:sldId id="256" r:id="rId5"/>
     <p:sldId id="266" r:id="rId6"/>
     <p:sldId id="268" r:id="rId7"/>
-    <p:sldId id="283" r:id="rId8"/>
-    <p:sldId id="271" r:id="rId9"/>
-    <p:sldId id="285" r:id="rId10"/>
-    <p:sldId id="270" r:id="rId11"/>
-    <p:sldId id="276" r:id="rId12"/>
-    <p:sldId id="273" r:id="rId13"/>
-    <p:sldId id="279" r:id="rId14"/>
-    <p:sldId id="280" r:id="rId15"/>
-    <p:sldId id="267" r:id="rId16"/>
-    <p:sldId id="272" r:id="rId17"/>
-    <p:sldId id="277" r:id="rId18"/>
-    <p:sldId id="281" r:id="rId19"/>
-    <p:sldId id="274" r:id="rId20"/>
+    <p:sldId id="286" r:id="rId8"/>
+    <p:sldId id="283" r:id="rId9"/>
+    <p:sldId id="271" r:id="rId10"/>
+    <p:sldId id="285" r:id="rId11"/>
+    <p:sldId id="270" r:id="rId12"/>
+    <p:sldId id="276" r:id="rId13"/>
+    <p:sldId id="273" r:id="rId14"/>
+    <p:sldId id="279" r:id="rId15"/>
+    <p:sldId id="280" r:id="rId16"/>
+    <p:sldId id="267" r:id="rId17"/>
+    <p:sldId id="272" r:id="rId18"/>
+    <p:sldId id="277" r:id="rId19"/>
+    <p:sldId id="281" r:id="rId20"/>
+    <p:sldId id="274" r:id="rId21"/>
   </p:sldIdLst>
   <p:sldSz cx="12192000" cy="6858000"/>
   <p:notesSz cx="6858000" cy="9144000"/>
@@ -215,7 +216,7 @@
           <a:p>
             <a:fld id="{3FBF18DD-2582-4384-8F05-2BFE7DC01E67}" type="datetimeFigureOut">
               <a:rPr lang="en-US" smtClean="0"/>
-              <a:t>11/4/2025</a:t>
+              <a:t>11/5/2025</a:t>
             </a:fld>
             <a:endParaRPr lang="en-US"/>
           </a:p>
@@ -802,7 +803,7 @@
           <a:p>
             <a:fld id="{63072615-FECA-440A-88E4-232CB6E4E4EC}" type="slidenum">
               <a:rPr lang="en-US" smtClean="0"/>
-              <a:t>15</a:t>
+              <a:t>16</a:t>
             </a:fld>
             <a:endParaRPr lang="en-US"/>
           </a:p>
@@ -968,7 +969,7 @@
           <a:p>
             <a:fld id="{6D85D5A9-7D30-4DA7-A324-67AC7A15AFF5}" type="datetimeFigureOut">
               <a:rPr lang="en-US" smtClean="0"/>
-              <a:t>11/4/2025</a:t>
+              <a:t>11/5/2025</a:t>
             </a:fld>
             <a:endParaRPr lang="en-US"/>
           </a:p>
@@ -1166,7 +1167,7 @@
           <a:p>
             <a:fld id="{6D85D5A9-7D30-4DA7-A324-67AC7A15AFF5}" type="datetimeFigureOut">
               <a:rPr lang="en-US" smtClean="0"/>
-              <a:t>11/4/2025</a:t>
+              <a:t>11/5/2025</a:t>
             </a:fld>
             <a:endParaRPr lang="en-US"/>
           </a:p>
@@ -1374,7 +1375,7 @@
           <a:p>
             <a:fld id="{6D85D5A9-7D30-4DA7-A324-67AC7A15AFF5}" type="datetimeFigureOut">
               <a:rPr lang="en-US" smtClean="0"/>
-              <a:t>11/4/2025</a:t>
+              <a:t>11/5/2025</a:t>
             </a:fld>
             <a:endParaRPr lang="en-US"/>
           </a:p>
@@ -1572,7 +1573,7 @@
           <a:p>
             <a:fld id="{6D85D5A9-7D30-4DA7-A324-67AC7A15AFF5}" type="datetimeFigureOut">
               <a:rPr lang="en-US" smtClean="0"/>
-              <a:t>11/4/2025</a:t>
+              <a:t>11/5/2025</a:t>
             </a:fld>
             <a:endParaRPr lang="en-US"/>
           </a:p>
@@ -1847,7 +1848,7 @@
           <a:p>
             <a:fld id="{6D85D5A9-7D30-4DA7-A324-67AC7A15AFF5}" type="datetimeFigureOut">
               <a:rPr lang="en-US" smtClean="0"/>
-              <a:t>11/4/2025</a:t>
+              <a:t>11/5/2025</a:t>
             </a:fld>
             <a:endParaRPr lang="en-US"/>
           </a:p>
@@ -2112,7 +2113,7 @@
           <a:p>
             <a:fld id="{6D85D5A9-7D30-4DA7-A324-67AC7A15AFF5}" type="datetimeFigureOut">
               <a:rPr lang="en-US" smtClean="0"/>
-              <a:t>11/4/2025</a:t>
+              <a:t>11/5/2025</a:t>
             </a:fld>
             <a:endParaRPr lang="en-US"/>
           </a:p>
@@ -2524,7 +2525,7 @@
           <a:p>
             <a:fld id="{6D85D5A9-7D30-4DA7-A324-67AC7A15AFF5}" type="datetimeFigureOut">
               <a:rPr lang="en-US" smtClean="0"/>
-              <a:t>11/4/2025</a:t>
+              <a:t>11/5/2025</a:t>
             </a:fld>
             <a:endParaRPr lang="en-US"/>
           </a:p>
@@ -2665,7 +2666,7 @@
           <a:p>
             <a:fld id="{6D85D5A9-7D30-4DA7-A324-67AC7A15AFF5}" type="datetimeFigureOut">
               <a:rPr lang="en-US" smtClean="0"/>
-              <a:t>11/4/2025</a:t>
+              <a:t>11/5/2025</a:t>
             </a:fld>
             <a:endParaRPr lang="en-US"/>
           </a:p>
@@ -2778,7 +2779,7 @@
           <a:p>
             <a:fld id="{6D85D5A9-7D30-4DA7-A324-67AC7A15AFF5}" type="datetimeFigureOut">
               <a:rPr lang="en-US" smtClean="0"/>
-              <a:t>11/4/2025</a:t>
+              <a:t>11/5/2025</a:t>
             </a:fld>
             <a:endParaRPr lang="en-US"/>
           </a:p>
@@ -3089,7 +3090,7 @@
           <a:p>
             <a:fld id="{6D85D5A9-7D30-4DA7-A324-67AC7A15AFF5}" type="datetimeFigureOut">
               <a:rPr lang="en-US" smtClean="0"/>
-              <a:t>11/4/2025</a:t>
+              <a:t>11/5/2025</a:t>
             </a:fld>
             <a:endParaRPr lang="en-US"/>
           </a:p>
@@ -3377,7 +3378,7 @@
           <a:p>
             <a:fld id="{6D85D5A9-7D30-4DA7-A324-67AC7A15AFF5}" type="datetimeFigureOut">
               <a:rPr lang="en-US" smtClean="0"/>
-              <a:t>11/4/2025</a:t>
+              <a:t>11/5/2025</a:t>
             </a:fld>
             <a:endParaRPr lang="en-US"/>
           </a:p>
@@ -3618,7 +3619,7 @@
           <a:p>
             <a:fld id="{6D85D5A9-7D30-4DA7-A324-67AC7A15AFF5}" type="datetimeFigureOut">
               <a:rPr lang="en-US" smtClean="0"/>
-              <a:t>11/4/2025</a:t>
+              <a:t>11/5/2025</a:t>
             </a:fld>
             <a:endParaRPr lang="en-US"/>
           </a:p>
@@ -4176,7 +4177,13 @@
   <p:cSld>
     <p:spTree>
       <p:nvGrpSpPr>
-        <p:cNvPr id="1" name=""/>
+        <p:cNvPr id="1" name="">
+          <a:extLst>
+            <a:ext uri="{FF2B5EF4-FFF2-40B4-BE49-F238E27FC236}">
+              <a16:creationId xmlns:a16="http://schemas.microsoft.com/office/drawing/2014/main" id="{DC9A4B7B-E6AE-D82D-0146-03405F3D325C}"/>
+            </a:ext>
+          </a:extLst>
+        </p:cNvPr>
         <p:cNvGrpSpPr/>
         <p:nvPr/>
       </p:nvGrpSpPr>
@@ -4193,7 +4200,7 @@
           <p:cNvPr id="2" name="Title 1">
             <a:extLst>
               <a:ext uri="{FF2B5EF4-FFF2-40B4-BE49-F238E27FC236}">
-                <a16:creationId xmlns:a16="http://schemas.microsoft.com/office/drawing/2014/main" id="{666E4693-A3B9-1599-28A4-9B6B48301B69}"/>
+                <a16:creationId xmlns:a16="http://schemas.microsoft.com/office/drawing/2014/main" id="{F089600B-C19C-8D32-9E95-61D65376766E}"/>
               </a:ext>
             </a:extLst>
           </p:cNvPr>
@@ -4206,61 +4213,47 @@
         </p:nvSpPr>
         <p:spPr/>
         <p:txBody>
-          <a:bodyPr/>
-          <a:lstStyle/>
-          <a:p>
-            <a:r>
-              <a:rPr lang="en-US" dirty="0" err="1"/>
-              <a:t>FastMCP</a:t>
-            </a:r>
-            <a:r>
-              <a:rPr lang="en-US" dirty="0"/>
-              <a:t> abstracts out the JSON and server</a:t>
-            </a:r>
-          </a:p>
-        </p:txBody>
-      </p:sp>
-      <p:pic>
-        <p:nvPicPr>
-          <p:cNvPr id="5" name="Content Placeholder 4" descr="A screenshot of a computer code&#10;&#10;AI-generated content may be incorrect.">
-            <a:extLst>
-              <a:ext uri="{FF2B5EF4-FFF2-40B4-BE49-F238E27FC236}">
-                <a16:creationId xmlns:a16="http://schemas.microsoft.com/office/drawing/2014/main" id="{63CF6B6D-6404-12AC-1333-C5C9AA385C12}"/>
-              </a:ext>
-            </a:extLst>
-          </p:cNvPr>
-          <p:cNvPicPr>
-            <a:picLocks noGrp="1" noChangeAspect="1"/>
-          </p:cNvPicPr>
-          <p:nvPr>
-            <p:ph idx="1"/>
-          </p:nvPr>
-        </p:nvPicPr>
-        <p:blipFill>
-          <a:blip r:embed="rId2">
-            <a:extLst>
-              <a:ext uri="{28A0092B-C50C-407E-A947-70E740481C1C}">
-                <a14:useLocalDpi xmlns:a14="http://schemas.microsoft.com/office/drawing/2010/main" val="0"/>
-              </a:ext>
-            </a:extLst>
-          </a:blip>
-          <a:stretch>
-            <a:fillRect/>
-          </a:stretch>
-        </p:blipFill>
-        <p:spPr>
-          <a:xfrm>
-            <a:off x="3515666" y="2414346"/>
-            <a:ext cx="5863376" cy="2607889"/>
-          </a:xfrm>
-        </p:spPr>
-      </p:pic>
-      <p:sp>
-        <p:nvSpPr>
-          <p:cNvPr id="9" name="TextBox 8">
-            <a:extLst>
-              <a:ext uri="{FF2B5EF4-FFF2-40B4-BE49-F238E27FC236}">
-                <a16:creationId xmlns:a16="http://schemas.microsoft.com/office/drawing/2014/main" id="{4C8F0A26-7709-AF15-7836-98737E9D4BF2}"/>
+          <a:bodyPr>
+            <a:normAutofit/>
+          </a:bodyPr>
+          <a:lstStyle/>
+          <a:p>
+            <a:r>
+              <a:rPr lang="en-US" dirty="0"/>
+              <a:t>Agent Mode passes the JSON to your server.</a:t>
+            </a:r>
+            <a:br>
+              <a:rPr lang="en-US" dirty="0"/>
+            </a:br>
+            <a:r>
+              <a:rPr lang="en-US" dirty="0"/>
+              <a:t>Now </a:t>
+            </a:r>
+            <a:r>
+              <a:rPr lang="en-US" u="sng" dirty="0"/>
+              <a:t>your</a:t>
+            </a:r>
+            <a:r>
+              <a:rPr lang="en-US" dirty="0"/>
+              <a:t> code can </a:t>
+            </a:r>
+            <a:r>
+              <a:rPr lang="en-US" u="sng" dirty="0"/>
+              <a:t>act</a:t>
+            </a:r>
+            <a:r>
+              <a:rPr lang="en-US" dirty="0"/>
+              <a:t> on it.</a:t>
+            </a:r>
+          </a:p>
+        </p:txBody>
+      </p:sp>
+      <p:sp>
+        <p:nvSpPr>
+          <p:cNvPr id="11" name="TextBox 10">
+            <a:extLst>
+              <a:ext uri="{FF2B5EF4-FFF2-40B4-BE49-F238E27FC236}">
+                <a16:creationId xmlns:a16="http://schemas.microsoft.com/office/drawing/2014/main" id="{70693631-32BA-EBDA-95C4-6B8A3DF79EF1}"/>
               </a:ext>
             </a:extLst>
           </p:cNvPr>
@@ -4269,13 +4262,18 @@
         </p:nvSpPr>
         <p:spPr>
           <a:xfrm>
-            <a:off x="3399880" y="5030552"/>
-            <a:ext cx="6094948" cy="369332"/>
+            <a:off x="2369536" y="1871659"/>
+            <a:ext cx="6094990" cy="3785652"/>
           </a:xfrm>
           <a:prstGeom prst="rect">
             <a:avLst/>
           </a:prstGeom>
           <a:noFill/>
+          <a:ln>
+            <a:solidFill>
+              <a:schemeClr val="tx1"/>
+            </a:solidFill>
+          </a:ln>
         </p:spPr>
         <p:txBody>
           <a:bodyPr wrap="square">
@@ -4283,78 +4281,305 @@
           </a:bodyPr>
           <a:lstStyle/>
           <a:p>
-            <a:pPr algn="ctr"/>
-            <a:r>
-              <a:rPr lang="en-US" dirty="0">
-                <a:hlinkClick r:id="rId3"/>
+            <a:r>
+              <a:rPr lang="en-US" sz="2400" b="0" i="0" dirty="0">
+                <a:solidFill>
+                  <a:srgbClr val="242424"/>
+                </a:solidFill>
+                <a:effectLst/>
+                <a:latin typeface="source-code-pro"/>
               </a:rPr>
-              <a:t>https://github.com/modelcontextprotocol/python-sdk</a:t>
-            </a:r>
-            <a:r>
-              <a:rPr lang="en-US" dirty="0"/>
-              <a:t> </a:t>
-            </a:r>
-          </a:p>
-        </p:txBody>
-      </p:sp>
-      <p:sp>
-        <p:nvSpPr>
-          <p:cNvPr id="11" name="TextBox 10">
-            <a:extLst>
-              <a:ext uri="{FF2B5EF4-FFF2-40B4-BE49-F238E27FC236}">
-                <a16:creationId xmlns:a16="http://schemas.microsoft.com/office/drawing/2014/main" id="{95FBFAE0-88A9-B191-03CD-68EA0CE9F935}"/>
-              </a:ext>
-            </a:extLst>
-          </p:cNvPr>
-          <p:cNvSpPr txBox="1"/>
-          <p:nvPr/>
-        </p:nvSpPr>
-        <p:spPr>
-          <a:xfrm>
-            <a:off x="3515666" y="5621267"/>
-            <a:ext cx="5979162" cy="646331"/>
-          </a:xfrm>
-          <a:prstGeom prst="rect">
-            <a:avLst/>
-          </a:prstGeom>
-          <a:noFill/>
-        </p:spPr>
-        <p:txBody>
-          <a:bodyPr wrap="square" rtlCol="0">
-            <a:spAutoFit/>
-          </a:bodyPr>
-          <a:lstStyle/>
-          <a:p>
-            <a:pPr algn="ctr"/>
-            <a:r>
-              <a:rPr lang="en-US" dirty="0"/>
-              <a:t>The </a:t>
-            </a:r>
-            <a:r>
-              <a:rPr lang="en-US" dirty="0" err="1"/>
-              <a:t>FastMCP</a:t>
-            </a:r>
-            <a:r>
-              <a:rPr lang="en-US" dirty="0"/>
-              <a:t> Framework will </a:t>
-            </a:r>
-            <a:r>
-              <a:rPr lang="en-US" b="1" dirty="0"/>
-              <a:t>generate</a:t>
-            </a:r>
-            <a:r>
-              <a:rPr lang="en-US" dirty="0"/>
-              <a:t> an LLM-friendly description of this API from the code and annotations.</a:t>
-            </a:r>
+              <a:t>{</a:t>
+            </a:r>
+            <a:br>
+              <a:rPr lang="en-US" sz="2400" dirty="0"/>
+            </a:br>
+            <a:r>
+              <a:rPr lang="en-US" sz="2400" dirty="0"/>
+              <a:t>	</a:t>
+            </a:r>
+            <a:r>
+              <a:rPr lang="en-US" sz="2400" b="0" i="0" dirty="0">
+                <a:solidFill>
+                  <a:srgbClr val="836C28"/>
+                </a:solidFill>
+                <a:effectLst/>
+                <a:latin typeface="source-code-pro"/>
+              </a:rPr>
+              <a:t>"method"</a:t>
+            </a:r>
+            <a:r>
+              <a:rPr lang="en-US" sz="2400" b="0" i="0" dirty="0">
+                <a:solidFill>
+                  <a:srgbClr val="242424"/>
+                </a:solidFill>
+                <a:effectLst/>
+                <a:latin typeface="source-code-pro"/>
+              </a:rPr>
+              <a:t>: </a:t>
+            </a:r>
+            <a:r>
+              <a:rPr lang="en-US" sz="2400" b="0" i="0" dirty="0">
+                <a:solidFill>
+                  <a:srgbClr val="C41A16"/>
+                </a:solidFill>
+                <a:effectLst/>
+                <a:latin typeface="source-code-pro"/>
+              </a:rPr>
+              <a:t>"tools/call"</a:t>
+            </a:r>
+            <a:r>
+              <a:rPr lang="en-US" sz="2400" b="0" i="0" dirty="0">
+                <a:solidFill>
+                  <a:srgbClr val="242424"/>
+                </a:solidFill>
+                <a:effectLst/>
+                <a:latin typeface="source-code-pro"/>
+              </a:rPr>
+              <a:t>,</a:t>
+            </a:r>
+            <a:br>
+              <a:rPr lang="en-US" sz="2400" dirty="0"/>
+            </a:br>
+            <a:r>
+              <a:rPr lang="en-US" sz="2400" dirty="0"/>
+              <a:t>	</a:t>
+            </a:r>
+            <a:r>
+              <a:rPr lang="en-US" sz="2400" b="0" i="0" dirty="0">
+                <a:solidFill>
+                  <a:srgbClr val="836C28"/>
+                </a:solidFill>
+                <a:effectLst/>
+                <a:latin typeface="source-code-pro"/>
+              </a:rPr>
+              <a:t>"params"</a:t>
+            </a:r>
+            <a:r>
+              <a:rPr lang="en-US" sz="2400" b="0" i="0" dirty="0">
+                <a:solidFill>
+                  <a:srgbClr val="242424"/>
+                </a:solidFill>
+                <a:effectLst/>
+                <a:latin typeface="source-code-pro"/>
+              </a:rPr>
+              <a:t>: {</a:t>
+            </a:r>
+            <a:br>
+              <a:rPr lang="en-US" sz="2400" dirty="0"/>
+            </a:br>
+            <a:r>
+              <a:rPr lang="en-US" sz="2400" dirty="0"/>
+              <a:t>		</a:t>
+            </a:r>
+            <a:r>
+              <a:rPr lang="en-US" sz="2400" b="0" i="0" dirty="0">
+                <a:solidFill>
+                  <a:srgbClr val="836C28"/>
+                </a:solidFill>
+                <a:effectLst/>
+                <a:latin typeface="source-code-pro"/>
+              </a:rPr>
+              <a:t>"name"</a:t>
+            </a:r>
+            <a:r>
+              <a:rPr lang="en-US" sz="2400" b="0" i="0" dirty="0">
+                <a:solidFill>
+                  <a:srgbClr val="242424"/>
+                </a:solidFill>
+                <a:effectLst/>
+                <a:latin typeface="source-code-pro"/>
+              </a:rPr>
+              <a:t>: </a:t>
+            </a:r>
+            <a:r>
+              <a:rPr lang="en-US" sz="2400" b="0" i="0" dirty="0">
+                <a:solidFill>
+                  <a:srgbClr val="C41A16"/>
+                </a:solidFill>
+                <a:effectLst/>
+                <a:latin typeface="source-code-pro"/>
+              </a:rPr>
+              <a:t>"add"</a:t>
+            </a:r>
+            <a:r>
+              <a:rPr lang="en-US" sz="2400" b="0" i="0" dirty="0">
+                <a:solidFill>
+                  <a:srgbClr val="242424"/>
+                </a:solidFill>
+                <a:effectLst/>
+                <a:latin typeface="source-code-pro"/>
+              </a:rPr>
+              <a:t>,</a:t>
+            </a:r>
+            <a:br>
+              <a:rPr lang="en-US" sz="2400" dirty="0"/>
+            </a:br>
+            <a:r>
+              <a:rPr lang="en-US" sz="2400" dirty="0"/>
+              <a:t>		</a:t>
+            </a:r>
+            <a:r>
+              <a:rPr lang="en-US" sz="2400" b="0" i="0" dirty="0">
+                <a:solidFill>
+                  <a:srgbClr val="836C28"/>
+                </a:solidFill>
+                <a:effectLst/>
+                <a:latin typeface="source-code-pro"/>
+              </a:rPr>
+              <a:t>"arguments"</a:t>
+            </a:r>
+            <a:r>
+              <a:rPr lang="en-US" sz="2400" b="0" i="0" dirty="0">
+                <a:solidFill>
+                  <a:srgbClr val="242424"/>
+                </a:solidFill>
+                <a:effectLst/>
+                <a:latin typeface="source-code-pro"/>
+              </a:rPr>
+              <a:t>: {</a:t>
+            </a:r>
+            <a:br>
+              <a:rPr lang="en-US" sz="2400" dirty="0"/>
+            </a:br>
+            <a:r>
+              <a:rPr lang="en-US" sz="2400" dirty="0"/>
+              <a:t>			</a:t>
+            </a:r>
+            <a:r>
+              <a:rPr lang="en-US" sz="2400" b="0" i="0" dirty="0">
+                <a:solidFill>
+                  <a:srgbClr val="836C28"/>
+                </a:solidFill>
+                <a:effectLst/>
+                <a:latin typeface="source-code-pro"/>
+              </a:rPr>
+              <a:t>“a"</a:t>
+            </a:r>
+            <a:r>
+              <a:rPr lang="en-US" sz="2400" b="0" i="0" dirty="0">
+                <a:solidFill>
+                  <a:srgbClr val="242424"/>
+                </a:solidFill>
+                <a:effectLst/>
+                <a:latin typeface="source-code-pro"/>
+              </a:rPr>
+              <a:t>: </a:t>
+            </a:r>
+            <a:r>
+              <a:rPr lang="en-US" sz="2400" b="0" i="0" dirty="0">
+                <a:solidFill>
+                  <a:srgbClr val="1C00CF"/>
+                </a:solidFill>
+                <a:effectLst/>
+                <a:latin typeface="source-code-pro"/>
+              </a:rPr>
+              <a:t>3</a:t>
+            </a:r>
+            <a:r>
+              <a:rPr lang="en-US" sz="2400" b="0" i="0" dirty="0">
+                <a:solidFill>
+                  <a:srgbClr val="242424"/>
+                </a:solidFill>
+                <a:effectLst/>
+                <a:latin typeface="source-code-pro"/>
+              </a:rPr>
+              <a:t>,</a:t>
+            </a:r>
+            <a:br>
+              <a:rPr lang="en-US" sz="2400" dirty="0"/>
+            </a:br>
+            <a:r>
+              <a:rPr lang="en-US" sz="2400" dirty="0"/>
+              <a:t>			</a:t>
+            </a:r>
+            <a:r>
+              <a:rPr lang="en-US" sz="2400" b="0" i="0" dirty="0">
+                <a:solidFill>
+                  <a:srgbClr val="836C28"/>
+                </a:solidFill>
+                <a:effectLst/>
+                <a:latin typeface="source-code-pro"/>
+              </a:rPr>
+              <a:t>“b"</a:t>
+            </a:r>
+            <a:r>
+              <a:rPr lang="en-US" sz="2400" b="0" i="0" dirty="0">
+                <a:solidFill>
+                  <a:srgbClr val="242424"/>
+                </a:solidFill>
+                <a:effectLst/>
+                <a:latin typeface="source-code-pro"/>
+              </a:rPr>
+              <a:t>: </a:t>
+            </a:r>
+            <a:r>
+              <a:rPr lang="en-US" sz="2400" b="0" i="0" dirty="0">
+                <a:solidFill>
+                  <a:srgbClr val="1C00CF"/>
+                </a:solidFill>
+                <a:effectLst/>
+                <a:latin typeface="source-code-pro"/>
+              </a:rPr>
+              <a:t>5</a:t>
+            </a:r>
+            <a:br>
+              <a:rPr lang="en-US" sz="2400" dirty="0"/>
+            </a:br>
+            <a:r>
+              <a:rPr lang="en-US" sz="2400" dirty="0"/>
+              <a:t>		</a:t>
+            </a:r>
+            <a:r>
+              <a:rPr lang="en-US" sz="2400" b="0" i="0" dirty="0">
+                <a:solidFill>
+                  <a:srgbClr val="242424"/>
+                </a:solidFill>
+                <a:effectLst/>
+                <a:latin typeface="source-code-pro"/>
+              </a:rPr>
+              <a:t>}</a:t>
+            </a:r>
+            <a:br>
+              <a:rPr lang="en-US" sz="2400" dirty="0"/>
+            </a:br>
+            <a:r>
+              <a:rPr lang="en-US" sz="2400" dirty="0"/>
+              <a:t>	</a:t>
+            </a:r>
+            <a:r>
+              <a:rPr lang="en-US" sz="2400" b="0" i="0" dirty="0">
+                <a:solidFill>
+                  <a:srgbClr val="242424"/>
+                </a:solidFill>
+                <a:effectLst/>
+                <a:latin typeface="source-code-pro"/>
+              </a:rPr>
+              <a:t>}</a:t>
+            </a:r>
+            <a:br>
+              <a:rPr lang="en-US" sz="2400" dirty="0"/>
+            </a:br>
+            <a:r>
+              <a:rPr lang="en-US" sz="2400" b="0" i="0" dirty="0">
+                <a:solidFill>
+                  <a:srgbClr val="242424"/>
+                </a:solidFill>
+                <a:effectLst/>
+                <a:latin typeface="source-code-pro"/>
+              </a:rPr>
+              <a:t>}</a:t>
+            </a:r>
+            <a:endParaRPr lang="en-US" sz="2400" dirty="0"/>
           </a:p>
         </p:txBody>
       </p:sp>
       <p:pic>
         <p:nvPicPr>
-          <p:cNvPr id="15" name="Picture 14" descr="A cartoon of a rabbit with a brain coming out of a computer screen&#10;&#10;AI-generated content may be incorrect.">
-            <a:extLst>
-              <a:ext uri="{FF2B5EF4-FFF2-40B4-BE49-F238E27FC236}">
-                <a16:creationId xmlns:a16="http://schemas.microsoft.com/office/drawing/2014/main" id="{3CCF07BA-93E1-6FB4-432E-1867A2C8A47D}"/>
+          <p:cNvPr id="3" name="Picture 2" descr="A cartoon of a rabbit with a brain coming out of a computer screen&#10;&#10;AI-generated content may be incorrect.">
+            <a:extLst>
+              <a:ext uri="{FF2B5EF4-FFF2-40B4-BE49-F238E27FC236}">
+                <a16:creationId xmlns:a16="http://schemas.microsoft.com/office/drawing/2014/main" id="{556483FF-D4C5-3047-05DC-75AE35502D7C}"/>
               </a:ext>
             </a:extLst>
           </p:cNvPr>
@@ -4364,7 +4589,7 @@
           <p:nvPr/>
         </p:nvPicPr>
         <p:blipFill>
-          <a:blip r:embed="rId4">
+          <a:blip r:embed="rId2">
             <a:extLst>
               <a:ext uri="{28A0092B-C50C-407E-A947-70E740481C1C}">
                 <a14:useLocalDpi xmlns:a14="http://schemas.microsoft.com/office/drawing/2010/main" val="0"/>
@@ -4378,7 +4603,7 @@
         </p:blipFill>
         <p:spPr>
           <a:xfrm>
-            <a:off x="193183" y="1796603"/>
+            <a:off x="8913432" y="1545465"/>
             <a:ext cx="2675329" cy="4580362"/>
           </a:xfrm>
           <a:prstGeom prst="rect">
@@ -4388,10 +4613,10 @@
       </p:pic>
       <p:sp>
         <p:nvSpPr>
-          <p:cNvPr id="16" name="TextBox 15">
-            <a:extLst>
-              <a:ext uri="{FF2B5EF4-FFF2-40B4-BE49-F238E27FC236}">
-                <a16:creationId xmlns:a16="http://schemas.microsoft.com/office/drawing/2014/main" id="{0776A63B-A618-3813-9591-9E359553D6D2}"/>
+          <p:cNvPr id="5" name="TextBox 4">
+            <a:extLst>
+              <a:ext uri="{FF2B5EF4-FFF2-40B4-BE49-F238E27FC236}">
+                <a16:creationId xmlns:a16="http://schemas.microsoft.com/office/drawing/2014/main" id="{A1E0D41A-BE6C-8D35-2A10-FD8E42549955}"/>
               </a:ext>
             </a:extLst>
           </p:cNvPr>
@@ -4400,7 +4625,7 @@
         </p:nvSpPr>
         <p:spPr>
           <a:xfrm>
-            <a:off x="1338901" y="4800453"/>
+            <a:off x="10059150" y="4549315"/>
             <a:ext cx="1340047" cy="646331"/>
           </a:xfrm>
           <a:prstGeom prst="rect">
@@ -4439,10 +4664,10 @@
       </p:sp>
       <p:sp>
         <p:nvSpPr>
-          <p:cNvPr id="17" name="TextBox 16">
-            <a:extLst>
-              <a:ext uri="{FF2B5EF4-FFF2-40B4-BE49-F238E27FC236}">
-                <a16:creationId xmlns:a16="http://schemas.microsoft.com/office/drawing/2014/main" id="{1822D428-B765-354F-62FC-03B43080AF5B}"/>
+          <p:cNvPr id="7" name="TextBox 6">
+            <a:extLst>
+              <a:ext uri="{FF2B5EF4-FFF2-40B4-BE49-F238E27FC236}">
+                <a16:creationId xmlns:a16="http://schemas.microsoft.com/office/drawing/2014/main" id="{22847707-8E3B-7A52-6B30-47292F3960C4}"/>
               </a:ext>
             </a:extLst>
           </p:cNvPr>
@@ -4451,7 +4676,7 @@
         </p:nvSpPr>
         <p:spPr>
           <a:xfrm>
-            <a:off x="93047" y="3833204"/>
+            <a:off x="8813296" y="3582066"/>
             <a:ext cx="1245854" cy="369332"/>
           </a:xfrm>
           <a:prstGeom prst="rect">
@@ -4474,10 +4699,10 @@
       </p:sp>
       <p:sp>
         <p:nvSpPr>
-          <p:cNvPr id="18" name="Left Brace 17">
-            <a:extLst>
-              <a:ext uri="{FF2B5EF4-FFF2-40B4-BE49-F238E27FC236}">
-                <a16:creationId xmlns:a16="http://schemas.microsoft.com/office/drawing/2014/main" id="{9056ACFA-0870-37E8-40F0-2944AF4F398C}"/>
+          <p:cNvPr id="9" name="Left Brace 8">
+            <a:extLst>
+              <a:ext uri="{FF2B5EF4-FFF2-40B4-BE49-F238E27FC236}">
+                <a16:creationId xmlns:a16="http://schemas.microsoft.com/office/drawing/2014/main" id="{74D5E888-D2CF-C9EF-8527-C8AE53AD5A89}"/>
               </a:ext>
             </a:extLst>
           </p:cNvPr>
@@ -4485,9 +4710,9 @@
           <p:nvPr/>
         </p:nvSpPr>
         <p:spPr>
-          <a:xfrm>
-            <a:off x="2730321" y="2250719"/>
-            <a:ext cx="618186" cy="2985538"/>
+          <a:xfrm flipH="1">
+            <a:off x="8502148" y="1892532"/>
+            <a:ext cx="311147" cy="3743906"/>
           </a:xfrm>
           <a:prstGeom prst="leftBrace">
             <a:avLst/>
@@ -4516,10 +4741,204 @@
           </a:p>
         </p:txBody>
       </p:sp>
+      <p:sp>
+        <p:nvSpPr>
+          <p:cNvPr id="4" name="TextBox 3">
+            <a:extLst>
+              <a:ext uri="{FF2B5EF4-FFF2-40B4-BE49-F238E27FC236}">
+                <a16:creationId xmlns:a16="http://schemas.microsoft.com/office/drawing/2014/main" id="{A438EDCA-ACCA-02DE-1372-A1A2591ABCFB}"/>
+              </a:ext>
+            </a:extLst>
+          </p:cNvPr>
+          <p:cNvSpPr txBox="1"/>
+          <p:nvPr/>
+        </p:nvSpPr>
+        <p:spPr>
+          <a:xfrm>
+            <a:off x="2920065" y="5838282"/>
+            <a:ext cx="4993931" cy="369332"/>
+          </a:xfrm>
+          <a:prstGeom prst="rect">
+            <a:avLst/>
+          </a:prstGeom>
+          <a:noFill/>
+        </p:spPr>
+        <p:txBody>
+          <a:bodyPr wrap="none" rtlCol="0">
+            <a:spAutoFit/>
+          </a:bodyPr>
+          <a:lstStyle/>
+          <a:p>
+            <a:r>
+              <a:rPr lang="en-US" dirty="0"/>
+              <a:t>This has reduced to a very ordinary web-dev task.</a:t>
+            </a:r>
+          </a:p>
+        </p:txBody>
+      </p:sp>
+      <p:pic>
+        <p:nvPicPr>
+          <p:cNvPr id="8" name="Picture 7" descr="A cartoon of a rabbit with a brain coming out of a computer screen&#10;&#10;AI-generated content may be incorrect.">
+            <a:extLst>
+              <a:ext uri="{FF2B5EF4-FFF2-40B4-BE49-F238E27FC236}">
+                <a16:creationId xmlns:a16="http://schemas.microsoft.com/office/drawing/2014/main" id="{2C95E9BE-22D0-C6CC-39F5-72BECC7F773B}"/>
+              </a:ext>
+            </a:extLst>
+          </p:cNvPr>
+          <p:cNvPicPr>
+            <a:picLocks noChangeAspect="1"/>
+          </p:cNvPicPr>
+          <p:nvPr/>
+        </p:nvPicPr>
+        <p:blipFill>
+          <a:blip r:embed="rId2">
+            <a:extLst>
+              <a:ext uri="{28A0092B-C50C-407E-A947-70E740481C1C}">
+                <a14:useLocalDpi xmlns:a14="http://schemas.microsoft.com/office/drawing/2010/main" val="0"/>
+              </a:ext>
+            </a:extLst>
+          </a:blip>
+          <a:srcRect l="44796" r="19998"/>
+          <a:stretch>
+            <a:fillRect/>
+          </a:stretch>
+        </p:blipFill>
+        <p:spPr>
+          <a:xfrm>
+            <a:off x="-115640" y="1792532"/>
+            <a:ext cx="2462846" cy="4086225"/>
+          </a:xfrm>
+          <a:prstGeom prst="rect">
+            <a:avLst/>
+          </a:prstGeom>
+        </p:spPr>
+      </p:pic>
+      <p:sp>
+        <p:nvSpPr>
+          <p:cNvPr id="10" name="TextBox 9">
+            <a:extLst>
+              <a:ext uri="{FF2B5EF4-FFF2-40B4-BE49-F238E27FC236}">
+                <a16:creationId xmlns:a16="http://schemas.microsoft.com/office/drawing/2014/main" id="{1008050C-4B36-540F-0BA3-D4270782D7AA}"/>
+              </a:ext>
+            </a:extLst>
+          </p:cNvPr>
+          <p:cNvSpPr txBox="1"/>
+          <p:nvPr/>
+        </p:nvSpPr>
+        <p:spPr>
+          <a:xfrm>
+            <a:off x="94378" y="4557010"/>
+            <a:ext cx="1501886" cy="646331"/>
+          </a:xfrm>
+          <a:prstGeom prst="rect">
+            <a:avLst/>
+          </a:prstGeom>
+          <a:noFill/>
+        </p:spPr>
+        <p:txBody>
+          <a:bodyPr wrap="none" rtlCol="0">
+            <a:spAutoFit/>
+          </a:bodyPr>
+          <a:lstStyle/>
+          <a:p>
+            <a:pPr algn="ctr"/>
+            <a:r>
+              <a:rPr lang="en-US" dirty="0"/>
+              <a:t>MCP Client</a:t>
+            </a:r>
+          </a:p>
+          <a:p>
+            <a:pPr algn="ctr"/>
+            <a:r>
+              <a:rPr lang="en-US" dirty="0"/>
+              <a:t>(Agent Mode)</a:t>
+            </a:r>
+          </a:p>
+        </p:txBody>
+      </p:sp>
+      <p:pic>
+        <p:nvPicPr>
+          <p:cNvPr id="17" name="Picture 16">
+            <a:extLst>
+              <a:ext uri="{FF2B5EF4-FFF2-40B4-BE49-F238E27FC236}">
+                <a16:creationId xmlns:a16="http://schemas.microsoft.com/office/drawing/2014/main" id="{BC9801C7-5AE5-D3C9-BA5A-C25C0FAF5815}"/>
+              </a:ext>
+            </a:extLst>
+          </p:cNvPr>
+          <p:cNvPicPr>
+            <a:picLocks noChangeAspect="1"/>
+          </p:cNvPicPr>
+          <p:nvPr/>
+        </p:nvPicPr>
+        <p:blipFill>
+          <a:blip r:embed="rId3"/>
+          <a:stretch>
+            <a:fillRect/>
+          </a:stretch>
+        </p:blipFill>
+        <p:spPr>
+          <a:xfrm>
+            <a:off x="464627" y="3570416"/>
+            <a:ext cx="495777" cy="530456"/>
+          </a:xfrm>
+          <a:prstGeom prst="rect">
+            <a:avLst/>
+          </a:prstGeom>
+        </p:spPr>
+      </p:pic>
+      <p:sp>
+        <p:nvSpPr>
+          <p:cNvPr id="12" name="Arrow: Right 11">
+            <a:extLst>
+              <a:ext uri="{FF2B5EF4-FFF2-40B4-BE49-F238E27FC236}">
+                <a16:creationId xmlns:a16="http://schemas.microsoft.com/office/drawing/2014/main" id="{41D10D96-1431-7567-28FB-0833DA228962}"/>
+              </a:ext>
+            </a:extLst>
+          </p:cNvPr>
+          <p:cNvSpPr/>
+          <p:nvPr/>
+        </p:nvSpPr>
+        <p:spPr>
+          <a:xfrm flipH="1">
+            <a:off x="3653264" y="6227647"/>
+            <a:ext cx="3527531" cy="530456"/>
+          </a:xfrm>
+          <a:prstGeom prst="rightArrow">
+            <a:avLst/>
+          </a:prstGeom>
+        </p:spPr>
+        <p:style>
+          <a:lnRef idx="2">
+            <a:schemeClr val="accent1">
+              <a:shade val="15000"/>
+            </a:schemeClr>
+          </a:lnRef>
+          <a:fillRef idx="1">
+            <a:schemeClr val="accent1"/>
+          </a:fillRef>
+          <a:effectRef idx="0">
+            <a:schemeClr val="accent1"/>
+          </a:effectRef>
+          <a:fontRef idx="minor">
+            <a:schemeClr val="lt1"/>
+          </a:fontRef>
+        </p:style>
+        <p:txBody>
+          <a:bodyPr rtlCol="0" anchor="ctr"/>
+          <a:lstStyle/>
+          <a:p>
+            <a:pPr algn="ctr"/>
+            <a:r>
+              <a:rPr lang="en-US" dirty="0"/>
+              <a:t>{ result: 8 }</a:t>
+            </a:r>
+          </a:p>
+        </p:txBody>
+      </p:sp>
     </p:spTree>
     <p:extLst>
       <p:ext uri="{BB962C8B-B14F-4D97-AF65-F5344CB8AC3E}">
-        <p14:creationId xmlns:p14="http://schemas.microsoft.com/office/powerpoint/2010/main" val="1299736673"/>
+        <p14:creationId xmlns:p14="http://schemas.microsoft.com/office/powerpoint/2010/main" val="2269356496"/>
       </p:ext>
     </p:extLst>
   </p:cSld>
@@ -4551,7 +4970,7 @@
           <p:cNvPr id="2" name="Title 1">
             <a:extLst>
               <a:ext uri="{FF2B5EF4-FFF2-40B4-BE49-F238E27FC236}">
-                <a16:creationId xmlns:a16="http://schemas.microsoft.com/office/drawing/2014/main" id="{18B3A4B2-1690-034B-8A3D-5AF888F6F78E}"/>
+                <a16:creationId xmlns:a16="http://schemas.microsoft.com/office/drawing/2014/main" id="{666E4693-A3B9-1599-28A4-9B6B48301B69}"/>
               </a:ext>
             </a:extLst>
           </p:cNvPr>
@@ -4564,92 +4983,508 @@
         </p:nvSpPr>
         <p:spPr/>
         <p:txBody>
-          <a:bodyPr>
-            <a:normAutofit/>
-          </a:bodyPr>
-          <a:lstStyle/>
-          <a:p>
-            <a:r>
-              <a:rPr lang="en-US" sz="4000" dirty="0"/>
-              <a:t>Testing MCP Servers with </a:t>
-            </a:r>
-            <a:r>
-              <a:rPr lang="en-US" sz="4000" dirty="0">
-                <a:latin typeface="Courier New" panose="02070309020205020404" pitchFamily="49" charset="0"/>
-                <a:cs typeface="Courier New" panose="02070309020205020404" pitchFamily="49" charset="0"/>
-              </a:rPr>
-              <a:t>mcp.exe dev</a:t>
-            </a:r>
-          </a:p>
-        </p:txBody>
-      </p:sp>
-      <p:sp>
-        <p:nvSpPr>
-          <p:cNvPr id="3" name="Content Placeholder 2">
-            <a:extLst>
-              <a:ext uri="{FF2B5EF4-FFF2-40B4-BE49-F238E27FC236}">
-                <a16:creationId xmlns:a16="http://schemas.microsoft.com/office/drawing/2014/main" id="{7F0232AB-698E-2CF5-C827-D53678E9E2F3}"/>
-              </a:ext>
-            </a:extLst>
-          </p:cNvPr>
-          <p:cNvSpPr>
-            <a:spLocks noGrp="1"/>
-          </p:cNvSpPr>
+          <a:bodyPr/>
+          <a:lstStyle/>
+          <a:p>
+            <a:r>
+              <a:rPr lang="en-US" dirty="0" err="1"/>
+              <a:t>FastMCP</a:t>
+            </a:r>
+            <a:r>
+              <a:rPr lang="en-US" dirty="0"/>
+              <a:t> abstracts out the JSON and server</a:t>
+            </a:r>
+          </a:p>
+        </p:txBody>
+      </p:sp>
+      <p:pic>
+        <p:nvPicPr>
+          <p:cNvPr id="5" name="Content Placeholder 4" descr="A screenshot of a computer code&#10;&#10;AI-generated content may be incorrect.">
+            <a:extLst>
+              <a:ext uri="{FF2B5EF4-FFF2-40B4-BE49-F238E27FC236}">
+                <a16:creationId xmlns:a16="http://schemas.microsoft.com/office/drawing/2014/main" id="{63CF6B6D-6404-12AC-1333-C5C9AA385C12}"/>
+              </a:ext>
+            </a:extLst>
+          </p:cNvPr>
+          <p:cNvPicPr>
+            <a:picLocks noGrp="1" noChangeAspect="1"/>
+          </p:cNvPicPr>
           <p:nvPr>
             <p:ph idx="1"/>
           </p:nvPr>
-        </p:nvSpPr>
-        <p:spPr/>
-        <p:txBody>
-          <a:bodyPr/>
-          <a:lstStyle/>
-          <a:p>
-            <a:r>
-              <a:rPr lang="en-US" dirty="0"/>
-              <a:t>You can use the program </a:t>
-            </a:r>
+        </p:nvPicPr>
+        <p:blipFill>
+          <a:blip r:embed="rId2">
+            <a:extLst>
+              <a:ext uri="{28A0092B-C50C-407E-A947-70E740481C1C}">
+                <a14:useLocalDpi xmlns:a14="http://schemas.microsoft.com/office/drawing/2010/main" val="0"/>
+              </a:ext>
+            </a:extLst>
+          </a:blip>
+          <a:stretch>
+            <a:fillRect/>
+          </a:stretch>
+        </p:blipFill>
+        <p:spPr>
+          <a:xfrm>
+            <a:off x="5814366" y="2363546"/>
+            <a:ext cx="5863376" cy="2607889"/>
+          </a:xfrm>
+        </p:spPr>
+      </p:pic>
+      <p:sp>
+        <p:nvSpPr>
+          <p:cNvPr id="9" name="TextBox 8">
+            <a:extLst>
+              <a:ext uri="{FF2B5EF4-FFF2-40B4-BE49-F238E27FC236}">
+                <a16:creationId xmlns:a16="http://schemas.microsoft.com/office/drawing/2014/main" id="{4C8F0A26-7709-AF15-7836-98737E9D4BF2}"/>
+              </a:ext>
+            </a:extLst>
+          </p:cNvPr>
+          <p:cNvSpPr txBox="1"/>
+          <p:nvPr/>
+        </p:nvSpPr>
+        <p:spPr>
+          <a:xfrm>
+            <a:off x="5698580" y="4979752"/>
+            <a:ext cx="6094948" cy="369332"/>
+          </a:xfrm>
+          <a:prstGeom prst="rect">
+            <a:avLst/>
+          </a:prstGeom>
+          <a:noFill/>
+        </p:spPr>
+        <p:txBody>
+          <a:bodyPr wrap="square">
+            <a:spAutoFit/>
+          </a:bodyPr>
+          <a:lstStyle/>
+          <a:p>
+            <a:pPr algn="ctr"/>
             <a:r>
               <a:rPr lang="en-US" dirty="0">
-                <a:latin typeface="Courier New" panose="02070309020205020404" pitchFamily="49" charset="0"/>
-                <a:cs typeface="Courier New" panose="02070309020205020404" pitchFamily="49" charset="0"/>
+                <a:hlinkClick r:id="rId3"/>
               </a:rPr>
-              <a:t>mcp.exe dev </a:t>
-            </a:r>
-            <a:r>
-              <a:rPr lang="en-US" dirty="0"/>
-              <a:t>to start a Web server that generates a UI for testing your MCP server.</a:t>
-            </a:r>
-          </a:p>
-          <a:p>
-            <a:endParaRPr lang="en-US" dirty="0"/>
-          </a:p>
-          <a:p>
-            <a:r>
-              <a:rPr lang="en-US" dirty="0"/>
-              <a:t>You will use </a:t>
-            </a:r>
+              <a:t>https://github.com/modelcontextprotocol/python-sdk</a:t>
+            </a:r>
+            <a:r>
+              <a:rPr lang="en-US" dirty="0"/>
+              <a:t> </a:t>
+            </a:r>
+          </a:p>
+        </p:txBody>
+      </p:sp>
+      <p:sp>
+        <p:nvSpPr>
+          <p:cNvPr id="11" name="TextBox 10">
+            <a:extLst>
+              <a:ext uri="{FF2B5EF4-FFF2-40B4-BE49-F238E27FC236}">
+                <a16:creationId xmlns:a16="http://schemas.microsoft.com/office/drawing/2014/main" id="{95FBFAE0-88A9-B191-03CD-68EA0CE9F935}"/>
+              </a:ext>
+            </a:extLst>
+          </p:cNvPr>
+          <p:cNvSpPr txBox="1"/>
+          <p:nvPr/>
+        </p:nvSpPr>
+        <p:spPr>
+          <a:xfrm>
+            <a:off x="5814366" y="5570467"/>
+            <a:ext cx="5979162" cy="646331"/>
+          </a:xfrm>
+          <a:prstGeom prst="rect">
+            <a:avLst/>
+          </a:prstGeom>
+          <a:noFill/>
+        </p:spPr>
+        <p:txBody>
+          <a:bodyPr wrap="square" rtlCol="0">
+            <a:spAutoFit/>
+          </a:bodyPr>
+          <a:lstStyle/>
+          <a:p>
+            <a:pPr algn="ctr"/>
+            <a:r>
+              <a:rPr lang="en-US" dirty="0"/>
+              <a:t>The </a:t>
+            </a:r>
+            <a:r>
+              <a:rPr lang="en-US" dirty="0" err="1"/>
+              <a:t>FastMCP</a:t>
+            </a:r>
+            <a:r>
+              <a:rPr lang="en-US" dirty="0"/>
+              <a:t> Framework will </a:t>
+            </a:r>
+            <a:r>
+              <a:rPr lang="en-US" b="1" dirty="0"/>
+              <a:t>generate</a:t>
+            </a:r>
+            <a:r>
+              <a:rPr lang="en-US" dirty="0"/>
+              <a:t> an LLM-friendly description of this API from the code and annotations.</a:t>
+            </a:r>
+          </a:p>
+        </p:txBody>
+      </p:sp>
+      <p:pic>
+        <p:nvPicPr>
+          <p:cNvPr id="15" name="Picture 14" descr="A cartoon of a rabbit with a brain coming out of a computer screen&#10;&#10;AI-generated content may be incorrect.">
+            <a:extLst>
+              <a:ext uri="{FF2B5EF4-FFF2-40B4-BE49-F238E27FC236}">
+                <a16:creationId xmlns:a16="http://schemas.microsoft.com/office/drawing/2014/main" id="{3CCF07BA-93E1-6FB4-432E-1867A2C8A47D}"/>
+              </a:ext>
+            </a:extLst>
+          </p:cNvPr>
+          <p:cNvPicPr>
+            <a:picLocks noChangeAspect="1"/>
+          </p:cNvPicPr>
+          <p:nvPr/>
+        </p:nvPicPr>
+        <p:blipFill>
+          <a:blip r:embed="rId4">
+            <a:extLst>
+              <a:ext uri="{28A0092B-C50C-407E-A947-70E740481C1C}">
+                <a14:useLocalDpi xmlns:a14="http://schemas.microsoft.com/office/drawing/2010/main" val="0"/>
+              </a:ext>
+            </a:extLst>
+          </a:blip>
+          <a:srcRect l="74805" t="7045"/>
+          <a:stretch>
+            <a:fillRect/>
+          </a:stretch>
+        </p:blipFill>
+        <p:spPr>
+          <a:xfrm>
+            <a:off x="3041820" y="1745803"/>
+            <a:ext cx="2125392" cy="4580362"/>
+          </a:xfrm>
+          <a:prstGeom prst="rect">
+            <a:avLst/>
+          </a:prstGeom>
+        </p:spPr>
+      </p:pic>
+      <p:sp>
+        <p:nvSpPr>
+          <p:cNvPr id="16" name="TextBox 15">
+            <a:extLst>
+              <a:ext uri="{FF2B5EF4-FFF2-40B4-BE49-F238E27FC236}">
+                <a16:creationId xmlns:a16="http://schemas.microsoft.com/office/drawing/2014/main" id="{0776A63B-A618-3813-9591-9E359553D6D2}"/>
+              </a:ext>
+            </a:extLst>
+          </p:cNvPr>
+          <p:cNvSpPr txBox="1"/>
+          <p:nvPr/>
+        </p:nvSpPr>
+        <p:spPr>
+          <a:xfrm>
+            <a:off x="3637601" y="4775053"/>
+            <a:ext cx="1340047" cy="646331"/>
+          </a:xfrm>
+          <a:prstGeom prst="rect">
+            <a:avLst/>
+          </a:prstGeom>
+          <a:noFill/>
+        </p:spPr>
+        <p:txBody>
+          <a:bodyPr wrap="none" rtlCol="0">
+            <a:spAutoFit/>
+          </a:bodyPr>
+          <a:lstStyle/>
+          <a:p>
+            <a:pPr algn="ctr"/>
+            <a:r>
+              <a:rPr lang="en-US" dirty="0"/>
+              <a:t>MCP Server</a:t>
+            </a:r>
+          </a:p>
+          <a:p>
+            <a:pPr algn="ctr"/>
+            <a:r>
+              <a:rPr lang="en-US" dirty="0"/>
+              <a:t>(</a:t>
+            </a:r>
+            <a:r>
+              <a:rPr lang="en-US" u="sng" dirty="0"/>
+              <a:t>your</a:t>
+            </a:r>
+            <a:r>
+              <a:rPr lang="en-US" dirty="0"/>
+              <a:t> code)</a:t>
+            </a:r>
+          </a:p>
+        </p:txBody>
+      </p:sp>
+      <p:sp>
+        <p:nvSpPr>
+          <p:cNvPr id="18" name="Left Brace 17">
+            <a:extLst>
+              <a:ext uri="{FF2B5EF4-FFF2-40B4-BE49-F238E27FC236}">
+                <a16:creationId xmlns:a16="http://schemas.microsoft.com/office/drawing/2014/main" id="{9056ACFA-0870-37E8-40F0-2944AF4F398C}"/>
+              </a:ext>
+            </a:extLst>
+          </p:cNvPr>
+          <p:cNvSpPr/>
+          <p:nvPr/>
+        </p:nvSpPr>
+        <p:spPr>
+          <a:xfrm>
+            <a:off x="5029021" y="2199919"/>
+            <a:ext cx="618186" cy="2985538"/>
+          </a:xfrm>
+          <a:prstGeom prst="leftBrace">
+            <a:avLst/>
+          </a:prstGeom>
+        </p:spPr>
+        <p:style>
+          <a:lnRef idx="2">
+            <a:schemeClr val="accent1"/>
+          </a:lnRef>
+          <a:fillRef idx="0">
+            <a:schemeClr val="accent1"/>
+          </a:fillRef>
+          <a:effectRef idx="1">
+            <a:schemeClr val="accent1"/>
+          </a:effectRef>
+          <a:fontRef idx="minor">
+            <a:schemeClr val="tx1"/>
+          </a:fontRef>
+        </p:style>
+        <p:txBody>
+          <a:bodyPr rtlCol="0" anchor="ctr"/>
+          <a:lstStyle/>
+          <a:p>
+            <a:pPr algn="ctr"/>
+            <a:endParaRPr lang="en-US"/>
+          </a:p>
+        </p:txBody>
+      </p:sp>
+      <p:sp>
+        <p:nvSpPr>
+          <p:cNvPr id="8" name="TextBox 7">
+            <a:extLst>
+              <a:ext uri="{FF2B5EF4-FFF2-40B4-BE49-F238E27FC236}">
+                <a16:creationId xmlns:a16="http://schemas.microsoft.com/office/drawing/2014/main" id="{7C341F1F-C73E-B07A-43F9-354EBA421212}"/>
+              </a:ext>
+            </a:extLst>
+          </p:cNvPr>
+          <p:cNvSpPr txBox="1"/>
+          <p:nvPr/>
+        </p:nvSpPr>
+        <p:spPr>
+          <a:xfrm>
+            <a:off x="354114" y="2881822"/>
+            <a:ext cx="2636333" cy="2308324"/>
+          </a:xfrm>
+          <a:prstGeom prst="rect">
+            <a:avLst/>
+          </a:prstGeom>
+          <a:noFill/>
+          <a:ln>
+            <a:solidFill>
+              <a:schemeClr val="accent1"/>
+            </a:solidFill>
+          </a:ln>
+        </p:spPr>
+        <p:txBody>
+          <a:bodyPr wrap="square">
+            <a:spAutoFit/>
+          </a:bodyPr>
+          <a:lstStyle/>
+          <a:p>
+            <a:r>
+              <a:rPr lang="en-US" sz="1800" b="0" i="0" dirty="0">
+                <a:solidFill>
+                  <a:srgbClr val="836C28"/>
+                </a:solidFill>
+                <a:effectLst/>
+                <a:latin typeface="source-code-pro"/>
+              </a:rPr>
+              <a:t>{</a:t>
+            </a:r>
+          </a:p>
+          <a:p>
+            <a:r>
+              <a:rPr lang="en-US" sz="1800" b="0" i="0" dirty="0">
+                <a:solidFill>
+                  <a:srgbClr val="836C28"/>
+                </a:solidFill>
+                <a:effectLst/>
+                <a:latin typeface="source-code-pro"/>
+              </a:rPr>
+              <a:t>	"name"</a:t>
+            </a:r>
+            <a:r>
+              <a:rPr lang="en-US" sz="1800" b="0" i="0" dirty="0">
+                <a:solidFill>
+                  <a:srgbClr val="242424"/>
+                </a:solidFill>
+                <a:effectLst/>
+                <a:latin typeface="source-code-pro"/>
+              </a:rPr>
+              <a:t>: </a:t>
+            </a:r>
+            <a:r>
+              <a:rPr lang="en-US" sz="1800" b="0" i="0" dirty="0">
+                <a:solidFill>
+                  <a:srgbClr val="C41A16"/>
+                </a:solidFill>
+                <a:effectLst/>
+                <a:latin typeface="source-code-pro"/>
+              </a:rPr>
+              <a:t>"add"</a:t>
+            </a:r>
+            <a:r>
+              <a:rPr lang="en-US" sz="1800" b="0" i="0" dirty="0">
+                <a:solidFill>
+                  <a:srgbClr val="242424"/>
+                </a:solidFill>
+                <a:effectLst/>
+                <a:latin typeface="source-code-pro"/>
+              </a:rPr>
+              <a:t>,</a:t>
+            </a:r>
+            <a:br>
+              <a:rPr lang="en-US" sz="1800" dirty="0"/>
+            </a:br>
+            <a:r>
+              <a:rPr lang="en-US" sz="1800" dirty="0"/>
+              <a:t>	</a:t>
+            </a:r>
+            <a:r>
+              <a:rPr lang="en-US" sz="1800" b="0" i="0" dirty="0">
+                <a:solidFill>
+                  <a:srgbClr val="836C28"/>
+                </a:solidFill>
+                <a:effectLst/>
+                <a:latin typeface="source-code-pro"/>
+              </a:rPr>
+              <a:t>"arguments"</a:t>
+            </a:r>
+            <a:r>
+              <a:rPr lang="en-US" sz="1800" b="0" i="0" dirty="0">
+                <a:solidFill>
+                  <a:srgbClr val="242424"/>
+                </a:solidFill>
+                <a:effectLst/>
+                <a:latin typeface="source-code-pro"/>
+              </a:rPr>
+              <a:t>: {</a:t>
+            </a:r>
+            <a:br>
+              <a:rPr lang="en-US" sz="1800" dirty="0"/>
+            </a:br>
+            <a:r>
+              <a:rPr lang="en-US" sz="1800" dirty="0"/>
+              <a:t>		</a:t>
+            </a:r>
+            <a:r>
+              <a:rPr lang="en-US" sz="1800" b="0" i="0" dirty="0">
+                <a:solidFill>
+                  <a:srgbClr val="836C28"/>
+                </a:solidFill>
+                <a:effectLst/>
+                <a:latin typeface="source-code-pro"/>
+              </a:rPr>
+              <a:t>“a"</a:t>
+            </a:r>
+            <a:r>
+              <a:rPr lang="en-US" sz="1800" b="0" i="0" dirty="0">
+                <a:solidFill>
+                  <a:srgbClr val="242424"/>
+                </a:solidFill>
+                <a:effectLst/>
+                <a:latin typeface="source-code-pro"/>
+              </a:rPr>
+              <a:t>: </a:t>
+            </a:r>
+            <a:r>
+              <a:rPr lang="en-US" sz="1800" b="0" i="0" dirty="0">
+                <a:solidFill>
+                  <a:srgbClr val="1C00CF"/>
+                </a:solidFill>
+                <a:effectLst/>
+                <a:latin typeface="source-code-pro"/>
+              </a:rPr>
+              <a:t>3</a:t>
+            </a:r>
+            <a:r>
+              <a:rPr lang="en-US" sz="1800" b="0" i="0" dirty="0">
+                <a:solidFill>
+                  <a:srgbClr val="242424"/>
+                </a:solidFill>
+                <a:effectLst/>
+                <a:latin typeface="source-code-pro"/>
+              </a:rPr>
+              <a:t>,</a:t>
+            </a:r>
+            <a:br>
+              <a:rPr lang="en-US" sz="1800" dirty="0"/>
+            </a:br>
+            <a:r>
+              <a:rPr lang="en-US" sz="1800" dirty="0"/>
+              <a:t>		</a:t>
+            </a:r>
+            <a:r>
+              <a:rPr lang="en-US" sz="1800" b="0" i="0" dirty="0">
+                <a:solidFill>
+                  <a:srgbClr val="836C28"/>
+                </a:solidFill>
+                <a:effectLst/>
+                <a:latin typeface="source-code-pro"/>
+              </a:rPr>
+              <a:t>“b"</a:t>
+            </a:r>
+            <a:r>
+              <a:rPr lang="en-US" sz="1800" b="0" i="0" dirty="0">
+                <a:solidFill>
+                  <a:srgbClr val="242424"/>
+                </a:solidFill>
+                <a:effectLst/>
+                <a:latin typeface="source-code-pro"/>
+              </a:rPr>
+              <a:t>: </a:t>
+            </a:r>
+            <a:r>
+              <a:rPr lang="en-US" sz="1800" b="0" i="0" dirty="0">
+                <a:solidFill>
+                  <a:srgbClr val="1C00CF"/>
+                </a:solidFill>
+                <a:effectLst/>
+                <a:latin typeface="source-code-pro"/>
+              </a:rPr>
+              <a:t>5</a:t>
+            </a:r>
+            <a:br>
+              <a:rPr lang="en-US" sz="1800" dirty="0"/>
+            </a:br>
+            <a:r>
+              <a:rPr lang="en-US" sz="1800" dirty="0"/>
+              <a:t>	</a:t>
+            </a:r>
+            <a:r>
+              <a:rPr lang="en-US" sz="1800" b="0" i="0" dirty="0">
+                <a:solidFill>
+                  <a:srgbClr val="242424"/>
+                </a:solidFill>
+                <a:effectLst/>
+                <a:latin typeface="source-code-pro"/>
+              </a:rPr>
+              <a:t>}</a:t>
+            </a:r>
+          </a:p>
+          <a:p>
             <a:r>
               <a:rPr lang="en-US" dirty="0">
-                <a:latin typeface="Courier New" panose="02070309020205020404" pitchFamily="49" charset="0"/>
-                <a:cs typeface="Courier New" panose="02070309020205020404" pitchFamily="49" charset="0"/>
+                <a:solidFill>
+                  <a:srgbClr val="242424"/>
+                </a:solidFill>
+                <a:latin typeface="source-code-pro"/>
               </a:rPr>
-              <a:t>mcp.exe dev</a:t>
-            </a:r>
-            <a:r>
-              <a:rPr lang="en-US" dirty="0"/>
-              <a:t> to do 90% of this week’s assignment.</a:t>
-            </a:r>
-          </a:p>
-          <a:p>
-            <a:endParaRPr lang="en-US" dirty="0"/>
-          </a:p>
-          <a:p>
-            <a:r>
-              <a:rPr lang="en-US" dirty="0"/>
-              <a:t>Wait to Chat with your MCP Server until the very end.</a:t>
-            </a:r>
-          </a:p>
-          <a:p>
+              <a:t>}</a:t>
+            </a:r>
+            <a:br>
+              <a:rPr lang="en-US" sz="1800" dirty="0"/>
+            </a:br>
             <a:endParaRPr lang="en-US" dirty="0"/>
           </a:p>
         </p:txBody>
@@ -4657,7 +5492,7 @@
     </p:spTree>
     <p:extLst>
       <p:ext uri="{BB962C8B-B14F-4D97-AF65-F5344CB8AC3E}">
-        <p14:creationId xmlns:p14="http://schemas.microsoft.com/office/powerpoint/2010/main" val="3719561870"/>
+        <p14:creationId xmlns:p14="http://schemas.microsoft.com/office/powerpoint/2010/main" val="1299736673"/>
       </p:ext>
     </p:extLst>
   </p:cSld>
@@ -4689,7 +5524,7 @@
           <p:cNvPr id="2" name="Title 1">
             <a:extLst>
               <a:ext uri="{FF2B5EF4-FFF2-40B4-BE49-F238E27FC236}">
-                <a16:creationId xmlns:a16="http://schemas.microsoft.com/office/drawing/2014/main" id="{092BE096-BED9-6CAD-06B0-EE1156664C38}"/>
+                <a16:creationId xmlns:a16="http://schemas.microsoft.com/office/drawing/2014/main" id="{18B3A4B2-1690-034B-8A3D-5AF888F6F78E}"/>
               </a:ext>
             </a:extLst>
           </p:cNvPr>
@@ -4708,53 +5543,73 @@
           <a:lstStyle/>
           <a:p>
             <a:r>
-              <a:rPr lang="en-US" dirty="0"/>
-              <a:t>Demos :</a:t>
-            </a:r>
-            <a:br>
-              <a:rPr lang="en-US" dirty="0"/>
-            </a:br>
-            <a:r>
-              <a:rPr lang="en-US" dirty="0"/>
-              <a:t>1. </a:t>
+              <a:rPr lang="en-US" sz="4000" dirty="0"/>
+              <a:t>Testing MCP Servers with  </a:t>
+            </a:r>
+            <a:r>
+              <a:rPr lang="en-US" sz="4000" dirty="0">
+                <a:latin typeface="Courier New" panose="02070309020205020404" pitchFamily="49" charset="0"/>
+                <a:cs typeface="Courier New" panose="02070309020205020404" pitchFamily="49" charset="0"/>
+              </a:rPr>
+              <a:t>mcp.exe dev</a:t>
+            </a:r>
+          </a:p>
+        </p:txBody>
+      </p:sp>
+      <p:sp>
+        <p:nvSpPr>
+          <p:cNvPr id="3" name="Content Placeholder 2">
+            <a:extLst>
+              <a:ext uri="{FF2B5EF4-FFF2-40B4-BE49-F238E27FC236}">
+                <a16:creationId xmlns:a16="http://schemas.microsoft.com/office/drawing/2014/main" id="{7F0232AB-698E-2CF5-C827-D53678E9E2F3}"/>
+              </a:ext>
+            </a:extLst>
+          </p:cNvPr>
+          <p:cNvSpPr>
+            <a:spLocks noGrp="1"/>
+          </p:cNvSpPr>
+          <p:nvPr>
+            <p:ph idx="1"/>
+          </p:nvPr>
+        </p:nvSpPr>
+        <p:spPr/>
+        <p:txBody>
+          <a:bodyPr/>
+          <a:lstStyle/>
+          <a:p>
+            <a:r>
+              <a:rPr lang="en-US" dirty="0"/>
+              <a:t>Testing your MCP server requires </a:t>
+            </a:r>
+            <a:r>
+              <a:rPr lang="en-US" b="1" dirty="0"/>
+              <a:t>no AI</a:t>
+            </a:r>
+            <a:r>
+              <a:rPr lang="en-US" dirty="0"/>
+              <a:t>.</a:t>
+            </a:r>
+          </a:p>
+          <a:p>
+            <a:endParaRPr lang="en-US" dirty="0"/>
+          </a:p>
+          <a:p>
+            <a:r>
+              <a:rPr lang="en-US" dirty="0"/>
+              <a:t>You can use the program </a:t>
             </a:r>
             <a:r>
               <a:rPr lang="en-US" dirty="0">
                 <a:latin typeface="Courier New" panose="02070309020205020404" pitchFamily="49" charset="0"/>
                 <a:cs typeface="Courier New" panose="02070309020205020404" pitchFamily="49" charset="0"/>
               </a:rPr>
-              <a:t>mcp.exe dev</a:t>
-            </a:r>
-            <a:br>
-              <a:rPr lang="en-US" dirty="0"/>
-            </a:br>
-            <a:r>
-              <a:rPr lang="en-US" dirty="0"/>
-              <a:t>2. MCP VS Code integration</a:t>
-            </a:r>
-          </a:p>
-        </p:txBody>
-      </p:sp>
-      <p:sp>
-        <p:nvSpPr>
-          <p:cNvPr id="4" name="Text Placeholder 3">
-            <a:extLst>
-              <a:ext uri="{FF2B5EF4-FFF2-40B4-BE49-F238E27FC236}">
-                <a16:creationId xmlns:a16="http://schemas.microsoft.com/office/drawing/2014/main" id="{83DA4D71-6B18-AC09-4E8A-10E56E80C5E3}"/>
-              </a:ext>
-            </a:extLst>
-          </p:cNvPr>
-          <p:cNvSpPr>
-            <a:spLocks noGrp="1"/>
-          </p:cNvSpPr>
-          <p:nvPr>
-            <p:ph type="body" idx="1"/>
-          </p:nvPr>
-        </p:nvSpPr>
-        <p:spPr/>
-        <p:txBody>
-          <a:bodyPr/>
-          <a:lstStyle/>
+              <a:t>mcp.exe dev </a:t>
+            </a:r>
+            <a:r>
+              <a:rPr lang="en-US" dirty="0"/>
+              <a:t>to start a Web server that generates a UI for testing your MCP server.</a:t>
+            </a:r>
+          </a:p>
           <a:p>
             <a:endParaRPr lang="en-US" dirty="0"/>
           </a:p>
@@ -4763,7 +5618,7 @@
     </p:spTree>
     <p:extLst>
       <p:ext uri="{BB962C8B-B14F-4D97-AF65-F5344CB8AC3E}">
-        <p14:creationId xmlns:p14="http://schemas.microsoft.com/office/powerpoint/2010/main" val="1328373521"/>
+        <p14:creationId xmlns:p14="http://schemas.microsoft.com/office/powerpoint/2010/main" val="3719561870"/>
       </p:ext>
     </p:extLst>
   </p:cSld>
@@ -4792,10 +5647,10 @@
       </p:grpSpPr>
       <p:sp>
         <p:nvSpPr>
-          <p:cNvPr id="4" name="Title 3">
-            <a:extLst>
-              <a:ext uri="{FF2B5EF4-FFF2-40B4-BE49-F238E27FC236}">
-                <a16:creationId xmlns:a16="http://schemas.microsoft.com/office/drawing/2014/main" id="{8C3A73B3-D7BB-C095-0736-928736C2BF20}"/>
+          <p:cNvPr id="2" name="Title 1">
+            <a:extLst>
+              <a:ext uri="{FF2B5EF4-FFF2-40B4-BE49-F238E27FC236}">
+                <a16:creationId xmlns:a16="http://schemas.microsoft.com/office/drawing/2014/main" id="{092BE096-BED9-6CAD-06B0-EE1156664C38}"/>
               </a:ext>
             </a:extLst>
           </p:cNvPr>
@@ -4808,22 +5663,45 @@
         </p:nvSpPr>
         <p:spPr/>
         <p:txBody>
-          <a:bodyPr/>
-          <a:lstStyle/>
-          <a:p>
-            <a:r>
-              <a:rPr lang="en-US" dirty="0"/>
-              <a:t>Tips for writing MCP Servers</a:t>
-            </a:r>
-          </a:p>
-        </p:txBody>
-      </p:sp>
-      <p:sp>
-        <p:nvSpPr>
-          <p:cNvPr id="5" name="Text Placeholder 4">
-            <a:extLst>
-              <a:ext uri="{FF2B5EF4-FFF2-40B4-BE49-F238E27FC236}">
-                <a16:creationId xmlns:a16="http://schemas.microsoft.com/office/drawing/2014/main" id="{F64D5FBF-6925-2171-0A32-B7E335DCDA47}"/>
+          <a:bodyPr>
+            <a:normAutofit/>
+          </a:bodyPr>
+          <a:lstStyle/>
+          <a:p>
+            <a:r>
+              <a:rPr lang="en-US" dirty="0"/>
+              <a:t>Demos :</a:t>
+            </a:r>
+            <a:br>
+              <a:rPr lang="en-US" dirty="0"/>
+            </a:br>
+            <a:r>
+              <a:rPr lang="en-US" dirty="0"/>
+              <a:t>1. </a:t>
+            </a:r>
+            <a:r>
+              <a:rPr lang="en-US" dirty="0">
+                <a:latin typeface="Courier New" panose="02070309020205020404" pitchFamily="49" charset="0"/>
+                <a:cs typeface="Courier New" panose="02070309020205020404" pitchFamily="49" charset="0"/>
+              </a:rPr>
+              <a:t>mcp.exe dev</a:t>
+            </a:r>
+            <a:br>
+              <a:rPr lang="en-US" dirty="0"/>
+            </a:br>
+            <a:r>
+              <a:rPr lang="en-US" dirty="0"/>
+              <a:t>2. MCP VS Code integration</a:t>
+            </a:r>
+          </a:p>
+        </p:txBody>
+      </p:sp>
+      <p:sp>
+        <p:nvSpPr>
+          <p:cNvPr id="4" name="Text Placeholder 3">
+            <a:extLst>
+              <a:ext uri="{FF2B5EF4-FFF2-40B4-BE49-F238E27FC236}">
+                <a16:creationId xmlns:a16="http://schemas.microsoft.com/office/drawing/2014/main" id="{83DA4D71-6B18-AC09-4E8A-10E56E80C5E3}"/>
               </a:ext>
             </a:extLst>
           </p:cNvPr>
@@ -4839,14 +5717,14 @@
           <a:bodyPr/>
           <a:lstStyle/>
           <a:p>
-            <a:endParaRPr lang="en-US"/>
+            <a:endParaRPr lang="en-US" dirty="0"/>
           </a:p>
         </p:txBody>
       </p:sp>
     </p:spTree>
     <p:extLst>
       <p:ext uri="{BB962C8B-B14F-4D97-AF65-F5344CB8AC3E}">
-        <p14:creationId xmlns:p14="http://schemas.microsoft.com/office/powerpoint/2010/main" val="268807089"/>
+        <p14:creationId xmlns:p14="http://schemas.microsoft.com/office/powerpoint/2010/main" val="1328373521"/>
       </p:ext>
     </p:extLst>
   </p:cSld>
@@ -4878,7 +5756,7 @@
           <p:cNvPr id="4" name="Title 3">
             <a:extLst>
               <a:ext uri="{FF2B5EF4-FFF2-40B4-BE49-F238E27FC236}">
-                <a16:creationId xmlns:a16="http://schemas.microsoft.com/office/drawing/2014/main" id="{B9CFF6FC-F5F2-40E5-35A6-C4C4354E91A5}"/>
+                <a16:creationId xmlns:a16="http://schemas.microsoft.com/office/drawing/2014/main" id="{8C3A73B3-D7BB-C095-0736-928736C2BF20}"/>
               </a:ext>
             </a:extLst>
           </p:cNvPr>
@@ -4891,115 +5769,45 @@
         </p:nvSpPr>
         <p:spPr/>
         <p:txBody>
-          <a:bodyPr>
-            <a:normAutofit fontScale="90000"/>
-          </a:bodyPr>
-          <a:lstStyle/>
-          <a:p>
-            <a:r>
-              <a:rPr lang="en-US" dirty="0"/>
-              <a:t>LLMs seem </a:t>
-            </a:r>
-            <a:r>
-              <a:rPr lang="en-US" u="sng" dirty="0"/>
-              <a:t>reluctant</a:t>
-            </a:r>
-            <a:r>
-              <a:rPr lang="en-US" dirty="0"/>
-              <a:t> to call tools.</a:t>
-            </a:r>
-            <a:br>
-              <a:rPr lang="en-US" dirty="0"/>
-            </a:br>
-            <a:r>
-              <a:rPr lang="en-US" dirty="0"/>
-              <a:t>Modify your </a:t>
-            </a:r>
-            <a:r>
-              <a:rPr lang="en-US" u="sng" dirty="0"/>
-              <a:t>static prompt</a:t>
-            </a:r>
-            <a:r>
-              <a:rPr lang="en-US" dirty="0"/>
-              <a:t> note their existence.</a:t>
-            </a:r>
-          </a:p>
-        </p:txBody>
-      </p:sp>
-      <p:pic>
-        <p:nvPicPr>
-          <p:cNvPr id="7" name="Content Placeholder 6" descr="A screenshot of a chat&#10;&#10;AI-generated content may be incorrect.">
-            <a:extLst>
-              <a:ext uri="{FF2B5EF4-FFF2-40B4-BE49-F238E27FC236}">
-                <a16:creationId xmlns:a16="http://schemas.microsoft.com/office/drawing/2014/main" id="{513CFD58-9094-8ACF-0B67-16F90C8B511C}"/>
-              </a:ext>
-            </a:extLst>
-          </p:cNvPr>
-          <p:cNvPicPr>
-            <a:picLocks noGrp="1" noChangeAspect="1"/>
-          </p:cNvPicPr>
+          <a:bodyPr/>
+          <a:lstStyle/>
+          <a:p>
+            <a:r>
+              <a:rPr lang="en-US" dirty="0"/>
+              <a:t>Tips for writing MCP Servers</a:t>
+            </a:r>
+          </a:p>
+        </p:txBody>
+      </p:sp>
+      <p:sp>
+        <p:nvSpPr>
+          <p:cNvPr id="5" name="Text Placeholder 4">
+            <a:extLst>
+              <a:ext uri="{FF2B5EF4-FFF2-40B4-BE49-F238E27FC236}">
+                <a16:creationId xmlns:a16="http://schemas.microsoft.com/office/drawing/2014/main" id="{F64D5FBF-6925-2171-0A32-B7E335DCDA47}"/>
+              </a:ext>
+            </a:extLst>
+          </p:cNvPr>
+          <p:cNvSpPr>
+            <a:spLocks noGrp="1"/>
+          </p:cNvSpPr>
           <p:nvPr>
-            <p:ph idx="1"/>
+            <p:ph type="body" idx="1"/>
           </p:nvPr>
-        </p:nvPicPr>
-        <p:blipFill>
-          <a:blip r:embed="rId2">
-            <a:extLst>
-              <a:ext uri="{28A0092B-C50C-407E-A947-70E740481C1C}">
-                <a14:useLocalDpi xmlns:a14="http://schemas.microsoft.com/office/drawing/2010/main" val="0"/>
-              </a:ext>
-            </a:extLst>
-          </a:blip>
-          <a:stretch>
-            <a:fillRect/>
-          </a:stretch>
-        </p:blipFill>
-        <p:spPr>
-          <a:xfrm>
-            <a:off x="3012201" y="2161203"/>
-            <a:ext cx="6167598" cy="3396029"/>
-          </a:xfrm>
-        </p:spPr>
-      </p:pic>
-      <p:sp>
-        <p:nvSpPr>
-          <p:cNvPr id="8" name="TextBox 7">
-            <a:extLst>
-              <a:ext uri="{FF2B5EF4-FFF2-40B4-BE49-F238E27FC236}">
-                <a16:creationId xmlns:a16="http://schemas.microsoft.com/office/drawing/2014/main" id="{528FD305-B98C-2F13-F60A-4E55B0387FED}"/>
-              </a:ext>
-            </a:extLst>
-          </p:cNvPr>
-          <p:cNvSpPr txBox="1"/>
-          <p:nvPr/>
-        </p:nvSpPr>
-        <p:spPr>
-          <a:xfrm>
-            <a:off x="3203830" y="5658415"/>
-            <a:ext cx="5784340" cy="369332"/>
-          </a:xfrm>
-          <a:prstGeom prst="rect">
-            <a:avLst/>
-          </a:prstGeom>
-          <a:noFill/>
-        </p:spPr>
-        <p:txBody>
-          <a:bodyPr wrap="none" rtlCol="0">
-            <a:spAutoFit/>
-          </a:bodyPr>
-          <a:lstStyle/>
-          <a:p>
-            <a:r>
-              <a:rPr lang="en-US" dirty="0"/>
-              <a:t>Modify your IDE’s “Instructions” or “Memories” to fix this.</a:t>
-            </a:r>
+        </p:nvSpPr>
+        <p:spPr/>
+        <p:txBody>
+          <a:bodyPr/>
+          <a:lstStyle/>
+          <a:p>
+            <a:endParaRPr lang="en-US"/>
           </a:p>
         </p:txBody>
       </p:sp>
     </p:spTree>
     <p:extLst>
       <p:ext uri="{BB962C8B-B14F-4D97-AF65-F5344CB8AC3E}">
-        <p14:creationId xmlns:p14="http://schemas.microsoft.com/office/powerpoint/2010/main" val="1394919279"/>
+        <p14:creationId xmlns:p14="http://schemas.microsoft.com/office/powerpoint/2010/main" val="268807089"/>
       </p:ext>
     </p:extLst>
   </p:cSld>
@@ -5028,10 +5836,10 @@
       </p:grpSpPr>
       <p:sp>
         <p:nvSpPr>
-          <p:cNvPr id="2" name="Title 1">
-            <a:extLst>
-              <a:ext uri="{FF2B5EF4-FFF2-40B4-BE49-F238E27FC236}">
-                <a16:creationId xmlns:a16="http://schemas.microsoft.com/office/drawing/2014/main" id="{86F9644F-A064-C5FC-60DD-EEB061D61355}"/>
+          <p:cNvPr id="4" name="Title 3">
+            <a:extLst>
+              <a:ext uri="{FF2B5EF4-FFF2-40B4-BE49-F238E27FC236}">
+                <a16:creationId xmlns:a16="http://schemas.microsoft.com/office/drawing/2014/main" id="{B9CFF6FC-F5F2-40E5-35A6-C4C4354E91A5}"/>
               </a:ext>
             </a:extLst>
           </p:cNvPr>
@@ -5044,116 +5852,59 @@
         </p:nvSpPr>
         <p:spPr/>
         <p:txBody>
-          <a:bodyPr/>
-          <a:lstStyle/>
-          <a:p>
-            <a:r>
-              <a:rPr lang="en-US" dirty="0"/>
-              <a:t>MCP Servers should follow REST conventions</a:t>
-            </a:r>
-          </a:p>
-        </p:txBody>
-      </p:sp>
-      <p:sp>
-        <p:nvSpPr>
-          <p:cNvPr id="3" name="Content Placeholder 2">
-            <a:extLst>
-              <a:ext uri="{FF2B5EF4-FFF2-40B4-BE49-F238E27FC236}">
-                <a16:creationId xmlns:a16="http://schemas.microsoft.com/office/drawing/2014/main" id="{5E83A886-0244-0101-5569-FD072AB53514}"/>
-              </a:ext>
-            </a:extLst>
-          </p:cNvPr>
-          <p:cNvSpPr>
-            <a:spLocks noGrp="1"/>
-          </p:cNvSpPr>
+          <a:bodyPr>
+            <a:normAutofit fontScale="90000"/>
+          </a:bodyPr>
+          <a:lstStyle/>
+          <a:p>
+            <a:r>
+              <a:rPr lang="en-US" dirty="0"/>
+              <a:t>LLMs seem </a:t>
+            </a:r>
+            <a:r>
+              <a:rPr lang="en-US" u="sng" dirty="0"/>
+              <a:t>reluctant</a:t>
+            </a:r>
+            <a:r>
+              <a:rPr lang="en-US" dirty="0"/>
+              <a:t> to call tools.</a:t>
+            </a:r>
+            <a:br>
+              <a:rPr lang="en-US" dirty="0"/>
+            </a:br>
+            <a:r>
+              <a:rPr lang="en-US" dirty="0"/>
+              <a:t>Modify your </a:t>
+            </a:r>
+            <a:r>
+              <a:rPr lang="en-US" u="sng" dirty="0"/>
+              <a:t>static prompt</a:t>
+            </a:r>
+            <a:r>
+              <a:rPr lang="en-US" dirty="0"/>
+              <a:t> note their existence.</a:t>
+            </a:r>
+          </a:p>
+        </p:txBody>
+      </p:sp>
+      <p:pic>
+        <p:nvPicPr>
+          <p:cNvPr id="7" name="Content Placeholder 6" descr="A screenshot of a chat&#10;&#10;AI-generated content may be incorrect.">
+            <a:extLst>
+              <a:ext uri="{FF2B5EF4-FFF2-40B4-BE49-F238E27FC236}">
+                <a16:creationId xmlns:a16="http://schemas.microsoft.com/office/drawing/2014/main" id="{513CFD58-9094-8ACF-0B67-16F90C8B511C}"/>
+              </a:ext>
+            </a:extLst>
+          </p:cNvPr>
+          <p:cNvPicPr>
+            <a:picLocks noGrp="1" noChangeAspect="1"/>
+          </p:cNvPicPr>
           <p:nvPr>
             <p:ph idx="1"/>
           </p:nvPr>
-        </p:nvSpPr>
-        <p:spPr>
-          <a:xfrm>
-            <a:off x="838200" y="1825625"/>
-            <a:ext cx="5810881" cy="4351338"/>
-          </a:xfrm>
-        </p:spPr>
-        <p:txBody>
-          <a:bodyPr>
-            <a:normAutofit/>
-          </a:bodyPr>
-          <a:lstStyle/>
-          <a:p>
-            <a:r>
-              <a:rPr lang="en-US" dirty="0"/>
-              <a:t>MCP has parallels to REST:</a:t>
-            </a:r>
-          </a:p>
-          <a:p>
-            <a:pPr lvl="1"/>
-            <a:r>
-              <a:rPr lang="en-US" dirty="0"/>
-              <a:t>Resources: GET</a:t>
-            </a:r>
-          </a:p>
-          <a:p>
-            <a:pPr lvl="1"/>
-            <a:r>
-              <a:rPr lang="en-US" dirty="0"/>
-              <a:t>Tools: POST</a:t>
-            </a:r>
-          </a:p>
-          <a:p>
-            <a:endParaRPr lang="en-US" dirty="0"/>
-          </a:p>
-          <a:p>
-            <a:r>
-              <a:rPr lang="en-US" b="1" dirty="0"/>
-              <a:t>No side effects </a:t>
-            </a:r>
-            <a:r>
-              <a:rPr lang="en-US" dirty="0"/>
-              <a:t>from Resources</a:t>
-            </a:r>
-          </a:p>
-          <a:p>
-            <a:endParaRPr lang="en-US" dirty="0"/>
-          </a:p>
-          <a:p>
-            <a:r>
-              <a:rPr lang="en-US" dirty="0"/>
-              <a:t>MCP Tools should be </a:t>
-            </a:r>
-            <a:r>
-              <a:rPr lang="en-US" b="1" dirty="0"/>
-              <a:t>idempotent</a:t>
-            </a:r>
-          </a:p>
-          <a:p>
-            <a:endParaRPr lang="en-US" b="1" dirty="0"/>
-          </a:p>
-          <a:p>
-            <a:r>
-              <a:rPr lang="en-US" dirty="0"/>
-              <a:t>Agent’s Context should hold state</a:t>
-            </a:r>
-          </a:p>
-        </p:txBody>
-      </p:sp>
-      <p:pic>
-        <p:nvPicPr>
-          <p:cNvPr id="5" name="Picture 4" descr="A screenshot of a computer code&#10;&#10;AI-generated content may be incorrect.">
-            <a:extLst>
-              <a:ext uri="{FF2B5EF4-FFF2-40B4-BE49-F238E27FC236}">
-                <a16:creationId xmlns:a16="http://schemas.microsoft.com/office/drawing/2014/main" id="{5AC56E96-7F41-E074-8A23-459E86575BFF}"/>
-              </a:ext>
-            </a:extLst>
-          </p:cNvPr>
-          <p:cNvPicPr>
-            <a:picLocks noChangeAspect="1"/>
-          </p:cNvPicPr>
-          <p:nvPr/>
         </p:nvPicPr>
         <p:blipFill>
-          <a:blip r:embed="rId3">
+          <a:blip r:embed="rId2">
             <a:extLst>
               <a:ext uri="{28A0092B-C50C-407E-A947-70E740481C1C}">
                 <a14:useLocalDpi xmlns:a14="http://schemas.microsoft.com/office/drawing/2010/main" val="0"/>
@@ -5166,18 +5917,51 @@
         </p:blipFill>
         <p:spPr>
           <a:xfrm>
-            <a:off x="6766082" y="1690688"/>
-            <a:ext cx="4978656" cy="4235668"/>
+            <a:off x="3012201" y="2161203"/>
+            <a:ext cx="6167598" cy="3396029"/>
+          </a:xfrm>
+        </p:spPr>
+      </p:pic>
+      <p:sp>
+        <p:nvSpPr>
+          <p:cNvPr id="8" name="TextBox 7">
+            <a:extLst>
+              <a:ext uri="{FF2B5EF4-FFF2-40B4-BE49-F238E27FC236}">
+                <a16:creationId xmlns:a16="http://schemas.microsoft.com/office/drawing/2014/main" id="{528FD305-B98C-2F13-F60A-4E55B0387FED}"/>
+              </a:ext>
+            </a:extLst>
+          </p:cNvPr>
+          <p:cNvSpPr txBox="1"/>
+          <p:nvPr/>
+        </p:nvSpPr>
+        <p:spPr>
+          <a:xfrm>
+            <a:off x="3203830" y="5658415"/>
+            <a:ext cx="5784340" cy="369332"/>
           </a:xfrm>
           <a:prstGeom prst="rect">
             <a:avLst/>
           </a:prstGeom>
-        </p:spPr>
-      </p:pic>
+          <a:noFill/>
+        </p:spPr>
+        <p:txBody>
+          <a:bodyPr wrap="none" rtlCol="0">
+            <a:spAutoFit/>
+          </a:bodyPr>
+          <a:lstStyle/>
+          <a:p>
+            <a:pPr algn="ctr"/>
+            <a:r>
+              <a:rPr lang="en-US" dirty="0"/>
+              <a:t>Modify your IDE’s “Instructions” or “Memories” to fix this.</a:t>
+            </a:r>
+          </a:p>
+        </p:txBody>
+      </p:sp>
     </p:spTree>
     <p:extLst>
       <p:ext uri="{BB962C8B-B14F-4D97-AF65-F5344CB8AC3E}">
-        <p14:creationId xmlns:p14="http://schemas.microsoft.com/office/powerpoint/2010/main" val="2307469981"/>
+        <p14:creationId xmlns:p14="http://schemas.microsoft.com/office/powerpoint/2010/main" val="1394919279"/>
       </p:ext>
     </p:extLst>
   </p:cSld>
@@ -5209,7 +5993,7 @@
           <p:cNvPr id="2" name="Title 1">
             <a:extLst>
               <a:ext uri="{FF2B5EF4-FFF2-40B4-BE49-F238E27FC236}">
-                <a16:creationId xmlns:a16="http://schemas.microsoft.com/office/drawing/2014/main" id="{E14DB13F-FD66-D307-D94B-22300B0B5EE8}"/>
+                <a16:creationId xmlns:a16="http://schemas.microsoft.com/office/drawing/2014/main" id="{86F9644F-A064-C5FC-60DD-EEB061D61355}"/>
               </a:ext>
             </a:extLst>
           </p:cNvPr>
@@ -5227,7 +6011,7 @@
           <a:p>
             <a:r>
               <a:rPr lang="en-US" dirty="0"/>
-              <a:t>Prefer Remote servers over Local servers</a:t>
+              <a:t>MCP Servers should follow REST conventions</a:t>
             </a:r>
           </a:p>
         </p:txBody>
@@ -5237,7 +6021,7 @@
           <p:cNvPr id="3" name="Content Placeholder 2">
             <a:extLst>
               <a:ext uri="{FF2B5EF4-FFF2-40B4-BE49-F238E27FC236}">
-                <a16:creationId xmlns:a16="http://schemas.microsoft.com/office/drawing/2014/main" id="{3E1C8D2C-B510-C385-09D3-CC216B9D1CCE}"/>
+                <a16:creationId xmlns:a16="http://schemas.microsoft.com/office/drawing/2014/main" id="{5E83A886-0244-0101-5569-FD072AB53514}"/>
               </a:ext>
             </a:extLst>
           </p:cNvPr>
@@ -5248,154 +6032,411 @@
             <p:ph idx="1"/>
           </p:nvPr>
         </p:nvSpPr>
-        <p:spPr/>
+        <p:spPr>
+          <a:xfrm>
+            <a:off x="838200" y="1825625"/>
+            <a:ext cx="5810881" cy="4351338"/>
+          </a:xfrm>
+        </p:spPr>
         <p:txBody>
           <a:bodyPr>
-            <a:normAutofit lnSpcReduction="10000"/>
+            <a:normAutofit/>
           </a:bodyPr>
           <a:lstStyle/>
           <a:p>
             <a:r>
+              <a:rPr lang="en-US" dirty="0"/>
+              <a:t>MCP has parallels to REST:</a:t>
+            </a:r>
+          </a:p>
+          <a:p>
+            <a:pPr lvl="1"/>
+            <a:r>
+              <a:rPr lang="en-US" dirty="0"/>
+              <a:t>Resources: GET</a:t>
+            </a:r>
+          </a:p>
+          <a:p>
+            <a:pPr lvl="1"/>
+            <a:r>
+              <a:rPr lang="en-US" dirty="0"/>
+              <a:t>Tools: POST</a:t>
+            </a:r>
+          </a:p>
+          <a:p>
+            <a:endParaRPr lang="en-US" dirty="0"/>
+          </a:p>
+          <a:p>
+            <a:r>
               <a:rPr lang="en-US" b="1" dirty="0"/>
-              <a:t>Local</a:t>
-            </a:r>
-            <a:r>
-              <a:rPr lang="en-US" dirty="0"/>
-              <a:t>: JSON sent over </a:t>
+              <a:t>No side effects </a:t>
+            </a:r>
+            <a:r>
+              <a:rPr lang="en-US" dirty="0"/>
+              <a:t>from Resources</a:t>
+            </a:r>
+          </a:p>
+          <a:p>
+            <a:endParaRPr lang="en-US" dirty="0"/>
+          </a:p>
+          <a:p>
+            <a:r>
+              <a:rPr lang="en-US" dirty="0"/>
+              <a:t>MCP Tools should be </a:t>
             </a:r>
             <a:r>
               <a:rPr lang="en-US" b="1" dirty="0"/>
-              <a:t>Standard in</a:t>
-            </a:r>
-            <a:r>
-              <a:rPr lang="en-US" dirty="0"/>
-              <a:t>, </a:t>
-            </a:r>
-            <a:r>
-              <a:rPr lang="en-US" b="1" dirty="0"/>
-              <a:t>Standard Out</a:t>
-            </a:r>
-          </a:p>
-          <a:p>
-            <a:pPr lvl="1"/>
-            <a:r>
-              <a:rPr lang="en-US" b="1" dirty="0">
-                <a:solidFill>
-                  <a:srgbClr val="FF0000"/>
-                </a:solidFill>
-              </a:rPr>
-              <a:t>Never print()</a:t>
-            </a:r>
-            <a:r>
-              <a:rPr lang="en-US" b="1" dirty="0"/>
-              <a:t> </a:t>
-            </a:r>
-            <a:r>
-              <a:rPr lang="en-US" dirty="0"/>
-              <a:t>on a Local MCP server</a:t>
-            </a:r>
-            <a:br>
-              <a:rPr lang="en-US" dirty="0"/>
-            </a:br>
-            <a:endParaRPr lang="en-US" dirty="0"/>
-          </a:p>
-          <a:p>
-            <a:pPr marL="457200" lvl="1" indent="0">
-              <a:buNone/>
-            </a:pPr>
-            <a:r>
-              <a:rPr lang="en-US" dirty="0" err="1"/>
-              <a:t>mcp</a:t>
-            </a:r>
-            <a:r>
-              <a:rPr lang="en-US" dirty="0"/>
-              <a:t> = </a:t>
-            </a:r>
-            <a:r>
-              <a:rPr lang="en-US" dirty="0" err="1"/>
-              <a:t>FastMCP</a:t>
-            </a:r>
-            <a:r>
-              <a:rPr lang="en-US" dirty="0"/>
-              <a:t>("Demo")</a:t>
-            </a:r>
-          </a:p>
-          <a:p>
-            <a:pPr marL="0" indent="0">
-              <a:buNone/>
-            </a:pPr>
+              <a:t>idempotent</a:t>
+            </a:r>
+          </a:p>
+          <a:p>
             <a:endParaRPr lang="en-US" b="1" dirty="0"/>
           </a:p>
           <a:p>
             <a:r>
-              <a:rPr lang="en-US" b="1" dirty="0"/>
-              <a:t>Remote: </a:t>
-            </a:r>
-            <a:r>
-              <a:rPr lang="en-US" dirty="0"/>
-              <a:t>JSON sent over </a:t>
-            </a:r>
-            <a:r>
-              <a:rPr lang="en-US" b="1" dirty="0"/>
-              <a:t>HTTP</a:t>
-            </a:r>
-          </a:p>
-          <a:p>
-            <a:pPr marL="457200" lvl="1" indent="0">
-              <a:buNone/>
-            </a:pPr>
-            <a:endParaRPr lang="en-US" dirty="0"/>
-          </a:p>
-          <a:p>
-            <a:pPr marL="457200" lvl="1" indent="0">
-              <a:buNone/>
-            </a:pPr>
-            <a:r>
-              <a:rPr lang="en-US" dirty="0" err="1"/>
-              <a:t>mcp</a:t>
-            </a:r>
-            <a:r>
-              <a:rPr lang="en-US" dirty="0"/>
-              <a:t> = </a:t>
-            </a:r>
-            <a:r>
-              <a:rPr lang="en-US" dirty="0" err="1"/>
-              <a:t>FastMCP</a:t>
-            </a:r>
-            <a:r>
-              <a:rPr lang="en-US" dirty="0"/>
-              <a:t>("Demo", </a:t>
-            </a:r>
-            <a:r>
-              <a:rPr lang="en-US" b="1" dirty="0"/>
-              <a:t>host="127.0.0.1", port="8080"</a:t>
-            </a:r>
-            <a:r>
-              <a:rPr lang="en-US" dirty="0"/>
-              <a:t>)</a:t>
-            </a:r>
-          </a:p>
-          <a:p>
-            <a:endParaRPr lang="en-US" b="1" dirty="0"/>
-          </a:p>
-          <a:p>
-            <a:r>
-              <a:rPr lang="en-US" dirty="0"/>
-              <a:t>Same code otherwise.</a:t>
-            </a:r>
-          </a:p>
-        </p:txBody>
-      </p:sp>
+              <a:rPr lang="en-US" dirty="0"/>
+              <a:t>Agent’s Context should hold state</a:t>
+            </a:r>
+          </a:p>
+        </p:txBody>
+      </p:sp>
+      <p:pic>
+        <p:nvPicPr>
+          <p:cNvPr id="5" name="Picture 4" descr="A screenshot of a computer code&#10;&#10;AI-generated content may be incorrect.">
+            <a:extLst>
+              <a:ext uri="{FF2B5EF4-FFF2-40B4-BE49-F238E27FC236}">
+                <a16:creationId xmlns:a16="http://schemas.microsoft.com/office/drawing/2014/main" id="{5AC56E96-7F41-E074-8A23-459E86575BFF}"/>
+              </a:ext>
+            </a:extLst>
+          </p:cNvPr>
+          <p:cNvPicPr>
+            <a:picLocks noChangeAspect="1"/>
+          </p:cNvPicPr>
+          <p:nvPr/>
+        </p:nvPicPr>
+        <p:blipFill>
+          <a:blip r:embed="rId3">
+            <a:extLst>
+              <a:ext uri="{28A0092B-C50C-407E-A947-70E740481C1C}">
+                <a14:useLocalDpi xmlns:a14="http://schemas.microsoft.com/office/drawing/2010/main" val="0"/>
+              </a:ext>
+            </a:extLst>
+          </a:blip>
+          <a:stretch>
+            <a:fillRect/>
+          </a:stretch>
+        </p:blipFill>
+        <p:spPr>
+          <a:xfrm>
+            <a:off x="6766082" y="1690688"/>
+            <a:ext cx="4978656" cy="4235668"/>
+          </a:xfrm>
+          <a:prstGeom prst="rect">
+            <a:avLst/>
+          </a:prstGeom>
+        </p:spPr>
+      </p:pic>
     </p:spTree>
     <p:extLst>
       <p:ext uri="{BB962C8B-B14F-4D97-AF65-F5344CB8AC3E}">
-        <p14:creationId xmlns:p14="http://schemas.microsoft.com/office/powerpoint/2010/main" val="1215268400"/>
+        <p14:creationId xmlns:p14="http://schemas.microsoft.com/office/powerpoint/2010/main" val="2307469981"/>
       </p:ext>
     </p:extLst>
   </p:cSld>
   <p:clrMapOvr>
     <a:masterClrMapping/>
   </p:clrMapOvr>
+  <p:timing>
+    <p:tnLst>
+      <p:par>
+        <p:cTn id="1" dur="indefinite" restart="never" nodeType="tmRoot">
+          <p:childTnLst>
+            <p:seq concurrent="1" nextAc="seek">
+              <p:cTn id="2" dur="indefinite" nodeType="mainSeq">
+                <p:childTnLst>
+                  <p:par>
+                    <p:cTn id="3" fill="hold">
+                      <p:stCondLst>
+                        <p:cond delay="indefinite"/>
+                      </p:stCondLst>
+                      <p:childTnLst>
+                        <p:par>
+                          <p:cTn id="4" fill="hold">
+                            <p:stCondLst>
+                              <p:cond delay="0"/>
+                            </p:stCondLst>
+                            <p:childTnLst>
+                              <p:par>
+                                <p:cTn id="5" presetID="1" presetClass="entr" presetSubtype="0" fill="hold" grpId="0" nodeType="clickEffect">
+                                  <p:stCondLst>
+                                    <p:cond delay="0"/>
+                                  </p:stCondLst>
+                                  <p:childTnLst>
+                                    <p:set>
+                                      <p:cBhvr>
+                                        <p:cTn id="6" dur="1" fill="hold">
+                                          <p:stCondLst>
+                                            <p:cond delay="0"/>
+                                          </p:stCondLst>
+                                        </p:cTn>
+                                        <p:tgtEl>
+                                          <p:spTgt spid="3">
+                                            <p:txEl>
+                                              <p:pRg st="0" end="0"/>
+                                            </p:txEl>
+                                          </p:spTgt>
+                                        </p:tgtEl>
+                                        <p:attrNameLst>
+                                          <p:attrName>style.visibility</p:attrName>
+                                        </p:attrNameLst>
+                                      </p:cBhvr>
+                                      <p:to>
+                                        <p:strVal val="visible"/>
+                                      </p:to>
+                                    </p:set>
+                                  </p:childTnLst>
+                                </p:cTn>
+                              </p:par>
+                              <p:par>
+                                <p:cTn id="7" presetID="1" presetClass="entr" presetSubtype="0" fill="hold" grpId="0" nodeType="withEffect">
+                                  <p:stCondLst>
+                                    <p:cond delay="0"/>
+                                  </p:stCondLst>
+                                  <p:childTnLst>
+                                    <p:set>
+                                      <p:cBhvr>
+                                        <p:cTn id="8" dur="1" fill="hold">
+                                          <p:stCondLst>
+                                            <p:cond delay="0"/>
+                                          </p:stCondLst>
+                                        </p:cTn>
+                                        <p:tgtEl>
+                                          <p:spTgt spid="3">
+                                            <p:txEl>
+                                              <p:pRg st="1" end="1"/>
+                                            </p:txEl>
+                                          </p:spTgt>
+                                        </p:tgtEl>
+                                        <p:attrNameLst>
+                                          <p:attrName>style.visibility</p:attrName>
+                                        </p:attrNameLst>
+                                      </p:cBhvr>
+                                      <p:to>
+                                        <p:strVal val="visible"/>
+                                      </p:to>
+                                    </p:set>
+                                  </p:childTnLst>
+                                </p:cTn>
+                              </p:par>
+                              <p:par>
+                                <p:cTn id="9" presetID="1" presetClass="entr" presetSubtype="0" fill="hold" grpId="0" nodeType="withEffect">
+                                  <p:stCondLst>
+                                    <p:cond delay="0"/>
+                                  </p:stCondLst>
+                                  <p:childTnLst>
+                                    <p:set>
+                                      <p:cBhvr>
+                                        <p:cTn id="10" dur="1" fill="hold">
+                                          <p:stCondLst>
+                                            <p:cond delay="0"/>
+                                          </p:stCondLst>
+                                        </p:cTn>
+                                        <p:tgtEl>
+                                          <p:spTgt spid="3">
+                                            <p:txEl>
+                                              <p:pRg st="2" end="2"/>
+                                            </p:txEl>
+                                          </p:spTgt>
+                                        </p:tgtEl>
+                                        <p:attrNameLst>
+                                          <p:attrName>style.visibility</p:attrName>
+                                        </p:attrNameLst>
+                                      </p:cBhvr>
+                                      <p:to>
+                                        <p:strVal val="visible"/>
+                                      </p:to>
+                                    </p:set>
+                                  </p:childTnLst>
+                                </p:cTn>
+                              </p:par>
+                            </p:childTnLst>
+                          </p:cTn>
+                        </p:par>
+                      </p:childTnLst>
+                    </p:cTn>
+                  </p:par>
+                  <p:par>
+                    <p:cTn id="11" fill="hold">
+                      <p:stCondLst>
+                        <p:cond delay="indefinite"/>
+                      </p:stCondLst>
+                      <p:childTnLst>
+                        <p:par>
+                          <p:cTn id="12" fill="hold">
+                            <p:stCondLst>
+                              <p:cond delay="0"/>
+                            </p:stCondLst>
+                            <p:childTnLst>
+                              <p:par>
+                                <p:cTn id="13" presetID="1" presetClass="entr" presetSubtype="0" fill="hold" grpId="0" nodeType="clickEffect">
+                                  <p:stCondLst>
+                                    <p:cond delay="0"/>
+                                  </p:stCondLst>
+                                  <p:childTnLst>
+                                    <p:set>
+                                      <p:cBhvr>
+                                        <p:cTn id="14" dur="1" fill="hold">
+                                          <p:stCondLst>
+                                            <p:cond delay="0"/>
+                                          </p:stCondLst>
+                                        </p:cTn>
+                                        <p:tgtEl>
+                                          <p:spTgt spid="3">
+                                            <p:txEl>
+                                              <p:pRg st="4" end="4"/>
+                                            </p:txEl>
+                                          </p:spTgt>
+                                        </p:tgtEl>
+                                        <p:attrNameLst>
+                                          <p:attrName>style.visibility</p:attrName>
+                                        </p:attrNameLst>
+                                      </p:cBhvr>
+                                      <p:to>
+                                        <p:strVal val="visible"/>
+                                      </p:to>
+                                    </p:set>
+                                  </p:childTnLst>
+                                </p:cTn>
+                              </p:par>
+                            </p:childTnLst>
+                          </p:cTn>
+                        </p:par>
+                      </p:childTnLst>
+                    </p:cTn>
+                  </p:par>
+                  <p:par>
+                    <p:cTn id="15" fill="hold">
+                      <p:stCondLst>
+                        <p:cond delay="indefinite"/>
+                      </p:stCondLst>
+                      <p:childTnLst>
+                        <p:par>
+                          <p:cTn id="16" fill="hold">
+                            <p:stCondLst>
+                              <p:cond delay="0"/>
+                            </p:stCondLst>
+                            <p:childTnLst>
+                              <p:par>
+                                <p:cTn id="17" presetID="1" presetClass="entr" presetSubtype="0" fill="hold" grpId="0" nodeType="clickEffect">
+                                  <p:stCondLst>
+                                    <p:cond delay="0"/>
+                                  </p:stCondLst>
+                                  <p:childTnLst>
+                                    <p:set>
+                                      <p:cBhvr>
+                                        <p:cTn id="18" dur="1" fill="hold">
+                                          <p:stCondLst>
+                                            <p:cond delay="0"/>
+                                          </p:stCondLst>
+                                        </p:cTn>
+                                        <p:tgtEl>
+                                          <p:spTgt spid="3">
+                                            <p:txEl>
+                                              <p:pRg st="6" end="6"/>
+                                            </p:txEl>
+                                          </p:spTgt>
+                                        </p:tgtEl>
+                                        <p:attrNameLst>
+                                          <p:attrName>style.visibility</p:attrName>
+                                        </p:attrNameLst>
+                                      </p:cBhvr>
+                                      <p:to>
+                                        <p:strVal val="visible"/>
+                                      </p:to>
+                                    </p:set>
+                                  </p:childTnLst>
+                                </p:cTn>
+                              </p:par>
+                            </p:childTnLst>
+                          </p:cTn>
+                        </p:par>
+                      </p:childTnLst>
+                    </p:cTn>
+                  </p:par>
+                  <p:par>
+                    <p:cTn id="19" fill="hold">
+                      <p:stCondLst>
+                        <p:cond delay="indefinite"/>
+                      </p:stCondLst>
+                      <p:childTnLst>
+                        <p:par>
+                          <p:cTn id="20" fill="hold">
+                            <p:stCondLst>
+                              <p:cond delay="0"/>
+                            </p:stCondLst>
+                            <p:childTnLst>
+                              <p:par>
+                                <p:cTn id="21" presetID="1" presetClass="entr" presetSubtype="0" fill="hold" grpId="0" nodeType="clickEffect">
+                                  <p:stCondLst>
+                                    <p:cond delay="0"/>
+                                  </p:stCondLst>
+                                  <p:childTnLst>
+                                    <p:set>
+                                      <p:cBhvr>
+                                        <p:cTn id="22" dur="1" fill="hold">
+                                          <p:stCondLst>
+                                            <p:cond delay="0"/>
+                                          </p:stCondLst>
+                                        </p:cTn>
+                                        <p:tgtEl>
+                                          <p:spTgt spid="3">
+                                            <p:txEl>
+                                              <p:pRg st="8" end="8"/>
+                                            </p:txEl>
+                                          </p:spTgt>
+                                        </p:tgtEl>
+                                        <p:attrNameLst>
+                                          <p:attrName>style.visibility</p:attrName>
+                                        </p:attrNameLst>
+                                      </p:cBhvr>
+                                      <p:to>
+                                        <p:strVal val="visible"/>
+                                      </p:to>
+                                    </p:set>
+                                  </p:childTnLst>
+                                </p:cTn>
+                              </p:par>
+                            </p:childTnLst>
+                          </p:cTn>
+                        </p:par>
+                      </p:childTnLst>
+                    </p:cTn>
+                  </p:par>
+                </p:childTnLst>
+              </p:cTn>
+              <p:prevCondLst>
+                <p:cond evt="onPrev" delay="0">
+                  <p:tgtEl>
+                    <p:sldTgt/>
+                  </p:tgtEl>
+                </p:cond>
+              </p:prevCondLst>
+              <p:nextCondLst>
+                <p:cond evt="onNext" delay="0">
+                  <p:tgtEl>
+                    <p:sldTgt/>
+                  </p:tgtEl>
+                </p:cond>
+              </p:nextCondLst>
+            </p:seq>
+          </p:childTnLst>
+        </p:cTn>
+      </p:par>
+    </p:tnLst>
+    <p:bldLst>
+      <p:bldP spid="3" grpId="0" build="p"/>
+    </p:bldLst>
+  </p:timing>
 </p:sld>
 </file>
 
@@ -5421,7 +6462,7 @@
           <p:cNvPr id="2" name="Title 1">
             <a:extLst>
               <a:ext uri="{FF2B5EF4-FFF2-40B4-BE49-F238E27FC236}">
-                <a16:creationId xmlns:a16="http://schemas.microsoft.com/office/drawing/2014/main" id="{1A60ACCE-4BD9-A822-620B-105286C2282B}"/>
+                <a16:creationId xmlns:a16="http://schemas.microsoft.com/office/drawing/2014/main" id="{E14DB13F-FD66-D307-D94B-22300B0B5EE8}"/>
               </a:ext>
             </a:extLst>
           </p:cNvPr>
@@ -5432,101 +6473,168 @@
             <p:ph type="title"/>
           </p:nvPr>
         </p:nvSpPr>
-        <p:spPr>
-          <a:xfrm>
-            <a:off x="862336" y="365125"/>
-            <a:ext cx="10304196" cy="1325563"/>
-          </a:xfrm>
-        </p:spPr>
-        <p:txBody>
-          <a:bodyPr>
-            <a:normAutofit/>
-          </a:bodyPr>
-          <a:lstStyle/>
-          <a:p>
-            <a:r>
-              <a:rPr lang="en-US" sz="4000" dirty="0"/>
-              <a:t>Do not leak your company’s secrets to third-party Remote MCP Servers.</a:t>
-            </a:r>
-          </a:p>
-        </p:txBody>
-      </p:sp>
-      <p:pic>
-        <p:nvPicPr>
-          <p:cNvPr id="5" name="Content Placeholder 4" descr="A computer screen and computer servers&#10;&#10;AI-generated content may be incorrect.">
-            <a:extLst>
-              <a:ext uri="{FF2B5EF4-FFF2-40B4-BE49-F238E27FC236}">
-                <a16:creationId xmlns:a16="http://schemas.microsoft.com/office/drawing/2014/main" id="{CE8F0B15-CED1-8C07-46F6-A7774B8CCB2F}"/>
-              </a:ext>
-            </a:extLst>
-          </p:cNvPr>
-          <p:cNvPicPr>
-            <a:picLocks noGrp="1" noChangeAspect="1"/>
-          </p:cNvPicPr>
+        <p:spPr/>
+        <p:txBody>
+          <a:bodyPr/>
+          <a:lstStyle/>
+          <a:p>
+            <a:r>
+              <a:rPr lang="en-US" dirty="0"/>
+              <a:t>Prefer Remote servers over Local servers</a:t>
+            </a:r>
+          </a:p>
+        </p:txBody>
+      </p:sp>
+      <p:sp>
+        <p:nvSpPr>
+          <p:cNvPr id="3" name="Content Placeholder 2">
+            <a:extLst>
+              <a:ext uri="{FF2B5EF4-FFF2-40B4-BE49-F238E27FC236}">
+                <a16:creationId xmlns:a16="http://schemas.microsoft.com/office/drawing/2014/main" id="{3E1C8D2C-B510-C385-09D3-CC216B9D1CCE}"/>
+              </a:ext>
+            </a:extLst>
+          </p:cNvPr>
+          <p:cNvSpPr>
+            <a:spLocks noGrp="1"/>
+          </p:cNvSpPr>
           <p:nvPr>
             <p:ph idx="1"/>
           </p:nvPr>
-        </p:nvPicPr>
-        <p:blipFill>
-          <a:blip r:embed="rId2">
-            <a:extLst>
-              <a:ext uri="{28A0092B-C50C-407E-A947-70E740481C1C}">
-                <a14:useLocalDpi xmlns:a14="http://schemas.microsoft.com/office/drawing/2010/main" val="0"/>
-              </a:ext>
-            </a:extLst>
-          </a:blip>
-          <a:srcRect b="13988"/>
-          <a:stretch>
-            <a:fillRect/>
-          </a:stretch>
-        </p:blipFill>
-        <p:spPr>
-          <a:xfrm>
-            <a:off x="960275" y="1737397"/>
-            <a:ext cx="10271450" cy="4090294"/>
-          </a:xfrm>
-        </p:spPr>
-      </p:pic>
-      <p:sp>
-        <p:nvSpPr>
-          <p:cNvPr id="6" name="TextBox 5">
-            <a:extLst>
-              <a:ext uri="{FF2B5EF4-FFF2-40B4-BE49-F238E27FC236}">
-                <a16:creationId xmlns:a16="http://schemas.microsoft.com/office/drawing/2014/main" id="{CB2133FB-62F6-E4AC-C926-63F3E43480B4}"/>
-              </a:ext>
-            </a:extLst>
-          </p:cNvPr>
-          <p:cNvSpPr txBox="1"/>
-          <p:nvPr/>
-        </p:nvSpPr>
-        <p:spPr>
-          <a:xfrm>
-            <a:off x="493290" y="5943600"/>
-            <a:ext cx="11626196" cy="461665"/>
-          </a:xfrm>
-          <a:prstGeom prst="rect">
-            <a:avLst/>
-          </a:prstGeom>
-          <a:noFill/>
-        </p:spPr>
-        <p:txBody>
-          <a:bodyPr wrap="none" rtlCol="0">
-            <a:spAutoFit/>
+        </p:nvSpPr>
+        <p:spPr/>
+        <p:txBody>
+          <a:bodyPr>
+            <a:normAutofit lnSpcReduction="10000"/>
           </a:bodyPr>
           <a:lstStyle/>
           <a:p>
-            <a:pPr algn="ctr"/>
-            <a:r>
-              <a:rPr lang="en-US" sz="2400" dirty="0"/>
-              <a:t>Connecting to other people’s remotely-hosted MCP Servers is a </a:t>
-            </a:r>
-            <a:r>
-              <a:rPr lang="en-US" sz="2400" b="1" dirty="0"/>
-              <a:t>massive security risk</a:t>
-            </a:r>
-            <a:r>
-              <a:rPr lang="en-US" sz="2400" dirty="0"/>
-              <a:t>.</a:t>
+            <a:r>
+              <a:rPr lang="en-US" b="1" dirty="0"/>
+              <a:t>Local</a:t>
+            </a:r>
+            <a:r>
+              <a:rPr lang="en-US" dirty="0"/>
+              <a:t>: JSON sent over </a:t>
+            </a:r>
+            <a:r>
+              <a:rPr lang="en-US" b="1" dirty="0"/>
+              <a:t>Standard in</a:t>
+            </a:r>
+            <a:r>
+              <a:rPr lang="en-US" dirty="0"/>
+              <a:t>, </a:t>
+            </a:r>
+            <a:r>
+              <a:rPr lang="en-US" b="1" dirty="0"/>
+              <a:t>Standard Out</a:t>
+            </a:r>
+          </a:p>
+          <a:p>
+            <a:pPr lvl="1"/>
+            <a:r>
+              <a:rPr lang="en-US" b="1" dirty="0">
+                <a:solidFill>
+                  <a:srgbClr val="FF0000"/>
+                </a:solidFill>
+              </a:rPr>
+              <a:t>Never print()</a:t>
+            </a:r>
+            <a:r>
+              <a:rPr lang="en-US" b="1" dirty="0"/>
+              <a:t> </a:t>
+            </a:r>
+            <a:r>
+              <a:rPr lang="en-US" dirty="0"/>
+              <a:t>on a Local MCP server</a:t>
+            </a:r>
+            <a:br>
+              <a:rPr lang="en-US" dirty="0"/>
+            </a:br>
+            <a:endParaRPr lang="en-US" dirty="0"/>
+          </a:p>
+          <a:p>
+            <a:pPr marL="457200" lvl="1" indent="0">
+              <a:buNone/>
+            </a:pPr>
+            <a:r>
+              <a:rPr lang="en-US" dirty="0" err="1"/>
+              <a:t>mcp</a:t>
+            </a:r>
+            <a:r>
+              <a:rPr lang="en-US" dirty="0"/>
+              <a:t> = </a:t>
+            </a:r>
+            <a:r>
+              <a:rPr lang="en-US" dirty="0" err="1"/>
+              <a:t>FastMCP</a:t>
+            </a:r>
+            <a:r>
+              <a:rPr lang="en-US" dirty="0"/>
+              <a:t>("Demo")</a:t>
+            </a:r>
+          </a:p>
+          <a:p>
+            <a:pPr marL="0" indent="0">
+              <a:buNone/>
+            </a:pPr>
+            <a:endParaRPr lang="en-US" b="1" dirty="0"/>
+          </a:p>
+          <a:p>
+            <a:r>
+              <a:rPr lang="en-US" b="1" dirty="0"/>
+              <a:t>Remote: </a:t>
+            </a:r>
+            <a:r>
+              <a:rPr lang="en-US" dirty="0"/>
+              <a:t>JSON sent over </a:t>
+            </a:r>
+            <a:r>
+              <a:rPr lang="en-US" b="1" dirty="0"/>
+              <a:t>HTTP</a:t>
+            </a:r>
+          </a:p>
+          <a:p>
+            <a:pPr marL="457200" lvl="1" indent="0">
+              <a:buNone/>
+            </a:pPr>
+            <a:endParaRPr lang="en-US" dirty="0"/>
+          </a:p>
+          <a:p>
+            <a:pPr marL="457200" lvl="1" indent="0">
+              <a:buNone/>
+            </a:pPr>
+            <a:r>
+              <a:rPr lang="en-US" dirty="0" err="1"/>
+              <a:t>mcp</a:t>
+            </a:r>
+            <a:r>
+              <a:rPr lang="en-US" dirty="0"/>
+              <a:t> = </a:t>
+            </a:r>
+            <a:r>
+              <a:rPr lang="en-US" dirty="0" err="1"/>
+              <a:t>FastMCP</a:t>
+            </a:r>
+            <a:r>
+              <a:rPr lang="en-US" dirty="0"/>
+              <a:t>("Demo", </a:t>
+            </a:r>
+            <a:r>
+              <a:rPr lang="en-US" b="1" dirty="0"/>
+              <a:t>host="0.0.0.0", port="8080"</a:t>
+            </a:r>
+            <a:r>
+              <a:rPr lang="en-US" dirty="0"/>
+              <a:t>)</a:t>
+            </a:r>
+          </a:p>
+          <a:p>
+            <a:endParaRPr lang="en-US" b="1" dirty="0"/>
+          </a:p>
+          <a:p>
+            <a:r>
+              <a:rPr lang="en-US" dirty="0"/>
+              <a:t>Same code otherwise.</a:t>
             </a:r>
           </a:p>
         </p:txBody>
@@ -5534,7 +6642,7 @@
     </p:spTree>
     <p:extLst>
       <p:ext uri="{BB962C8B-B14F-4D97-AF65-F5344CB8AC3E}">
-        <p14:creationId xmlns:p14="http://schemas.microsoft.com/office/powerpoint/2010/main" val="4099620459"/>
+        <p14:creationId xmlns:p14="http://schemas.microsoft.com/office/powerpoint/2010/main" val="1215268400"/>
       </p:ext>
     </p:extLst>
   </p:cSld>
@@ -5566,7 +6674,7 @@
           <p:cNvPr id="2" name="Title 1">
             <a:extLst>
               <a:ext uri="{FF2B5EF4-FFF2-40B4-BE49-F238E27FC236}">
-                <a16:creationId xmlns:a16="http://schemas.microsoft.com/office/drawing/2014/main" id="{18F0F269-B461-6128-B0C0-A5FCD692E485}"/>
+                <a16:creationId xmlns:a16="http://schemas.microsoft.com/office/drawing/2014/main" id="{1A60ACCE-4BD9-A822-620B-105286C2282B}"/>
               </a:ext>
             </a:extLst>
           </p:cNvPr>
@@ -5577,33 +6685,67 @@
             <p:ph type="title"/>
           </p:nvPr>
         </p:nvSpPr>
-        <p:spPr/>
+        <p:spPr>
+          <a:xfrm>
+            <a:off x="862336" y="365125"/>
+            <a:ext cx="10304196" cy="1325563"/>
+          </a:xfrm>
+        </p:spPr>
         <p:txBody>
           <a:bodyPr>
-            <a:normAutofit fontScale="90000"/>
+            <a:normAutofit/>
           </a:bodyPr>
           <a:lstStyle/>
           <a:p>
             <a:r>
-              <a:rPr lang="en-US" dirty="0"/>
-              <a:t>Do not eval() LLM-generated code.</a:t>
-            </a:r>
-            <a:br>
-              <a:rPr lang="en-US" dirty="0"/>
-            </a:br>
-            <a:r>
-              <a:rPr lang="en-US" dirty="0"/>
-              <a:t>Example: a command-line-interface MCP Server.</a:t>
-            </a:r>
-          </a:p>
-        </p:txBody>
-      </p:sp>
-      <p:sp>
-        <p:nvSpPr>
-          <p:cNvPr id="7" name="TextBox 6">
-            <a:extLst>
-              <a:ext uri="{FF2B5EF4-FFF2-40B4-BE49-F238E27FC236}">
-                <a16:creationId xmlns:a16="http://schemas.microsoft.com/office/drawing/2014/main" id="{3CCD399E-AEE4-8C7A-372F-02245D40BD44}"/>
+              <a:rPr lang="en-US" sz="4000" dirty="0"/>
+              <a:t>Do not leak your company’s secrets to third-party Remote MCP Servers.</a:t>
+            </a:r>
+          </a:p>
+        </p:txBody>
+      </p:sp>
+      <p:pic>
+        <p:nvPicPr>
+          <p:cNvPr id="5" name="Content Placeholder 4" descr="A computer screen and computer servers&#10;&#10;AI-generated content may be incorrect.">
+            <a:extLst>
+              <a:ext uri="{FF2B5EF4-FFF2-40B4-BE49-F238E27FC236}">
+                <a16:creationId xmlns:a16="http://schemas.microsoft.com/office/drawing/2014/main" id="{CE8F0B15-CED1-8C07-46F6-A7774B8CCB2F}"/>
+              </a:ext>
+            </a:extLst>
+          </p:cNvPr>
+          <p:cNvPicPr>
+            <a:picLocks noGrp="1" noChangeAspect="1"/>
+          </p:cNvPicPr>
+          <p:nvPr>
+            <p:ph idx="1"/>
+          </p:nvPr>
+        </p:nvPicPr>
+        <p:blipFill>
+          <a:blip r:embed="rId2">
+            <a:extLst>
+              <a:ext uri="{28A0092B-C50C-407E-A947-70E740481C1C}">
+                <a14:useLocalDpi xmlns:a14="http://schemas.microsoft.com/office/drawing/2010/main" val="0"/>
+              </a:ext>
+            </a:extLst>
+          </a:blip>
+          <a:srcRect b="13988"/>
+          <a:stretch>
+            <a:fillRect/>
+          </a:stretch>
+        </p:blipFill>
+        <p:spPr>
+          <a:xfrm>
+            <a:off x="960275" y="1737397"/>
+            <a:ext cx="10271450" cy="4090294"/>
+          </a:xfrm>
+        </p:spPr>
+      </p:pic>
+      <p:sp>
+        <p:nvSpPr>
+          <p:cNvPr id="6" name="TextBox 5">
+            <a:extLst>
+              <a:ext uri="{FF2B5EF4-FFF2-40B4-BE49-F238E27FC236}">
+                <a16:creationId xmlns:a16="http://schemas.microsoft.com/office/drawing/2014/main" id="{CB2133FB-62F6-E4AC-C926-63F3E43480B4}"/>
               </a:ext>
             </a:extLst>
           </p:cNvPr>
@@ -5612,8 +6754,8 @@
         </p:nvSpPr>
         <p:spPr>
           <a:xfrm>
-            <a:off x="2550766" y="5962380"/>
-            <a:ext cx="7090467" cy="369332"/>
+            <a:off x="493290" y="5943600"/>
+            <a:ext cx="11626196" cy="461665"/>
           </a:xfrm>
           <a:prstGeom prst="rect">
             <a:avLst/>
@@ -5626,256 +6768,18 @@
           </a:bodyPr>
           <a:lstStyle/>
           <a:p>
-            <a:r>
-              <a:rPr lang="en-US" dirty="0"/>
-              <a:t>This would defeat a major advantage of MCP over Terminal execution!</a:t>
-            </a:r>
-          </a:p>
-        </p:txBody>
-      </p:sp>
-      <p:pic>
-        <p:nvPicPr>
-          <p:cNvPr id="8" name="Picture 7">
-            <a:extLst>
-              <a:ext uri="{FF2B5EF4-FFF2-40B4-BE49-F238E27FC236}">
-                <a16:creationId xmlns:a16="http://schemas.microsoft.com/office/drawing/2014/main" id="{B0779543-AE83-CC41-29B0-598D2ECB2D6F}"/>
-              </a:ext>
-            </a:extLst>
-          </p:cNvPr>
-          <p:cNvPicPr>
-            <a:picLocks noChangeAspect="1"/>
-          </p:cNvPicPr>
-          <p:nvPr/>
-        </p:nvPicPr>
-        <p:blipFill>
-          <a:blip r:embed="rId2"/>
-          <a:srcRect t="35128" r="51577" b="39571"/>
-          <a:stretch>
-            <a:fillRect/>
-          </a:stretch>
-        </p:blipFill>
-        <p:spPr>
-          <a:xfrm>
-            <a:off x="7234182" y="2760395"/>
-            <a:ext cx="4551544" cy="1303709"/>
-          </a:xfrm>
-          <a:prstGeom prst="rect">
-            <a:avLst/>
-          </a:prstGeom>
-          <a:ln>
-            <a:solidFill>
-              <a:schemeClr val="tx1"/>
-            </a:solidFill>
-          </a:ln>
-        </p:spPr>
-      </p:pic>
-      <p:sp>
-        <p:nvSpPr>
-          <p:cNvPr id="9" name="Arrow: Right 8">
-            <a:extLst>
-              <a:ext uri="{FF2B5EF4-FFF2-40B4-BE49-F238E27FC236}">
-                <a16:creationId xmlns:a16="http://schemas.microsoft.com/office/drawing/2014/main" id="{EDEB5A36-765E-C603-AF30-A4F6CDDBED0E}"/>
-              </a:ext>
-            </a:extLst>
-          </p:cNvPr>
-          <p:cNvSpPr/>
-          <p:nvPr/>
-        </p:nvSpPr>
-        <p:spPr>
-          <a:xfrm>
-            <a:off x="5872676" y="3108471"/>
-            <a:ext cx="994180" cy="607555"/>
-          </a:xfrm>
-          <a:prstGeom prst="rightArrow">
-            <a:avLst/>
-          </a:prstGeom>
-        </p:spPr>
-        <p:style>
-          <a:lnRef idx="2">
-            <a:schemeClr val="accent1">
-              <a:shade val="15000"/>
-            </a:schemeClr>
-          </a:lnRef>
-          <a:fillRef idx="1">
-            <a:schemeClr val="accent1"/>
-          </a:fillRef>
-          <a:effectRef idx="0">
-            <a:schemeClr val="accent1"/>
-          </a:effectRef>
-          <a:fontRef idx="minor">
-            <a:schemeClr val="lt1"/>
-          </a:fontRef>
-        </p:style>
-        <p:txBody>
-          <a:bodyPr rtlCol="0" anchor="ctr"/>
-          <a:lstStyle/>
-          <a:p>
             <a:pPr algn="ctr"/>
-            <a:endParaRPr lang="en-US"/>
-          </a:p>
-        </p:txBody>
-      </p:sp>
-      <p:pic>
-        <p:nvPicPr>
-          <p:cNvPr id="10" name="Picture 9">
-            <a:extLst>
-              <a:ext uri="{FF2B5EF4-FFF2-40B4-BE49-F238E27FC236}">
-                <a16:creationId xmlns:a16="http://schemas.microsoft.com/office/drawing/2014/main" id="{80656BAC-7416-6D9D-BB51-75D75F8200AF}"/>
-              </a:ext>
-            </a:extLst>
-          </p:cNvPr>
-          <p:cNvPicPr>
-            <a:picLocks noChangeAspect="1"/>
-          </p:cNvPicPr>
-          <p:nvPr/>
-        </p:nvPicPr>
-        <p:blipFill>
-          <a:blip r:embed="rId3"/>
-          <a:srcRect l="10861"/>
-          <a:stretch>
-            <a:fillRect/>
-          </a:stretch>
-        </p:blipFill>
-        <p:spPr>
-          <a:xfrm>
-            <a:off x="405692" y="1790489"/>
-            <a:ext cx="5199893" cy="3851073"/>
-          </a:xfrm>
-          <a:prstGeom prst="rect">
-            <a:avLst/>
-          </a:prstGeom>
-        </p:spPr>
-      </p:pic>
-      <p:sp>
-        <p:nvSpPr>
-          <p:cNvPr id="11" name="Rectangle 10">
-            <a:extLst>
-              <a:ext uri="{FF2B5EF4-FFF2-40B4-BE49-F238E27FC236}">
-                <a16:creationId xmlns:a16="http://schemas.microsoft.com/office/drawing/2014/main" id="{EAD02C84-D406-F199-6C96-849F95BFFB46}"/>
-              </a:ext>
-            </a:extLst>
-          </p:cNvPr>
-          <p:cNvSpPr/>
-          <p:nvPr/>
-        </p:nvSpPr>
-        <p:spPr>
-          <a:xfrm>
-            <a:off x="10463220" y="3639492"/>
-            <a:ext cx="902126" cy="424612"/>
-          </a:xfrm>
-          <a:prstGeom prst="rect">
-            <a:avLst/>
-          </a:prstGeom>
-          <a:solidFill>
-            <a:schemeClr val="bg1"/>
-          </a:solidFill>
-          <a:ln>
-            <a:noFill/>
-          </a:ln>
-        </p:spPr>
-        <p:style>
-          <a:lnRef idx="2">
-            <a:schemeClr val="accent1">
-              <a:shade val="15000"/>
-            </a:schemeClr>
-          </a:lnRef>
-          <a:fillRef idx="1">
-            <a:schemeClr val="accent1"/>
-          </a:fillRef>
-          <a:effectRef idx="0">
-            <a:schemeClr val="accent1"/>
-          </a:effectRef>
-          <a:fontRef idx="minor">
-            <a:schemeClr val="lt1"/>
-          </a:fontRef>
-        </p:style>
-        <p:txBody>
-          <a:bodyPr rtlCol="0" anchor="ctr"/>
-          <a:lstStyle/>
-          <a:p>
-            <a:pPr algn="ctr"/>
-            <a:endParaRPr lang="en-US"/>
-          </a:p>
-        </p:txBody>
-      </p:sp>
-      <p:sp>
-        <p:nvSpPr>
-          <p:cNvPr id="12" name="TextBox 11">
-            <a:extLst>
-              <a:ext uri="{FF2B5EF4-FFF2-40B4-BE49-F238E27FC236}">
-                <a16:creationId xmlns:a16="http://schemas.microsoft.com/office/drawing/2014/main" id="{CD3F4E7F-E5F0-881E-BCD9-754A4FD49100}"/>
-              </a:ext>
-            </a:extLst>
-          </p:cNvPr>
-          <p:cNvSpPr txBox="1"/>
-          <p:nvPr/>
-        </p:nvSpPr>
-        <p:spPr>
-          <a:xfrm>
-            <a:off x="1413246" y="4225769"/>
-            <a:ext cx="598241" cy="369332"/>
-          </a:xfrm>
-          <a:prstGeom prst="rect">
-            <a:avLst/>
-          </a:prstGeom>
-          <a:noFill/>
-        </p:spPr>
-        <p:txBody>
-          <a:bodyPr wrap="none" rtlCol="0">
-            <a:spAutoFit/>
-          </a:bodyPr>
-          <a:lstStyle/>
-          <a:p>
-            <a:r>
-              <a:rPr lang="en-US" dirty="0"/>
-              <a:t>LLM</a:t>
-            </a:r>
-          </a:p>
-        </p:txBody>
-      </p:sp>
-      <p:sp>
-        <p:nvSpPr>
-          <p:cNvPr id="13" name="TextBox 12">
-            <a:extLst>
-              <a:ext uri="{FF2B5EF4-FFF2-40B4-BE49-F238E27FC236}">
-                <a16:creationId xmlns:a16="http://schemas.microsoft.com/office/drawing/2014/main" id="{15AC0DC9-CEAE-DDEA-1A84-A13AA048D737}"/>
-              </a:ext>
-            </a:extLst>
-          </p:cNvPr>
-          <p:cNvSpPr txBox="1"/>
-          <p:nvPr/>
-        </p:nvSpPr>
-        <p:spPr>
-          <a:xfrm>
-            <a:off x="3220252" y="4595101"/>
-            <a:ext cx="1834705" cy="646331"/>
-          </a:xfrm>
-          <a:prstGeom prst="rect">
-            <a:avLst/>
-          </a:prstGeom>
-          <a:noFill/>
-        </p:spPr>
-        <p:txBody>
-          <a:bodyPr wrap="square" rtlCol="0">
-            <a:spAutoFit/>
-          </a:bodyPr>
-          <a:lstStyle/>
-          <a:p>
-            <a:pPr algn="ctr"/>
-            <a:r>
-              <a:rPr lang="en-US" strike="sngStrike" dirty="0">
-                <a:solidFill>
-                  <a:srgbClr val="FF0000"/>
-                </a:solidFill>
-              </a:rPr>
-              <a:t>Terminal</a:t>
-            </a:r>
-          </a:p>
-          <a:p>
-            <a:pPr algn="ctr"/>
-            <a:r>
-              <a:rPr lang="en-US" dirty="0"/>
-              <a:t>CLI MCP Server</a:t>
+            <a:r>
+              <a:rPr lang="en-US" sz="2400" dirty="0"/>
+              <a:t>Connecting to other people’s remotely-hosted MCP Servers is a </a:t>
+            </a:r>
+            <a:r>
+              <a:rPr lang="en-US" sz="2400" b="1" dirty="0"/>
+              <a:t>massive security risk</a:t>
+            </a:r>
+            <a:r>
+              <a:rPr lang="en-US" sz="2400" dirty="0"/>
+              <a:t>.</a:t>
             </a:r>
           </a:p>
         </p:txBody>
@@ -5883,7 +6787,7 @@
     </p:spTree>
     <p:extLst>
       <p:ext uri="{BB962C8B-B14F-4D97-AF65-F5344CB8AC3E}">
-        <p14:creationId xmlns:p14="http://schemas.microsoft.com/office/powerpoint/2010/main" val="2774433916"/>
+        <p14:creationId xmlns:p14="http://schemas.microsoft.com/office/powerpoint/2010/main" val="4099620459"/>
       </p:ext>
     </p:extLst>
   </p:cSld>
@@ -5915,7 +6819,7 @@
           <p:cNvPr id="2" name="Title 1">
             <a:extLst>
               <a:ext uri="{FF2B5EF4-FFF2-40B4-BE49-F238E27FC236}">
-                <a16:creationId xmlns:a16="http://schemas.microsoft.com/office/drawing/2014/main" id="{F03C1C70-7D40-C082-49E3-EE555D435AE2}"/>
+                <a16:creationId xmlns:a16="http://schemas.microsoft.com/office/drawing/2014/main" id="{18F0F269-B461-6128-B0C0-A5FCD692E485}"/>
               </a:ext>
             </a:extLst>
           </p:cNvPr>
@@ -5928,63 +6832,311 @@
         </p:nvSpPr>
         <p:spPr/>
         <p:txBody>
-          <a:bodyPr/>
-          <a:lstStyle/>
-          <a:p>
-            <a:r>
-              <a:rPr lang="en-US" dirty="0"/>
-              <a:t>Resources</a:t>
-            </a:r>
-          </a:p>
-        </p:txBody>
-      </p:sp>
-      <p:sp>
-        <p:nvSpPr>
-          <p:cNvPr id="3" name="Content Placeholder 2">
-            <a:extLst>
-              <a:ext uri="{FF2B5EF4-FFF2-40B4-BE49-F238E27FC236}">
-                <a16:creationId xmlns:a16="http://schemas.microsoft.com/office/drawing/2014/main" id="{7FE004F2-BBF1-40A3-3BF0-9BA5E687D5E3}"/>
-              </a:ext>
-            </a:extLst>
-          </p:cNvPr>
-          <p:cNvSpPr>
-            <a:spLocks noGrp="1"/>
-          </p:cNvSpPr>
-          <p:nvPr>
-            <p:ph idx="1"/>
-          </p:nvPr>
-        </p:nvSpPr>
-        <p:spPr/>
-        <p:txBody>
-          <a:bodyPr/>
-          <a:lstStyle/>
-          <a:p>
-            <a:r>
-              <a:rPr lang="en-US" dirty="0">
-                <a:hlinkClick r:id="rId2"/>
+          <a:bodyPr>
+            <a:normAutofit fontScale="90000"/>
+          </a:bodyPr>
+          <a:lstStyle/>
+          <a:p>
+            <a:r>
+              <a:rPr lang="en-US" dirty="0"/>
+              <a:t>Do not eval() LLM-generated code.</a:t>
+            </a:r>
+            <a:br>
+              <a:rPr lang="en-US" dirty="0"/>
+            </a:br>
+            <a:r>
+              <a:rPr lang="en-US" dirty="0"/>
+              <a:t>Example: a command-line-interface MCP Server.</a:t>
+            </a:r>
+          </a:p>
+        </p:txBody>
+      </p:sp>
+      <p:sp>
+        <p:nvSpPr>
+          <p:cNvPr id="7" name="TextBox 6">
+            <a:extLst>
+              <a:ext uri="{FF2B5EF4-FFF2-40B4-BE49-F238E27FC236}">
+                <a16:creationId xmlns:a16="http://schemas.microsoft.com/office/drawing/2014/main" id="{3CCD399E-AEE4-8C7A-372F-02245D40BD44}"/>
+              </a:ext>
+            </a:extLst>
+          </p:cNvPr>
+          <p:cNvSpPr txBox="1"/>
+          <p:nvPr/>
+        </p:nvSpPr>
+        <p:spPr>
+          <a:xfrm>
+            <a:off x="2550766" y="5962380"/>
+            <a:ext cx="7090467" cy="369332"/>
+          </a:xfrm>
+          <a:prstGeom prst="rect">
+            <a:avLst/>
+          </a:prstGeom>
+          <a:noFill/>
+        </p:spPr>
+        <p:txBody>
+          <a:bodyPr wrap="none" rtlCol="0">
+            <a:spAutoFit/>
+          </a:bodyPr>
+          <a:lstStyle/>
+          <a:p>
+            <a:r>
+              <a:rPr lang="en-US" dirty="0"/>
+              <a:t>This would defeat a major advantage of MCP over Terminal execution!</a:t>
+            </a:r>
+          </a:p>
+        </p:txBody>
+      </p:sp>
+      <p:pic>
+        <p:nvPicPr>
+          <p:cNvPr id="8" name="Picture 7">
+            <a:extLst>
+              <a:ext uri="{FF2B5EF4-FFF2-40B4-BE49-F238E27FC236}">
+                <a16:creationId xmlns:a16="http://schemas.microsoft.com/office/drawing/2014/main" id="{B0779543-AE83-CC41-29B0-598D2ECB2D6F}"/>
+              </a:ext>
+            </a:extLst>
+          </p:cNvPr>
+          <p:cNvPicPr>
+            <a:picLocks noChangeAspect="1"/>
+          </p:cNvPicPr>
+          <p:nvPr/>
+        </p:nvPicPr>
+        <p:blipFill>
+          <a:blip r:embed="rId2"/>
+          <a:srcRect t="35128" r="51577" b="39571"/>
+          <a:stretch>
+            <a:fillRect/>
+          </a:stretch>
+        </p:blipFill>
+        <p:spPr>
+          <a:xfrm>
+            <a:off x="7234182" y="2760395"/>
+            <a:ext cx="4551544" cy="1303709"/>
+          </a:xfrm>
+          <a:prstGeom prst="rect">
+            <a:avLst/>
+          </a:prstGeom>
+          <a:ln>
+            <a:solidFill>
+              <a:schemeClr val="tx1"/>
+            </a:solidFill>
+          </a:ln>
+        </p:spPr>
+      </p:pic>
+      <p:sp>
+        <p:nvSpPr>
+          <p:cNvPr id="9" name="Arrow: Right 8">
+            <a:extLst>
+              <a:ext uri="{FF2B5EF4-FFF2-40B4-BE49-F238E27FC236}">
+                <a16:creationId xmlns:a16="http://schemas.microsoft.com/office/drawing/2014/main" id="{EDEB5A36-765E-C603-AF30-A4F6CDDBED0E}"/>
+              </a:ext>
+            </a:extLst>
+          </p:cNvPr>
+          <p:cNvSpPr/>
+          <p:nvPr/>
+        </p:nvSpPr>
+        <p:spPr>
+          <a:xfrm>
+            <a:off x="5872676" y="3108471"/>
+            <a:ext cx="994180" cy="607555"/>
+          </a:xfrm>
+          <a:prstGeom prst="rightArrow">
+            <a:avLst/>
+          </a:prstGeom>
+        </p:spPr>
+        <p:style>
+          <a:lnRef idx="2">
+            <a:schemeClr val="accent1">
+              <a:shade val="15000"/>
+            </a:schemeClr>
+          </a:lnRef>
+          <a:fillRef idx="1">
+            <a:schemeClr val="accent1"/>
+          </a:fillRef>
+          <a:effectRef idx="0">
+            <a:schemeClr val="accent1"/>
+          </a:effectRef>
+          <a:fontRef idx="minor">
+            <a:schemeClr val="lt1"/>
+          </a:fontRef>
+        </p:style>
+        <p:txBody>
+          <a:bodyPr rtlCol="0" anchor="ctr"/>
+          <a:lstStyle/>
+          <a:p>
+            <a:pPr algn="ctr"/>
+            <a:endParaRPr lang="en-US"/>
+          </a:p>
+        </p:txBody>
+      </p:sp>
+      <p:pic>
+        <p:nvPicPr>
+          <p:cNvPr id="10" name="Picture 9">
+            <a:extLst>
+              <a:ext uri="{FF2B5EF4-FFF2-40B4-BE49-F238E27FC236}">
+                <a16:creationId xmlns:a16="http://schemas.microsoft.com/office/drawing/2014/main" id="{80656BAC-7416-6D9D-BB51-75D75F8200AF}"/>
+              </a:ext>
+            </a:extLst>
+          </p:cNvPr>
+          <p:cNvPicPr>
+            <a:picLocks noChangeAspect="1"/>
+          </p:cNvPicPr>
+          <p:nvPr/>
+        </p:nvPicPr>
+        <p:blipFill>
+          <a:blip r:embed="rId3"/>
+          <a:srcRect l="10861"/>
+          <a:stretch>
+            <a:fillRect/>
+          </a:stretch>
+        </p:blipFill>
+        <p:spPr>
+          <a:xfrm>
+            <a:off x="405692" y="1790489"/>
+            <a:ext cx="5199893" cy="3851073"/>
+          </a:xfrm>
+          <a:prstGeom prst="rect">
+            <a:avLst/>
+          </a:prstGeom>
+        </p:spPr>
+      </p:pic>
+      <p:sp>
+        <p:nvSpPr>
+          <p:cNvPr id="11" name="Rectangle 10">
+            <a:extLst>
+              <a:ext uri="{FF2B5EF4-FFF2-40B4-BE49-F238E27FC236}">
+                <a16:creationId xmlns:a16="http://schemas.microsoft.com/office/drawing/2014/main" id="{EAD02C84-D406-F199-6C96-849F95BFFB46}"/>
+              </a:ext>
+            </a:extLst>
+          </p:cNvPr>
+          <p:cNvSpPr/>
+          <p:nvPr/>
+        </p:nvSpPr>
+        <p:spPr>
+          <a:xfrm>
+            <a:off x="10463220" y="3639492"/>
+            <a:ext cx="902126" cy="424612"/>
+          </a:xfrm>
+          <a:prstGeom prst="rect">
+            <a:avLst/>
+          </a:prstGeom>
+          <a:solidFill>
+            <a:schemeClr val="bg1"/>
+          </a:solidFill>
+          <a:ln>
+            <a:noFill/>
+          </a:ln>
+        </p:spPr>
+        <p:style>
+          <a:lnRef idx="2">
+            <a:schemeClr val="accent1">
+              <a:shade val="15000"/>
+            </a:schemeClr>
+          </a:lnRef>
+          <a:fillRef idx="1">
+            <a:schemeClr val="accent1"/>
+          </a:fillRef>
+          <a:effectRef idx="0">
+            <a:schemeClr val="accent1"/>
+          </a:effectRef>
+          <a:fontRef idx="minor">
+            <a:schemeClr val="lt1"/>
+          </a:fontRef>
+        </p:style>
+        <p:txBody>
+          <a:bodyPr rtlCol="0" anchor="ctr"/>
+          <a:lstStyle/>
+          <a:p>
+            <a:pPr algn="ctr"/>
+            <a:endParaRPr lang="en-US"/>
+          </a:p>
+        </p:txBody>
+      </p:sp>
+      <p:sp>
+        <p:nvSpPr>
+          <p:cNvPr id="12" name="TextBox 11">
+            <a:extLst>
+              <a:ext uri="{FF2B5EF4-FFF2-40B4-BE49-F238E27FC236}">
+                <a16:creationId xmlns:a16="http://schemas.microsoft.com/office/drawing/2014/main" id="{CD3F4E7F-E5F0-881E-BCD9-754A4FD49100}"/>
+              </a:ext>
+            </a:extLst>
+          </p:cNvPr>
+          <p:cNvSpPr txBox="1"/>
+          <p:nvPr/>
+        </p:nvSpPr>
+        <p:spPr>
+          <a:xfrm>
+            <a:off x="1413246" y="4225769"/>
+            <a:ext cx="598241" cy="369332"/>
+          </a:xfrm>
+          <a:prstGeom prst="rect">
+            <a:avLst/>
+          </a:prstGeom>
+          <a:noFill/>
+        </p:spPr>
+        <p:txBody>
+          <a:bodyPr wrap="none" rtlCol="0">
+            <a:spAutoFit/>
+          </a:bodyPr>
+          <a:lstStyle/>
+          <a:p>
+            <a:r>
+              <a:rPr lang="en-US" dirty="0"/>
+              <a:t>LLM</a:t>
+            </a:r>
+          </a:p>
+        </p:txBody>
+      </p:sp>
+      <p:sp>
+        <p:nvSpPr>
+          <p:cNvPr id="13" name="TextBox 12">
+            <a:extLst>
+              <a:ext uri="{FF2B5EF4-FFF2-40B4-BE49-F238E27FC236}">
+                <a16:creationId xmlns:a16="http://schemas.microsoft.com/office/drawing/2014/main" id="{15AC0DC9-CEAE-DDEA-1A84-A13AA048D737}"/>
+              </a:ext>
+            </a:extLst>
+          </p:cNvPr>
+          <p:cNvSpPr txBox="1"/>
+          <p:nvPr/>
+        </p:nvSpPr>
+        <p:spPr>
+          <a:xfrm>
+            <a:off x="3220252" y="4595101"/>
+            <a:ext cx="1834705" cy="646331"/>
+          </a:xfrm>
+          <a:prstGeom prst="rect">
+            <a:avLst/>
+          </a:prstGeom>
+          <a:noFill/>
+        </p:spPr>
+        <p:txBody>
+          <a:bodyPr wrap="square" rtlCol="0">
+            <a:spAutoFit/>
+          </a:bodyPr>
+          <a:lstStyle/>
+          <a:p>
+            <a:pPr algn="ctr"/>
+            <a:r>
+              <a:rPr lang="en-US" strike="sngStrike" dirty="0">
+                <a:solidFill>
+                  <a:srgbClr val="FF0000"/>
+                </a:solidFill>
               </a:rPr>
-              <a:t>https://github.com/modelcontextprotocol/python-sdk/</a:t>
-            </a:r>
-            <a:endParaRPr lang="en-US" dirty="0"/>
-          </a:p>
-          <a:p>
-            <a:r>
-              <a:rPr lang="en-US" dirty="0">
-                <a:hlinkClick r:id="rId3"/>
-              </a:rPr>
-              <a:t>https://code.visualstudio.com/api/extension-guides/ai/mcp</a:t>
-            </a:r>
-            <a:endParaRPr lang="en-US" dirty="0"/>
-          </a:p>
-          <a:p>
-            <a:endParaRPr lang="en-US" dirty="0"/>
+              <a:t>Terminal</a:t>
+            </a:r>
+          </a:p>
+          <a:p>
+            <a:pPr algn="ctr"/>
+            <a:r>
+              <a:rPr lang="en-US" dirty="0"/>
+              <a:t>CLI MCP Server</a:t>
+            </a:r>
           </a:p>
         </p:txBody>
       </p:sp>
     </p:spTree>
     <p:extLst>
       <p:ext uri="{BB962C8B-B14F-4D97-AF65-F5344CB8AC3E}">
-        <p14:creationId xmlns:p14="http://schemas.microsoft.com/office/powerpoint/2010/main" val="2833786291"/>
+        <p14:creationId xmlns:p14="http://schemas.microsoft.com/office/powerpoint/2010/main" val="2774433916"/>
       </p:ext>
     </p:extLst>
   </p:cSld>
@@ -6082,6 +7234,107 @@
     <p:extLst>
       <p:ext uri="{BB962C8B-B14F-4D97-AF65-F5344CB8AC3E}">
         <p14:creationId xmlns:p14="http://schemas.microsoft.com/office/powerpoint/2010/main" val="325740180"/>
+      </p:ext>
+    </p:extLst>
+  </p:cSld>
+  <p:clrMapOvr>
+    <a:masterClrMapping/>
+  </p:clrMapOvr>
+</p:sld>
+</file>
+
+<file path=ppt/slides/slide20.xml><?xml version="1.0" encoding="utf-8"?>
+<p:sld xmlns:a="http://schemas.openxmlformats.org/drawingml/2006/main" xmlns:r="http://schemas.openxmlformats.org/officeDocument/2006/relationships" xmlns:p="http://schemas.openxmlformats.org/presentationml/2006/main">
+  <p:cSld>
+    <p:spTree>
+      <p:nvGrpSpPr>
+        <p:cNvPr id="1" name=""/>
+        <p:cNvGrpSpPr/>
+        <p:nvPr/>
+      </p:nvGrpSpPr>
+      <p:grpSpPr>
+        <a:xfrm>
+          <a:off x="0" y="0"/>
+          <a:ext cx="0" cy="0"/>
+          <a:chOff x="0" y="0"/>
+          <a:chExt cx="0" cy="0"/>
+        </a:xfrm>
+      </p:grpSpPr>
+      <p:sp>
+        <p:nvSpPr>
+          <p:cNvPr id="2" name="Title 1">
+            <a:extLst>
+              <a:ext uri="{FF2B5EF4-FFF2-40B4-BE49-F238E27FC236}">
+                <a16:creationId xmlns:a16="http://schemas.microsoft.com/office/drawing/2014/main" id="{F03C1C70-7D40-C082-49E3-EE555D435AE2}"/>
+              </a:ext>
+            </a:extLst>
+          </p:cNvPr>
+          <p:cNvSpPr>
+            <a:spLocks noGrp="1"/>
+          </p:cNvSpPr>
+          <p:nvPr>
+            <p:ph type="title"/>
+          </p:nvPr>
+        </p:nvSpPr>
+        <p:spPr/>
+        <p:txBody>
+          <a:bodyPr/>
+          <a:lstStyle/>
+          <a:p>
+            <a:r>
+              <a:rPr lang="en-US" dirty="0"/>
+              <a:t>Resources</a:t>
+            </a:r>
+          </a:p>
+        </p:txBody>
+      </p:sp>
+      <p:sp>
+        <p:nvSpPr>
+          <p:cNvPr id="3" name="Content Placeholder 2">
+            <a:extLst>
+              <a:ext uri="{FF2B5EF4-FFF2-40B4-BE49-F238E27FC236}">
+                <a16:creationId xmlns:a16="http://schemas.microsoft.com/office/drawing/2014/main" id="{7FE004F2-BBF1-40A3-3BF0-9BA5E687D5E3}"/>
+              </a:ext>
+            </a:extLst>
+          </p:cNvPr>
+          <p:cNvSpPr>
+            <a:spLocks noGrp="1"/>
+          </p:cNvSpPr>
+          <p:nvPr>
+            <p:ph idx="1"/>
+          </p:nvPr>
+        </p:nvSpPr>
+        <p:spPr/>
+        <p:txBody>
+          <a:bodyPr/>
+          <a:lstStyle/>
+          <a:p>
+            <a:r>
+              <a:rPr lang="en-US" dirty="0">
+                <a:hlinkClick r:id="rId2"/>
+              </a:rPr>
+              <a:t>https://github.com/modelcontextprotocol/python-sdk/</a:t>
+            </a:r>
+            <a:endParaRPr lang="en-US" dirty="0"/>
+          </a:p>
+          <a:p>
+            <a:r>
+              <a:rPr lang="en-US" dirty="0">
+                <a:hlinkClick r:id="rId3"/>
+              </a:rPr>
+              <a:t>https://code.visualstudio.com/api/extension-guides/ai/mcp</a:t>
+            </a:r>
+            <a:endParaRPr lang="en-US" dirty="0"/>
+          </a:p>
+          <a:p>
+            <a:endParaRPr lang="en-US" dirty="0"/>
+          </a:p>
+        </p:txBody>
+      </p:sp>
+    </p:spTree>
+    <p:extLst>
+      <p:ext uri="{BB962C8B-B14F-4D97-AF65-F5344CB8AC3E}">
+        <p14:creationId xmlns:p14="http://schemas.microsoft.com/office/powerpoint/2010/main" val="2833786291"/>
       </p:ext>
     </p:extLst>
   </p:cSld>
@@ -9072,58 +10325,6 @@
       </p:pic>
       <p:sp>
         <p:nvSpPr>
-          <p:cNvPr id="6" name="Speech Bubble: Oval 5">
-            <a:extLst>
-              <a:ext uri="{FF2B5EF4-FFF2-40B4-BE49-F238E27FC236}">
-                <a16:creationId xmlns:a16="http://schemas.microsoft.com/office/drawing/2014/main" id="{F017803E-9D4F-719A-850A-6B68F8C16B23}"/>
-              </a:ext>
-            </a:extLst>
-          </p:cNvPr>
-          <p:cNvSpPr/>
-          <p:nvPr/>
-        </p:nvSpPr>
-        <p:spPr>
-          <a:xfrm>
-            <a:off x="245368" y="2243673"/>
-            <a:ext cx="1707538" cy="825500"/>
-          </a:xfrm>
-          <a:prstGeom prst="wedgeEllipseCallout">
-            <a:avLst>
-              <a:gd name="adj1" fmla="val -64925"/>
-              <a:gd name="adj2" fmla="val 65577"/>
-            </a:avLst>
-          </a:prstGeom>
-        </p:spPr>
-        <p:style>
-          <a:lnRef idx="2">
-            <a:schemeClr val="accent1">
-              <a:shade val="15000"/>
-            </a:schemeClr>
-          </a:lnRef>
-          <a:fillRef idx="1">
-            <a:schemeClr val="accent1"/>
-          </a:fillRef>
-          <a:effectRef idx="0">
-            <a:schemeClr val="accent1"/>
-          </a:effectRef>
-          <a:fontRef idx="minor">
-            <a:schemeClr val="lt1"/>
-          </a:fontRef>
-        </p:style>
-        <p:txBody>
-          <a:bodyPr rtlCol="0" anchor="ctr"/>
-          <a:lstStyle/>
-          <a:p>
-            <a:pPr algn="ctr"/>
-            <a:r>
-              <a:rPr lang="en-US" dirty="0"/>
-              <a:t>Add three and five</a:t>
-            </a:r>
-          </a:p>
-        </p:txBody>
-      </p:sp>
-      <p:sp>
-        <p:nvSpPr>
           <p:cNvPr id="7" name="TextBox 6">
             <a:extLst>
               <a:ext uri="{FF2B5EF4-FFF2-40B4-BE49-F238E27FC236}">
@@ -9201,7 +10402,13 @@
   <p:cSld>
     <p:spTree>
       <p:nvGrpSpPr>
-        <p:cNvPr id="1" name=""/>
+        <p:cNvPr id="1" name="">
+          <a:extLst>
+            <a:ext uri="{FF2B5EF4-FFF2-40B4-BE49-F238E27FC236}">
+              <a16:creationId xmlns:a16="http://schemas.microsoft.com/office/drawing/2014/main" id="{8E0B1E52-EB23-6C11-13CC-67E15085F459}"/>
+            </a:ext>
+          </a:extLst>
+        </p:cNvPr>
         <p:cNvGrpSpPr/>
         <p:nvPr/>
       </p:nvGrpSpPr>
@@ -9213,690 +10420,12 @@
           <a:chExt cx="0" cy="0"/>
         </a:xfrm>
       </p:grpSpPr>
-      <p:sp>
-        <p:nvSpPr>
-          <p:cNvPr id="2" name="Title 1">
-            <a:extLst>
-              <a:ext uri="{FF2B5EF4-FFF2-40B4-BE49-F238E27FC236}">
-                <a16:creationId xmlns:a16="http://schemas.microsoft.com/office/drawing/2014/main" id="{1D11E668-30CE-45D4-A465-1F60F14ED7CF}"/>
-              </a:ext>
-            </a:extLst>
-          </p:cNvPr>
-          <p:cNvSpPr>
-            <a:spLocks noGrp="1"/>
-          </p:cNvSpPr>
-          <p:nvPr>
-            <p:ph type="title"/>
-          </p:nvPr>
-        </p:nvSpPr>
-        <p:spPr/>
-        <p:txBody>
-          <a:bodyPr/>
-          <a:lstStyle/>
-          <a:p>
-            <a:r>
-              <a:rPr lang="en-US" dirty="0"/>
-              <a:t>Agent uploads Tool Descriptions with Context</a:t>
-            </a:r>
-          </a:p>
-        </p:txBody>
-      </p:sp>
-      <p:sp>
-        <p:nvSpPr>
-          <p:cNvPr id="5" name="TextBox 4">
-            <a:extLst>
-              <a:ext uri="{FF2B5EF4-FFF2-40B4-BE49-F238E27FC236}">
-                <a16:creationId xmlns:a16="http://schemas.microsoft.com/office/drawing/2014/main" id="{6AF4292B-1E6E-0D4B-8F00-C2D02CC4BE7F}"/>
-              </a:ext>
-            </a:extLst>
-          </p:cNvPr>
-          <p:cNvSpPr txBox="1"/>
-          <p:nvPr/>
-        </p:nvSpPr>
-        <p:spPr>
-          <a:xfrm>
-            <a:off x="509789" y="1426865"/>
-            <a:ext cx="6142149" cy="4832092"/>
-          </a:xfrm>
-          <a:prstGeom prst="rect">
-            <a:avLst/>
-          </a:prstGeom>
-          <a:noFill/>
-          <a:ln>
-            <a:solidFill>
-              <a:schemeClr val="tx1"/>
-            </a:solidFill>
-          </a:ln>
-        </p:spPr>
-        <p:txBody>
-          <a:bodyPr wrap="square">
-            <a:spAutoFit/>
-          </a:bodyPr>
-          <a:lstStyle/>
-          <a:p>
-            <a:r>
-              <a:rPr lang="en-US" sz="1400" b="0" i="0" dirty="0">
-                <a:solidFill>
-                  <a:srgbClr val="C41A16"/>
-                </a:solidFill>
-                <a:effectLst/>
-                <a:latin typeface="source-code-pro"/>
-              </a:rPr>
-              <a:t>"tools"</a:t>
-            </a:r>
-            <a:r>
-              <a:rPr lang="en-US" sz="1400" b="0" i="0" dirty="0">
-                <a:solidFill>
-                  <a:srgbClr val="242424"/>
-                </a:solidFill>
-                <a:effectLst/>
-                <a:latin typeface="source-code-pro"/>
-              </a:rPr>
-              <a:t>: [</a:t>
-            </a:r>
-            <a:br>
-              <a:rPr lang="en-US" sz="1400" dirty="0"/>
-            </a:br>
-            <a:r>
-              <a:rPr lang="en-US" sz="1400" dirty="0"/>
-              <a:t>        </a:t>
-            </a:r>
-            <a:r>
-              <a:rPr lang="en-US" sz="1400" b="0" i="0" dirty="0">
-                <a:solidFill>
-                  <a:srgbClr val="242424"/>
-                </a:solidFill>
-                <a:effectLst/>
-                <a:latin typeface="source-code-pro"/>
-              </a:rPr>
-              <a:t>{</a:t>
-            </a:r>
-            <a:br>
-              <a:rPr lang="en-US" sz="1400" dirty="0"/>
-            </a:br>
-            <a:r>
-              <a:rPr lang="en-US" sz="1400" dirty="0"/>
-              <a:t>	</a:t>
-            </a:r>
-            <a:r>
-              <a:rPr lang="en-US" sz="1400" b="0" i="0" dirty="0">
-                <a:solidFill>
-                  <a:srgbClr val="C41A16"/>
-                </a:solidFill>
-                <a:effectLst/>
-                <a:latin typeface="source-code-pro"/>
-              </a:rPr>
-              <a:t>"name"</a:t>
-            </a:r>
-            <a:r>
-              <a:rPr lang="en-US" sz="1400" b="0" i="0" dirty="0">
-                <a:solidFill>
-                  <a:srgbClr val="242424"/>
-                </a:solidFill>
-                <a:effectLst/>
-                <a:latin typeface="source-code-pro"/>
-              </a:rPr>
-              <a:t>: </a:t>
-            </a:r>
-            <a:r>
-              <a:rPr lang="en-US" sz="1400" b="0" i="0" dirty="0">
-                <a:solidFill>
-                  <a:srgbClr val="C41A16"/>
-                </a:solidFill>
-                <a:effectLst/>
-                <a:latin typeface="source-code-pro"/>
-              </a:rPr>
-              <a:t>"add"</a:t>
-            </a:r>
-            <a:r>
-              <a:rPr lang="en-US" sz="1400" b="0" i="0" dirty="0">
-                <a:solidFill>
-                  <a:srgbClr val="242424"/>
-                </a:solidFill>
-                <a:effectLst/>
-                <a:latin typeface="source-code-pro"/>
-              </a:rPr>
-              <a:t>,</a:t>
-            </a:r>
-            <a:br>
-              <a:rPr lang="en-US" sz="1400" dirty="0"/>
-            </a:br>
-            <a:r>
-              <a:rPr lang="en-US" sz="1400" dirty="0"/>
-              <a:t>	</a:t>
-            </a:r>
-            <a:r>
-              <a:rPr lang="en-US" sz="1400" b="0" i="0" dirty="0">
-                <a:solidFill>
-                  <a:srgbClr val="C41A16"/>
-                </a:solidFill>
-                <a:effectLst/>
-                <a:latin typeface="source-code-pro"/>
-              </a:rPr>
-              <a:t>"description"</a:t>
-            </a:r>
-            <a:r>
-              <a:rPr lang="en-US" sz="1400" b="0" i="0" dirty="0">
-                <a:solidFill>
-                  <a:srgbClr val="242424"/>
-                </a:solidFill>
-                <a:effectLst/>
-                <a:latin typeface="source-code-pro"/>
-              </a:rPr>
-              <a:t>: </a:t>
-            </a:r>
-            <a:r>
-              <a:rPr lang="en-US" sz="1400" b="0" i="0" dirty="0">
-                <a:solidFill>
-                  <a:srgbClr val="C41A16"/>
-                </a:solidFill>
-                <a:effectLst/>
-                <a:latin typeface="source-code-pro"/>
-              </a:rPr>
-              <a:t>"Add two numbers"</a:t>
-            </a:r>
-            <a:r>
-              <a:rPr lang="en-US" sz="1400" b="0" i="0" dirty="0">
-                <a:solidFill>
-                  <a:srgbClr val="242424"/>
-                </a:solidFill>
-                <a:effectLst/>
-                <a:latin typeface="source-code-pro"/>
-              </a:rPr>
-              <a:t>,</a:t>
-            </a:r>
-            <a:br>
-              <a:rPr lang="en-US" sz="1400" dirty="0"/>
-            </a:br>
-            <a:r>
-              <a:rPr lang="en-US" sz="1400" dirty="0"/>
-              <a:t>	</a:t>
-            </a:r>
-            <a:r>
-              <a:rPr lang="en-US" sz="1400" b="0" i="0" dirty="0">
-                <a:solidFill>
-                  <a:srgbClr val="C41A16"/>
-                </a:solidFill>
-                <a:effectLst/>
-                <a:latin typeface="source-code-pro"/>
-              </a:rPr>
-              <a:t>"</a:t>
-            </a:r>
-            <a:r>
-              <a:rPr lang="en-US" sz="1400" b="0" i="0" dirty="0" err="1">
-                <a:solidFill>
-                  <a:srgbClr val="C41A16"/>
-                </a:solidFill>
-                <a:effectLst/>
-                <a:latin typeface="source-code-pro"/>
-              </a:rPr>
-              <a:t>inputSchema</a:t>
-            </a:r>
-            <a:r>
-              <a:rPr lang="en-US" sz="1400" b="0" i="0" dirty="0">
-                <a:solidFill>
-                  <a:srgbClr val="C41A16"/>
-                </a:solidFill>
-                <a:effectLst/>
-                <a:latin typeface="source-code-pro"/>
-              </a:rPr>
-              <a:t>"</a:t>
-            </a:r>
-            <a:r>
-              <a:rPr lang="en-US" sz="1400" b="0" i="0" dirty="0">
-                <a:solidFill>
-                  <a:srgbClr val="242424"/>
-                </a:solidFill>
-                <a:effectLst/>
-                <a:latin typeface="source-code-pro"/>
-              </a:rPr>
-              <a:t>: {</a:t>
-            </a:r>
-            <a:br>
-              <a:rPr lang="en-US" sz="1400" dirty="0"/>
-            </a:br>
-            <a:r>
-              <a:rPr lang="en-US" sz="1400" dirty="0"/>
-              <a:t>		</a:t>
-            </a:r>
-            <a:r>
-              <a:rPr lang="en-US" sz="1400" b="0" i="0" dirty="0">
-                <a:solidFill>
-                  <a:srgbClr val="C41A16"/>
-                </a:solidFill>
-                <a:effectLst/>
-                <a:latin typeface="source-code-pro"/>
-              </a:rPr>
-              <a:t>"properties"</a:t>
-            </a:r>
-            <a:r>
-              <a:rPr lang="en-US" sz="1400" b="0" i="0" dirty="0">
-                <a:solidFill>
-                  <a:srgbClr val="242424"/>
-                </a:solidFill>
-                <a:effectLst/>
-                <a:latin typeface="source-code-pro"/>
-              </a:rPr>
-              <a:t>: {</a:t>
-            </a:r>
-            <a:br>
-              <a:rPr lang="en-US" sz="1400" dirty="0"/>
-            </a:br>
-            <a:r>
-              <a:rPr lang="en-US" sz="1400" dirty="0"/>
-              <a:t>			</a:t>
-            </a:r>
-            <a:r>
-              <a:rPr lang="en-US" sz="1400" b="0" i="0" dirty="0">
-                <a:solidFill>
-                  <a:srgbClr val="C41A16"/>
-                </a:solidFill>
-                <a:effectLst/>
-                <a:latin typeface="source-code-pro"/>
-              </a:rPr>
-              <a:t>“a"</a:t>
-            </a:r>
-            <a:r>
-              <a:rPr lang="en-US" sz="1400" b="0" i="0" dirty="0">
-                <a:solidFill>
-                  <a:srgbClr val="242424"/>
-                </a:solidFill>
-                <a:effectLst/>
-                <a:latin typeface="source-code-pro"/>
-              </a:rPr>
-              <a:t>: {</a:t>
-            </a:r>
-            <a:br>
-              <a:rPr lang="en-US" sz="1400" dirty="0"/>
-            </a:br>
-            <a:r>
-              <a:rPr lang="en-US" sz="1400" dirty="0"/>
-              <a:t>				</a:t>
-            </a:r>
-            <a:r>
-              <a:rPr lang="en-US" sz="1400" b="0" i="0" dirty="0">
-                <a:solidFill>
-                  <a:srgbClr val="C41A16"/>
-                </a:solidFill>
-                <a:effectLst/>
-                <a:latin typeface="source-code-pro"/>
-              </a:rPr>
-              <a:t>"title"</a:t>
-            </a:r>
-            <a:r>
-              <a:rPr lang="en-US" sz="1400" b="0" i="0" dirty="0">
-                <a:solidFill>
-                  <a:srgbClr val="242424"/>
-                </a:solidFill>
-                <a:effectLst/>
-                <a:latin typeface="source-code-pro"/>
-              </a:rPr>
-              <a:t>: </a:t>
-            </a:r>
-            <a:r>
-              <a:rPr lang="en-US" sz="1400" b="0" i="0" dirty="0">
-                <a:solidFill>
-                  <a:srgbClr val="C41A16"/>
-                </a:solidFill>
-                <a:effectLst/>
-                <a:latin typeface="source-code-pro"/>
-              </a:rPr>
-              <a:t>“a"</a:t>
-            </a:r>
-            <a:r>
-              <a:rPr lang="en-US" sz="1400" b="0" i="0" dirty="0">
-                <a:solidFill>
-                  <a:srgbClr val="242424"/>
-                </a:solidFill>
-                <a:effectLst/>
-                <a:latin typeface="source-code-pro"/>
-              </a:rPr>
-              <a:t>,</a:t>
-            </a:r>
-            <a:br>
-              <a:rPr lang="en-US" sz="1400" dirty="0"/>
-            </a:br>
-            <a:r>
-              <a:rPr lang="en-US" sz="1400" dirty="0"/>
-              <a:t>				</a:t>
-            </a:r>
-            <a:r>
-              <a:rPr lang="en-US" sz="1400" b="0" i="0" dirty="0">
-                <a:solidFill>
-                  <a:srgbClr val="C41A16"/>
-                </a:solidFill>
-                <a:effectLst/>
-                <a:latin typeface="source-code-pro"/>
-              </a:rPr>
-              <a:t>"type"</a:t>
-            </a:r>
-            <a:r>
-              <a:rPr lang="en-US" sz="1400" b="0" i="0" dirty="0">
-                <a:solidFill>
-                  <a:srgbClr val="242424"/>
-                </a:solidFill>
-                <a:effectLst/>
-                <a:latin typeface="source-code-pro"/>
-              </a:rPr>
-              <a:t>: </a:t>
-            </a:r>
-            <a:r>
-              <a:rPr lang="en-US" sz="1400" b="0" i="0" dirty="0">
-                <a:solidFill>
-                  <a:srgbClr val="C41A16"/>
-                </a:solidFill>
-                <a:effectLst/>
-                <a:latin typeface="source-code-pro"/>
-              </a:rPr>
-              <a:t>“int"</a:t>
-            </a:r>
-            <a:br>
-              <a:rPr lang="en-US" sz="1400" dirty="0"/>
-            </a:br>
-            <a:r>
-              <a:rPr lang="en-US" sz="1400" dirty="0"/>
-              <a:t>			</a:t>
-            </a:r>
-            <a:r>
-              <a:rPr lang="en-US" sz="1400" b="0" i="0" dirty="0">
-                <a:solidFill>
-                  <a:srgbClr val="242424"/>
-                </a:solidFill>
-                <a:effectLst/>
-                <a:latin typeface="source-code-pro"/>
-              </a:rPr>
-              <a:t>},</a:t>
-            </a:r>
-            <a:br>
-              <a:rPr lang="en-US" sz="1400" dirty="0"/>
-            </a:br>
-            <a:r>
-              <a:rPr lang="en-US" sz="1400" dirty="0"/>
-              <a:t>			</a:t>
-            </a:r>
-            <a:r>
-              <a:rPr lang="en-US" sz="1400" b="0" i="0" dirty="0">
-                <a:solidFill>
-                  <a:srgbClr val="C41A16"/>
-                </a:solidFill>
-                <a:effectLst/>
-                <a:latin typeface="source-code-pro"/>
-              </a:rPr>
-              <a:t>“b"</a:t>
-            </a:r>
-            <a:r>
-              <a:rPr lang="en-US" sz="1400" b="0" i="0" dirty="0">
-                <a:solidFill>
-                  <a:srgbClr val="242424"/>
-                </a:solidFill>
-                <a:effectLst/>
-                <a:latin typeface="source-code-pro"/>
-              </a:rPr>
-              <a:t>: {</a:t>
-            </a:r>
-            <a:br>
-              <a:rPr lang="en-US" sz="1400" dirty="0"/>
-            </a:br>
-            <a:r>
-              <a:rPr lang="en-US" sz="1400" dirty="0"/>
-              <a:t>				</a:t>
-            </a:r>
-            <a:r>
-              <a:rPr lang="en-US" sz="1400" b="0" i="0" dirty="0">
-                <a:solidFill>
-                  <a:srgbClr val="C41A16"/>
-                </a:solidFill>
-                <a:effectLst/>
-                <a:latin typeface="source-code-pro"/>
-              </a:rPr>
-              <a:t>"title"</a:t>
-            </a:r>
-            <a:r>
-              <a:rPr lang="en-US" sz="1400" b="0" i="0" dirty="0">
-                <a:solidFill>
-                  <a:srgbClr val="242424"/>
-                </a:solidFill>
-                <a:effectLst/>
-                <a:latin typeface="source-code-pro"/>
-              </a:rPr>
-              <a:t>: </a:t>
-            </a:r>
-            <a:r>
-              <a:rPr lang="en-US" sz="1400" b="0" i="0" dirty="0">
-                <a:solidFill>
-                  <a:srgbClr val="C41A16"/>
-                </a:solidFill>
-                <a:effectLst/>
-                <a:latin typeface="source-code-pro"/>
-              </a:rPr>
-              <a:t>“b"</a:t>
-            </a:r>
-            <a:r>
-              <a:rPr lang="en-US" sz="1400" b="0" i="0" dirty="0">
-                <a:solidFill>
-                  <a:srgbClr val="242424"/>
-                </a:solidFill>
-                <a:effectLst/>
-                <a:latin typeface="source-code-pro"/>
-              </a:rPr>
-              <a:t>,</a:t>
-            </a:r>
-            <a:br>
-              <a:rPr lang="en-US" sz="1400" dirty="0"/>
-            </a:br>
-            <a:r>
-              <a:rPr lang="en-US" sz="1400" dirty="0"/>
-              <a:t>				</a:t>
-            </a:r>
-            <a:r>
-              <a:rPr lang="en-US" sz="1400" b="0" i="0" dirty="0">
-                <a:solidFill>
-                  <a:srgbClr val="C41A16"/>
-                </a:solidFill>
-                <a:effectLst/>
-                <a:latin typeface="source-code-pro"/>
-              </a:rPr>
-              <a:t>"type"</a:t>
-            </a:r>
-            <a:r>
-              <a:rPr lang="en-US" sz="1400" b="0" i="0" dirty="0">
-                <a:solidFill>
-                  <a:srgbClr val="242424"/>
-                </a:solidFill>
-                <a:effectLst/>
-                <a:latin typeface="source-code-pro"/>
-              </a:rPr>
-              <a:t>: </a:t>
-            </a:r>
-            <a:r>
-              <a:rPr lang="en-US" sz="1400" b="0" i="0" dirty="0">
-                <a:solidFill>
-                  <a:srgbClr val="C41A16"/>
-                </a:solidFill>
-                <a:effectLst/>
-                <a:latin typeface="source-code-pro"/>
-              </a:rPr>
-              <a:t>“int"</a:t>
-            </a:r>
-            <a:br>
-              <a:rPr lang="en-US" sz="1400" dirty="0"/>
-            </a:br>
-            <a:r>
-              <a:rPr lang="en-US" sz="1400" dirty="0"/>
-              <a:t>			</a:t>
-            </a:r>
-            <a:r>
-              <a:rPr lang="en-US" sz="1400" b="0" i="0" dirty="0">
-                <a:solidFill>
-                  <a:srgbClr val="242424"/>
-                </a:solidFill>
-                <a:effectLst/>
-                <a:latin typeface="source-code-pro"/>
-              </a:rPr>
-              <a:t>}</a:t>
-            </a:r>
-            <a:br>
-              <a:rPr lang="en-US" sz="1400" dirty="0"/>
-            </a:br>
-            <a:r>
-              <a:rPr lang="en-US" sz="1400" dirty="0"/>
-              <a:t>		</a:t>
-            </a:r>
-            <a:r>
-              <a:rPr lang="en-US" sz="1400" b="0" i="0" dirty="0">
-                <a:solidFill>
-                  <a:srgbClr val="242424"/>
-                </a:solidFill>
-                <a:effectLst/>
-                <a:latin typeface="source-code-pro"/>
-              </a:rPr>
-              <a:t>},</a:t>
-            </a:r>
-            <a:br>
-              <a:rPr lang="en-US" sz="1400" dirty="0"/>
-            </a:br>
-            <a:r>
-              <a:rPr lang="en-US" sz="1400" dirty="0"/>
-              <a:t>		</a:t>
-            </a:r>
-            <a:r>
-              <a:rPr lang="en-US" sz="1400" b="0" i="0" dirty="0">
-                <a:solidFill>
-                  <a:srgbClr val="C41A16"/>
-                </a:solidFill>
-                <a:effectLst/>
-                <a:latin typeface="source-code-pro"/>
-              </a:rPr>
-              <a:t>"required"</a:t>
-            </a:r>
-            <a:r>
-              <a:rPr lang="en-US" sz="1400" b="0" i="0" dirty="0">
-                <a:solidFill>
-                  <a:srgbClr val="242424"/>
-                </a:solidFill>
-                <a:effectLst/>
-                <a:latin typeface="source-code-pro"/>
-              </a:rPr>
-              <a:t>: [</a:t>
-            </a:r>
-            <a:br>
-              <a:rPr lang="en-US" sz="1400" dirty="0"/>
-            </a:br>
-            <a:r>
-              <a:rPr lang="en-US" sz="1400" dirty="0"/>
-              <a:t>			</a:t>
-            </a:r>
-            <a:r>
-              <a:rPr lang="en-US" sz="1400" b="0" i="0" dirty="0">
-                <a:solidFill>
-                  <a:srgbClr val="C41A16"/>
-                </a:solidFill>
-                <a:effectLst/>
-                <a:latin typeface="source-code-pro"/>
-              </a:rPr>
-              <a:t>“a"</a:t>
-            </a:r>
-            <a:r>
-              <a:rPr lang="en-US" sz="1400" b="0" i="0" dirty="0">
-                <a:solidFill>
-                  <a:srgbClr val="242424"/>
-                </a:solidFill>
-                <a:effectLst/>
-                <a:latin typeface="source-code-pro"/>
-              </a:rPr>
-              <a:t>,</a:t>
-            </a:r>
-            <a:br>
-              <a:rPr lang="en-US" sz="1400" dirty="0"/>
-            </a:br>
-            <a:r>
-              <a:rPr lang="en-US" sz="1400" dirty="0"/>
-              <a:t>			</a:t>
-            </a:r>
-            <a:r>
-              <a:rPr lang="en-US" sz="1400" b="0" i="0" dirty="0">
-                <a:solidFill>
-                  <a:srgbClr val="C41A16"/>
-                </a:solidFill>
-                <a:effectLst/>
-                <a:latin typeface="source-code-pro"/>
-              </a:rPr>
-              <a:t>“b"</a:t>
-            </a:r>
-            <a:br>
-              <a:rPr lang="en-US" sz="1400" dirty="0"/>
-            </a:br>
-            <a:r>
-              <a:rPr lang="en-US" sz="1400" dirty="0"/>
-              <a:t>		</a:t>
-            </a:r>
-            <a:r>
-              <a:rPr lang="en-US" sz="1400" b="0" i="0" dirty="0">
-                <a:solidFill>
-                  <a:srgbClr val="242424"/>
-                </a:solidFill>
-                <a:effectLst/>
-                <a:latin typeface="source-code-pro"/>
-              </a:rPr>
-              <a:t>]</a:t>
-            </a:r>
-            <a:br>
-              <a:rPr lang="en-US" sz="1400" dirty="0"/>
-            </a:br>
-            <a:r>
-              <a:rPr lang="en-US" sz="1400" dirty="0"/>
-              <a:t>	</a:t>
-            </a:r>
-            <a:r>
-              <a:rPr lang="en-US" sz="1400" b="0" i="0" dirty="0">
-                <a:solidFill>
-                  <a:srgbClr val="242424"/>
-                </a:solidFill>
-                <a:effectLst/>
-                <a:latin typeface="source-code-pro"/>
-              </a:rPr>
-              <a:t>}</a:t>
-            </a:r>
-            <a:br>
-              <a:rPr lang="en-US" sz="1400" dirty="0"/>
-            </a:br>
-            <a:r>
-              <a:rPr lang="en-US" sz="1400" dirty="0"/>
-              <a:t>        </a:t>
-            </a:r>
-            <a:r>
-              <a:rPr lang="en-US" sz="1400" b="0" i="0" dirty="0">
-                <a:solidFill>
-                  <a:srgbClr val="242424"/>
-                </a:solidFill>
-                <a:effectLst/>
-                <a:latin typeface="source-code-pro"/>
-              </a:rPr>
-              <a:t>}</a:t>
-            </a:r>
-            <a:br>
-              <a:rPr lang="en-US" sz="1400" dirty="0"/>
-            </a:br>
-            <a:r>
-              <a:rPr lang="en-US" sz="1400" b="0" i="0" dirty="0">
-                <a:solidFill>
-                  <a:srgbClr val="242424"/>
-                </a:solidFill>
-                <a:effectLst/>
-                <a:latin typeface="source-code-pro"/>
-              </a:rPr>
-              <a:t>]</a:t>
-            </a:r>
-            <a:endParaRPr lang="en-US" sz="1400" dirty="0"/>
-          </a:p>
-        </p:txBody>
-      </p:sp>
       <p:pic>
         <p:nvPicPr>
-          <p:cNvPr id="6" name="Picture 5" descr="A cartoon of a rabbit with a brain coming out of a computer screen&#10;&#10;AI-generated content may be incorrect.">
-            <a:extLst>
-              <a:ext uri="{FF2B5EF4-FFF2-40B4-BE49-F238E27FC236}">
-                <a16:creationId xmlns:a16="http://schemas.microsoft.com/office/drawing/2014/main" id="{3DE864D6-9A11-FAC7-AF42-EC9F8AD94D7B}"/>
+          <p:cNvPr id="23" name="Picture 22" descr="A cartoon of a rabbit with a brain coming out of a computer screen&#10;&#10;AI-generated content may be incorrect.">
+            <a:extLst>
+              <a:ext uri="{FF2B5EF4-FFF2-40B4-BE49-F238E27FC236}">
+                <a16:creationId xmlns:a16="http://schemas.microsoft.com/office/drawing/2014/main" id="{E323E212-FA5B-79CA-79DD-B78F0E79023E}"/>
               </a:ext>
             </a:extLst>
           </p:cNvPr>
@@ -9913,15 +10442,14 @@
               </a:ext>
             </a:extLst>
           </a:blip>
-          <a:srcRect l="7852" r="64439"/>
           <a:stretch>
             <a:fillRect/>
           </a:stretch>
         </p:blipFill>
         <p:spPr>
           <a:xfrm>
-            <a:off x="8062175" y="1426865"/>
-            <a:ext cx="2337515" cy="4927492"/>
+            <a:off x="530742" y="1565383"/>
+            <a:ext cx="8435803" cy="4927492"/>
           </a:xfrm>
           <a:prstGeom prst="rect">
             <a:avLst/>
@@ -9930,10 +10458,45 @@
       </p:pic>
       <p:sp>
         <p:nvSpPr>
-          <p:cNvPr id="7" name="TextBox 6">
-            <a:extLst>
-              <a:ext uri="{FF2B5EF4-FFF2-40B4-BE49-F238E27FC236}">
-                <a16:creationId xmlns:a16="http://schemas.microsoft.com/office/drawing/2014/main" id="{97B2179E-D188-7F74-2252-1624F4492B15}"/>
+          <p:cNvPr id="4" name="Title 3">
+            <a:extLst>
+              <a:ext uri="{FF2B5EF4-FFF2-40B4-BE49-F238E27FC236}">
+                <a16:creationId xmlns:a16="http://schemas.microsoft.com/office/drawing/2014/main" id="{93C72439-35BF-DC77-8D82-2EC6F8AB82F5}"/>
+              </a:ext>
+            </a:extLst>
+          </p:cNvPr>
+          <p:cNvSpPr>
+            <a:spLocks noGrp="1"/>
+          </p:cNvSpPr>
+          <p:nvPr>
+            <p:ph type="title"/>
+          </p:nvPr>
+        </p:nvSpPr>
+        <p:spPr>
+          <a:xfrm>
+            <a:off x="838200" y="191477"/>
+            <a:ext cx="10515600" cy="1325563"/>
+          </a:xfrm>
+        </p:spPr>
+        <p:txBody>
+          <a:bodyPr>
+            <a:noAutofit/>
+          </a:bodyPr>
+          <a:lstStyle/>
+          <a:p>
+            <a:r>
+              <a:rPr lang="en-US" sz="4000" dirty="0"/>
+              <a:t>Worked example - add</a:t>
+            </a:r>
+          </a:p>
+        </p:txBody>
+      </p:sp>
+      <p:sp>
+        <p:nvSpPr>
+          <p:cNvPr id="19" name="TextBox 18">
+            <a:extLst>
+              <a:ext uri="{FF2B5EF4-FFF2-40B4-BE49-F238E27FC236}">
+                <a16:creationId xmlns:a16="http://schemas.microsoft.com/office/drawing/2014/main" id="{3CBEDCA2-E99B-8445-C077-01AFC5C6A019}"/>
               </a:ext>
             </a:extLst>
           </p:cNvPr>
@@ -9942,8 +10505,8 @@
         </p:nvSpPr>
         <p:spPr>
           <a:xfrm>
-            <a:off x="9171545" y="4408513"/>
-            <a:ext cx="598241" cy="369332"/>
+            <a:off x="4557407" y="4865731"/>
+            <a:ext cx="1501886" cy="646331"/>
           </a:xfrm>
           <a:prstGeom prst="rect">
             <a:avLst/>
@@ -9956,19 +10519,27 @@
           </a:bodyPr>
           <a:lstStyle/>
           <a:p>
-            <a:r>
-              <a:rPr lang="en-US" dirty="0"/>
-              <a:t>LLM</a:t>
-            </a:r>
-          </a:p>
-        </p:txBody>
-      </p:sp>
-      <p:sp>
-        <p:nvSpPr>
-          <p:cNvPr id="8" name="TextBox 7">
-            <a:extLst>
-              <a:ext uri="{FF2B5EF4-FFF2-40B4-BE49-F238E27FC236}">
-                <a16:creationId xmlns:a16="http://schemas.microsoft.com/office/drawing/2014/main" id="{6806654C-3E0B-4C25-7577-4784D83A0683}"/>
+            <a:pPr algn="ctr"/>
+            <a:r>
+              <a:rPr lang="en-US" dirty="0"/>
+              <a:t>MCP Client</a:t>
+            </a:r>
+          </a:p>
+          <a:p>
+            <a:pPr algn="ctr"/>
+            <a:r>
+              <a:rPr lang="en-US" dirty="0"/>
+              <a:t>(Agent Mode)</a:t>
+            </a:r>
+          </a:p>
+        </p:txBody>
+      </p:sp>
+      <p:sp>
+        <p:nvSpPr>
+          <p:cNvPr id="20" name="TextBox 19">
+            <a:extLst>
+              <a:ext uri="{FF2B5EF4-FFF2-40B4-BE49-F238E27FC236}">
+                <a16:creationId xmlns:a16="http://schemas.microsoft.com/office/drawing/2014/main" id="{CB0637C7-5F72-9572-B75E-61F4381EF905}"/>
               </a:ext>
             </a:extLst>
           </p:cNvPr>
@@ -9977,8 +10548,8 @@
         </p:nvSpPr>
         <p:spPr>
           <a:xfrm>
-            <a:off x="9180921" y="2709144"/>
-            <a:ext cx="701602" cy="369332"/>
+            <a:off x="2302442" y="4547031"/>
+            <a:ext cx="598241" cy="369332"/>
           </a:xfrm>
           <a:prstGeom prst="rect">
             <a:avLst/>
@@ -9993,93 +10564,203 @@
           <a:p>
             <a:r>
               <a:rPr lang="en-US" dirty="0"/>
-              <a:t>Tools</a:t>
-            </a:r>
-          </a:p>
-        </p:txBody>
-      </p:sp>
-      <p:cxnSp>
-        <p:nvCxnSpPr>
-          <p:cNvPr id="10" name="Straight Connector 9">
-            <a:extLst>
-              <a:ext uri="{FF2B5EF4-FFF2-40B4-BE49-F238E27FC236}">
-                <a16:creationId xmlns:a16="http://schemas.microsoft.com/office/drawing/2014/main" id="{56134CD6-7F75-BA7F-9CBC-FEFB205F6359}"/>
-              </a:ext>
-            </a:extLst>
-          </p:cNvPr>
-          <p:cNvCxnSpPr>
-            <a:cxnSpLocks/>
-          </p:cNvCxnSpPr>
+              <a:t>LLM</a:t>
+            </a:r>
+          </a:p>
+        </p:txBody>
+      </p:sp>
+      <p:sp>
+        <p:nvSpPr>
+          <p:cNvPr id="21" name="TextBox 20">
+            <a:extLst>
+              <a:ext uri="{FF2B5EF4-FFF2-40B4-BE49-F238E27FC236}">
+                <a16:creationId xmlns:a16="http://schemas.microsoft.com/office/drawing/2014/main" id="{8C41C6F5-5134-6AE9-F971-41FDDE8E5996}"/>
+              </a:ext>
+            </a:extLst>
+          </p:cNvPr>
+          <p:cNvSpPr txBox="1"/>
           <p:nvPr/>
-        </p:nvCxnSpPr>
+        </p:nvSpPr>
         <p:spPr>
           <a:xfrm>
-            <a:off x="6651938" y="1426865"/>
-            <a:ext cx="2646608" cy="1282279"/>
-          </a:xfrm>
-          <a:prstGeom prst="line">
+            <a:off x="7426892" y="4916363"/>
+            <a:ext cx="1340047" cy="646331"/>
+          </a:xfrm>
+          <a:prstGeom prst="rect">
             <a:avLst/>
           </a:prstGeom>
-        </p:spPr>
-        <p:style>
-          <a:lnRef idx="2">
-            <a:schemeClr val="accent1"/>
-          </a:lnRef>
-          <a:fillRef idx="0">
-            <a:schemeClr val="accent1"/>
-          </a:fillRef>
-          <a:effectRef idx="1">
-            <a:schemeClr val="accent1"/>
-          </a:effectRef>
-          <a:fontRef idx="minor">
-            <a:schemeClr val="tx1"/>
-          </a:fontRef>
-        </p:style>
-      </p:cxnSp>
-      <p:cxnSp>
-        <p:nvCxnSpPr>
-          <p:cNvPr id="12" name="Straight Connector 11">
-            <a:extLst>
-              <a:ext uri="{FF2B5EF4-FFF2-40B4-BE49-F238E27FC236}">
-                <a16:creationId xmlns:a16="http://schemas.microsoft.com/office/drawing/2014/main" id="{CC5EC403-411C-E647-EB56-827C2E06CF93}"/>
-              </a:ext>
-            </a:extLst>
-          </p:cNvPr>
-          <p:cNvCxnSpPr>
-            <a:cxnSpLocks/>
-          </p:cNvCxnSpPr>
+          <a:noFill/>
+        </p:spPr>
+        <p:txBody>
+          <a:bodyPr wrap="none" rtlCol="0">
+            <a:spAutoFit/>
+          </a:bodyPr>
+          <a:lstStyle/>
+          <a:p>
+            <a:pPr algn="ctr"/>
+            <a:r>
+              <a:rPr lang="en-US" dirty="0"/>
+              <a:t>MCP Server</a:t>
+            </a:r>
+          </a:p>
+          <a:p>
+            <a:pPr algn="ctr"/>
+            <a:r>
+              <a:rPr lang="en-US" dirty="0"/>
+              <a:t>(</a:t>
+            </a:r>
+            <a:r>
+              <a:rPr lang="en-US" u="sng" dirty="0"/>
+              <a:t>your</a:t>
+            </a:r>
+            <a:r>
+              <a:rPr lang="en-US" dirty="0"/>
+              <a:t> code)</a:t>
+            </a:r>
+          </a:p>
+        </p:txBody>
+      </p:sp>
+      <p:sp>
+        <p:nvSpPr>
+          <p:cNvPr id="26" name="TextBox 25">
+            <a:extLst>
+              <a:ext uri="{FF2B5EF4-FFF2-40B4-BE49-F238E27FC236}">
+                <a16:creationId xmlns:a16="http://schemas.microsoft.com/office/drawing/2014/main" id="{804D5848-9834-B0AC-05C7-06541317A1C6}"/>
+              </a:ext>
+            </a:extLst>
+          </p:cNvPr>
+          <p:cNvSpPr txBox="1"/>
           <p:nvPr/>
-        </p:nvCxnSpPr>
-        <p:spPr>
-          <a:xfrm flipV="1">
-            <a:off x="6651938" y="3129566"/>
-            <a:ext cx="2646608" cy="3129391"/>
-          </a:xfrm>
-          <a:prstGeom prst="line">
+        </p:nvSpPr>
+        <p:spPr>
+          <a:xfrm rot="2200018">
+            <a:off x="3178742" y="3429000"/>
+            <a:ext cx="1245854" cy="369332"/>
+          </a:xfrm>
+          <a:prstGeom prst="rect">
             <a:avLst/>
           </a:prstGeom>
-        </p:spPr>
-        <p:style>
-          <a:lnRef idx="2">
-            <a:schemeClr val="accent1"/>
-          </a:lnRef>
-          <a:fillRef idx="0">
-            <a:schemeClr val="accent1"/>
-          </a:fillRef>
-          <a:effectRef idx="1">
-            <a:schemeClr val="accent1"/>
-          </a:effectRef>
-          <a:fontRef idx="minor">
-            <a:schemeClr val="tx1"/>
-          </a:fontRef>
-        </p:style>
-      </p:cxnSp>
-      <p:sp>
-        <p:nvSpPr>
-          <p:cNvPr id="14" name="Arrow: Right 13">
-            <a:extLst>
-              <a:ext uri="{FF2B5EF4-FFF2-40B4-BE49-F238E27FC236}">
-                <a16:creationId xmlns:a16="http://schemas.microsoft.com/office/drawing/2014/main" id="{428EFEBA-7710-9E12-D565-70D84B7DD787}"/>
+          <a:noFill/>
+        </p:spPr>
+        <p:txBody>
+          <a:bodyPr wrap="none" rtlCol="0">
+            <a:spAutoFit/>
+          </a:bodyPr>
+          <a:lstStyle/>
+          <a:p>
+            <a:r>
+              <a:rPr lang="en-US" dirty="0"/>
+              <a:t>MCP JSON</a:t>
+            </a:r>
+          </a:p>
+        </p:txBody>
+      </p:sp>
+      <p:sp>
+        <p:nvSpPr>
+          <p:cNvPr id="27" name="TextBox 26">
+            <a:extLst>
+              <a:ext uri="{FF2B5EF4-FFF2-40B4-BE49-F238E27FC236}">
+                <a16:creationId xmlns:a16="http://schemas.microsoft.com/office/drawing/2014/main" id="{9EDBBC97-E22B-65A1-71AB-33A3F81F59B3}"/>
+              </a:ext>
+            </a:extLst>
+          </p:cNvPr>
+          <p:cNvSpPr txBox="1"/>
+          <p:nvPr/>
+        </p:nvSpPr>
+        <p:spPr>
+          <a:xfrm>
+            <a:off x="6181038" y="3949114"/>
+            <a:ext cx="1245854" cy="369332"/>
+          </a:xfrm>
+          <a:prstGeom prst="rect">
+            <a:avLst/>
+          </a:prstGeom>
+          <a:noFill/>
+        </p:spPr>
+        <p:txBody>
+          <a:bodyPr wrap="none" rtlCol="0">
+            <a:spAutoFit/>
+          </a:bodyPr>
+          <a:lstStyle/>
+          <a:p>
+            <a:r>
+              <a:rPr lang="en-US" dirty="0"/>
+              <a:t>MCP JSON</a:t>
+            </a:r>
+          </a:p>
+        </p:txBody>
+      </p:sp>
+      <p:sp>
+        <p:nvSpPr>
+          <p:cNvPr id="35" name="TextBox 34">
+            <a:extLst>
+              <a:ext uri="{FF2B5EF4-FFF2-40B4-BE49-F238E27FC236}">
+                <a16:creationId xmlns:a16="http://schemas.microsoft.com/office/drawing/2014/main" id="{D320FEBD-36C0-8D70-9A4E-EEB1FA38D849}"/>
+              </a:ext>
+            </a:extLst>
+          </p:cNvPr>
+          <p:cNvSpPr txBox="1"/>
+          <p:nvPr/>
+        </p:nvSpPr>
+        <p:spPr>
+          <a:xfrm>
+            <a:off x="2311818" y="2847662"/>
+            <a:ext cx="701602" cy="369332"/>
+          </a:xfrm>
+          <a:prstGeom prst="rect">
+            <a:avLst/>
+          </a:prstGeom>
+          <a:noFill/>
+        </p:spPr>
+        <p:txBody>
+          <a:bodyPr wrap="none" rtlCol="0">
+            <a:spAutoFit/>
+          </a:bodyPr>
+          <a:lstStyle/>
+          <a:p>
+            <a:r>
+              <a:rPr lang="en-US" dirty="0"/>
+              <a:t>Tools</a:t>
+            </a:r>
+          </a:p>
+        </p:txBody>
+      </p:sp>
+      <p:pic>
+        <p:nvPicPr>
+          <p:cNvPr id="5" name="Picture 4">
+            <a:extLst>
+              <a:ext uri="{FF2B5EF4-FFF2-40B4-BE49-F238E27FC236}">
+                <a16:creationId xmlns:a16="http://schemas.microsoft.com/office/drawing/2014/main" id="{3FF03F5C-2E79-2C44-045C-BEFEF7965C94}"/>
+              </a:ext>
+            </a:extLst>
+          </p:cNvPr>
+          <p:cNvPicPr>
+            <a:picLocks noChangeAspect="1"/>
+          </p:cNvPicPr>
+          <p:nvPr/>
+        </p:nvPicPr>
+        <p:blipFill>
+          <a:blip r:embed="rId3"/>
+          <a:stretch>
+            <a:fillRect/>
+          </a:stretch>
+        </p:blipFill>
+        <p:spPr>
+          <a:xfrm>
+            <a:off x="5048434" y="3763901"/>
+            <a:ext cx="495777" cy="530456"/>
+          </a:xfrm>
+          <a:prstGeom prst="rect">
+            <a:avLst/>
+          </a:prstGeom>
+        </p:spPr>
+      </p:pic>
+      <p:sp>
+        <p:nvSpPr>
+          <p:cNvPr id="6" name="Speech Bubble: Oval 5">
+            <a:extLst>
+              <a:ext uri="{FF2B5EF4-FFF2-40B4-BE49-F238E27FC236}">
+                <a16:creationId xmlns:a16="http://schemas.microsoft.com/office/drawing/2014/main" id="{BC46AE48-23D6-614A-3A38-2949EC2651E3}"/>
               </a:ext>
             </a:extLst>
           </p:cNvPr>
@@ -10088,11 +10769,14 @@
         </p:nvSpPr>
         <p:spPr>
           <a:xfrm>
-            <a:off x="6864439" y="2472744"/>
-            <a:ext cx="1120462" cy="714777"/>
-          </a:xfrm>
-          <a:prstGeom prst="rightArrow">
-            <a:avLst/>
+            <a:off x="245368" y="2243673"/>
+            <a:ext cx="1707538" cy="825500"/>
+          </a:xfrm>
+          <a:prstGeom prst="wedgeEllipseCallout">
+            <a:avLst>
+              <a:gd name="adj1" fmla="val -64925"/>
+              <a:gd name="adj2" fmla="val 65577"/>
+            </a:avLst>
           </a:prstGeom>
         </p:spPr>
         <p:style>
@@ -10116,16 +10800,19 @@
           <a:lstStyle/>
           <a:p>
             <a:pPr algn="ctr"/>
-            <a:endParaRPr lang="en-US"/>
-          </a:p>
-        </p:txBody>
-      </p:sp>
-      <p:sp>
-        <p:nvSpPr>
-          <p:cNvPr id="16" name="TextBox 15">
-            <a:extLst>
-              <a:ext uri="{FF2B5EF4-FFF2-40B4-BE49-F238E27FC236}">
-                <a16:creationId xmlns:a16="http://schemas.microsoft.com/office/drawing/2014/main" id="{4F063A46-B971-6EA3-1D34-1555DA20B385}"/>
+            <a:r>
+              <a:rPr lang="en-US" dirty="0"/>
+              <a:t>Add three and five</a:t>
+            </a:r>
+          </a:p>
+        </p:txBody>
+      </p:sp>
+      <p:sp>
+        <p:nvSpPr>
+          <p:cNvPr id="7" name="TextBox 6">
+            <a:extLst>
+              <a:ext uri="{FF2B5EF4-FFF2-40B4-BE49-F238E27FC236}">
+                <a16:creationId xmlns:a16="http://schemas.microsoft.com/office/drawing/2014/main" id="{C91B72DC-DA05-C75E-3F05-F9FBE174ECC2}"/>
               </a:ext>
             </a:extLst>
           </p:cNvPr>
@@ -10134,8 +10821,8 @@
         </p:nvSpPr>
         <p:spPr>
           <a:xfrm>
-            <a:off x="866105" y="6310047"/>
-            <a:ext cx="6094926" cy="430887"/>
+            <a:off x="9334500" y="3378200"/>
+            <a:ext cx="2018438" cy="1477328"/>
           </a:xfrm>
           <a:prstGeom prst="rect">
             <a:avLst/>
@@ -10143,31 +10830,662 @@
           <a:noFill/>
         </p:spPr>
         <p:txBody>
-          <a:bodyPr wrap="square">
+          <a:bodyPr wrap="none" rtlCol="0">
             <a:spAutoFit/>
           </a:bodyPr>
           <a:lstStyle/>
           <a:p>
             <a:r>
-              <a:rPr lang="en-US" sz="1050" dirty="0">
-                <a:hlinkClick r:id="rId3"/>
-              </a:rPr>
-              <a:t>Deep Dive: Understanding MCP Client-Server Communication with Agent and LLM | by James Tang | Medium</a:t>
-            </a:r>
-            <a:endParaRPr lang="en-US" sz="1050" dirty="0"/>
+              <a:rPr lang="en-US" u="sng" dirty="0"/>
+              <a:t>Your code</a:t>
+            </a:r>
+            <a:r>
+              <a:rPr lang="en-US" dirty="0"/>
+              <a:t> handles</a:t>
+            </a:r>
+            <a:br>
+              <a:rPr lang="en-US" dirty="0"/>
+            </a:br>
+            <a:r>
+              <a:rPr lang="en-US" dirty="0"/>
+              <a:t>the request.</a:t>
+            </a:r>
+          </a:p>
+          <a:p>
+            <a:endParaRPr lang="en-US" dirty="0"/>
+          </a:p>
+          <a:p>
+            <a:r>
+              <a:rPr lang="en-US" dirty="0"/>
+              <a:t>Not the Agent.</a:t>
+            </a:r>
+          </a:p>
+          <a:p>
+            <a:r>
+              <a:rPr lang="en-US" dirty="0"/>
+              <a:t>Not the LLM.</a:t>
+            </a:r>
+          </a:p>
+        </p:txBody>
+      </p:sp>
+      <p:sp>
+        <p:nvSpPr>
+          <p:cNvPr id="2" name="Thought Bubble: Cloud 1">
+            <a:extLst>
+              <a:ext uri="{FF2B5EF4-FFF2-40B4-BE49-F238E27FC236}">
+                <a16:creationId xmlns:a16="http://schemas.microsoft.com/office/drawing/2014/main" id="{1828123C-E18C-6CC3-C12D-F3936FCCC57E}"/>
+              </a:ext>
+            </a:extLst>
+          </p:cNvPr>
+          <p:cNvSpPr/>
+          <p:nvPr/>
+        </p:nvSpPr>
+        <p:spPr>
+          <a:xfrm>
+            <a:off x="3390220" y="1765300"/>
+            <a:ext cx="2705780" cy="1132563"/>
+          </a:xfrm>
+          <a:prstGeom prst="cloudCallout">
+            <a:avLst>
+              <a:gd name="adj1" fmla="val -64456"/>
+              <a:gd name="adj2" fmla="val 58028"/>
+            </a:avLst>
+          </a:prstGeom>
+        </p:spPr>
+        <p:style>
+          <a:lnRef idx="2">
+            <a:schemeClr val="accent1">
+              <a:shade val="15000"/>
+            </a:schemeClr>
+          </a:lnRef>
+          <a:fillRef idx="1">
+            <a:schemeClr val="accent1"/>
+          </a:fillRef>
+          <a:effectRef idx="0">
+            <a:schemeClr val="accent1"/>
+          </a:effectRef>
+          <a:fontRef idx="minor">
+            <a:schemeClr val="lt1"/>
+          </a:fontRef>
+        </p:style>
+        <p:txBody>
+          <a:bodyPr rtlCol="0" anchor="ctr"/>
+          <a:lstStyle/>
+          <a:p>
+            <a:pPr algn="ctr"/>
+            <a:r>
+              <a:rPr lang="en-US" dirty="0"/>
+              <a:t>add(a=3, b=5)</a:t>
+            </a:r>
+          </a:p>
+        </p:txBody>
+      </p:sp>
+      <p:sp>
+        <p:nvSpPr>
+          <p:cNvPr id="3" name="Speech Bubble: Oval 2">
+            <a:extLst>
+              <a:ext uri="{FF2B5EF4-FFF2-40B4-BE49-F238E27FC236}">
+                <a16:creationId xmlns:a16="http://schemas.microsoft.com/office/drawing/2014/main" id="{51DBB913-033C-EA69-89DE-1017BBDFAFD8}"/>
+              </a:ext>
+            </a:extLst>
+          </p:cNvPr>
+          <p:cNvSpPr/>
+          <p:nvPr/>
+        </p:nvSpPr>
+        <p:spPr>
+          <a:xfrm>
+            <a:off x="227480" y="3216994"/>
+            <a:ext cx="1707538" cy="825500"/>
+          </a:xfrm>
+          <a:prstGeom prst="wedgeEllipseCallout">
+            <a:avLst>
+              <a:gd name="adj1" fmla="val -64925"/>
+              <a:gd name="adj2" fmla="val 65577"/>
+            </a:avLst>
+          </a:prstGeom>
+        </p:spPr>
+        <p:style>
+          <a:lnRef idx="2">
+            <a:schemeClr val="accent1">
+              <a:shade val="15000"/>
+            </a:schemeClr>
+          </a:lnRef>
+          <a:fillRef idx="1">
+            <a:schemeClr val="accent1"/>
+          </a:fillRef>
+          <a:effectRef idx="0">
+            <a:schemeClr val="accent1"/>
+          </a:effectRef>
+          <a:fontRef idx="minor">
+            <a:schemeClr val="lt1"/>
+          </a:fontRef>
+        </p:style>
+        <p:txBody>
+          <a:bodyPr rtlCol="0" anchor="ctr"/>
+          <a:lstStyle/>
+          <a:p>
+            <a:pPr algn="ctr"/>
+            <a:r>
+              <a:rPr lang="en-US" dirty="0"/>
+              <a:t>Tools:</a:t>
+            </a:r>
+            <a:br>
+              <a:rPr lang="en-US" dirty="0"/>
+            </a:br>
+            <a:r>
+              <a:rPr lang="en-US" dirty="0"/>
+              <a:t>add(a, b)</a:t>
+            </a:r>
+          </a:p>
+        </p:txBody>
+      </p:sp>
+      <p:sp>
+        <p:nvSpPr>
+          <p:cNvPr id="9" name="Speech Bubble: Oval 8">
+            <a:extLst>
+              <a:ext uri="{FF2B5EF4-FFF2-40B4-BE49-F238E27FC236}">
+                <a16:creationId xmlns:a16="http://schemas.microsoft.com/office/drawing/2014/main" id="{9CCDD9F3-EC66-677F-1F17-53B2BB87C602}"/>
+              </a:ext>
+            </a:extLst>
+          </p:cNvPr>
+          <p:cNvSpPr/>
+          <p:nvPr/>
+        </p:nvSpPr>
+        <p:spPr>
+          <a:xfrm>
+            <a:off x="3191731" y="4059143"/>
+            <a:ext cx="794165" cy="366889"/>
+          </a:xfrm>
+          <a:prstGeom prst="wedgeEllipseCallout">
+            <a:avLst>
+              <a:gd name="adj1" fmla="val -83576"/>
+              <a:gd name="adj2" fmla="val -88570"/>
+            </a:avLst>
+          </a:prstGeom>
+        </p:spPr>
+        <p:style>
+          <a:lnRef idx="2">
+            <a:schemeClr val="accent1">
+              <a:shade val="15000"/>
+            </a:schemeClr>
+          </a:lnRef>
+          <a:fillRef idx="1">
+            <a:schemeClr val="accent1"/>
+          </a:fillRef>
+          <a:effectRef idx="0">
+            <a:schemeClr val="accent1"/>
+          </a:effectRef>
+          <a:fontRef idx="minor">
+            <a:schemeClr val="lt1"/>
+          </a:fontRef>
+        </p:style>
+        <p:txBody>
+          <a:bodyPr rtlCol="0" anchor="ctr"/>
+          <a:lstStyle/>
+          <a:p>
+            <a:pPr algn="ctr"/>
+            <a:r>
+              <a:rPr lang="en-US" dirty="0"/>
+              <a:t>8</a:t>
+            </a:r>
+          </a:p>
+        </p:txBody>
+      </p:sp>
+      <p:sp>
+        <p:nvSpPr>
+          <p:cNvPr id="11" name="Speech Bubble: Rectangle 10">
+            <a:extLst>
+              <a:ext uri="{FF2B5EF4-FFF2-40B4-BE49-F238E27FC236}">
+                <a16:creationId xmlns:a16="http://schemas.microsoft.com/office/drawing/2014/main" id="{A5F9639B-9C4F-1AF4-B743-065AD523D13B}"/>
+              </a:ext>
+            </a:extLst>
+          </p:cNvPr>
+          <p:cNvSpPr/>
+          <p:nvPr/>
+        </p:nvSpPr>
+        <p:spPr>
+          <a:xfrm>
+            <a:off x="9269807" y="2000495"/>
+            <a:ext cx="1625297" cy="897368"/>
+          </a:xfrm>
+          <a:prstGeom prst="wedgeRectCallout">
+            <a:avLst>
+              <a:gd name="adj1" fmla="val -92437"/>
+              <a:gd name="adj2" fmla="val 71051"/>
+            </a:avLst>
+          </a:prstGeom>
+        </p:spPr>
+        <p:style>
+          <a:lnRef idx="2">
+            <a:schemeClr val="accent1">
+              <a:shade val="15000"/>
+            </a:schemeClr>
+          </a:lnRef>
+          <a:fillRef idx="1">
+            <a:schemeClr val="accent1"/>
+          </a:fillRef>
+          <a:effectRef idx="0">
+            <a:schemeClr val="accent1"/>
+          </a:effectRef>
+          <a:fontRef idx="minor">
+            <a:schemeClr val="lt1"/>
+          </a:fontRef>
+        </p:style>
+        <p:txBody>
+          <a:bodyPr rtlCol="0" anchor="ctr"/>
+          <a:lstStyle/>
+          <a:p>
+            <a:r>
+              <a:rPr lang="en-US" dirty="0"/>
+              <a:t>def add(a, b):</a:t>
+            </a:r>
+          </a:p>
+          <a:p>
+            <a:r>
+              <a:rPr lang="en-US" dirty="0"/>
+              <a:t>    return a + b</a:t>
+            </a:r>
+          </a:p>
+        </p:txBody>
+      </p:sp>
+      <p:sp>
+        <p:nvSpPr>
+          <p:cNvPr id="12" name="Arrow: Right 11">
+            <a:extLst>
+              <a:ext uri="{FF2B5EF4-FFF2-40B4-BE49-F238E27FC236}">
+                <a16:creationId xmlns:a16="http://schemas.microsoft.com/office/drawing/2014/main" id="{89626118-11B7-E14E-8EC0-A38127723D2B}"/>
+              </a:ext>
+            </a:extLst>
+          </p:cNvPr>
+          <p:cNvSpPr/>
+          <p:nvPr/>
+        </p:nvSpPr>
+        <p:spPr>
+          <a:xfrm>
+            <a:off x="4010025" y="2918133"/>
+            <a:ext cx="2992581" cy="530456"/>
+          </a:xfrm>
+          <a:prstGeom prst="rightArrow">
+            <a:avLst/>
+          </a:prstGeom>
+        </p:spPr>
+        <p:style>
+          <a:lnRef idx="2">
+            <a:schemeClr val="accent1">
+              <a:shade val="15000"/>
+            </a:schemeClr>
+          </a:lnRef>
+          <a:fillRef idx="1">
+            <a:schemeClr val="accent1"/>
+          </a:fillRef>
+          <a:effectRef idx="0">
+            <a:schemeClr val="accent1"/>
+          </a:effectRef>
+          <a:fontRef idx="minor">
+            <a:schemeClr val="lt1"/>
+          </a:fontRef>
+        </p:style>
+        <p:txBody>
+          <a:bodyPr rtlCol="0" anchor="ctr"/>
+          <a:lstStyle/>
+          <a:p>
+            <a:pPr algn="ctr"/>
+            <a:r>
+              <a:rPr lang="en-US" dirty="0"/>
+              <a:t>add(a=3, b=5)</a:t>
+            </a:r>
+          </a:p>
+        </p:txBody>
+      </p:sp>
+      <p:sp>
+        <p:nvSpPr>
+          <p:cNvPr id="13" name="Arrow: Right 12">
+            <a:extLst>
+              <a:ext uri="{FF2B5EF4-FFF2-40B4-BE49-F238E27FC236}">
+                <a16:creationId xmlns:a16="http://schemas.microsoft.com/office/drawing/2014/main" id="{34988E30-E58E-695C-47B0-39D7FBAF34D5}"/>
+              </a:ext>
+            </a:extLst>
+          </p:cNvPr>
+          <p:cNvSpPr/>
+          <p:nvPr/>
+        </p:nvSpPr>
+        <p:spPr>
+          <a:xfrm flipH="1">
+            <a:off x="3659620" y="5512062"/>
+            <a:ext cx="3527531" cy="530456"/>
+          </a:xfrm>
+          <a:prstGeom prst="rightArrow">
+            <a:avLst/>
+          </a:prstGeom>
+        </p:spPr>
+        <p:style>
+          <a:lnRef idx="2">
+            <a:schemeClr val="accent1">
+              <a:shade val="15000"/>
+            </a:schemeClr>
+          </a:lnRef>
+          <a:fillRef idx="1">
+            <a:schemeClr val="accent1"/>
+          </a:fillRef>
+          <a:effectRef idx="0">
+            <a:schemeClr val="accent1"/>
+          </a:effectRef>
+          <a:fontRef idx="minor">
+            <a:schemeClr val="lt1"/>
+          </a:fontRef>
+        </p:style>
+        <p:txBody>
+          <a:bodyPr rtlCol="0" anchor="ctr"/>
+          <a:lstStyle/>
+          <a:p>
+            <a:pPr algn="ctr"/>
+            <a:r>
+              <a:rPr lang="en-US" dirty="0"/>
+              <a:t>{ result: 8 }</a:t>
+            </a:r>
           </a:p>
         </p:txBody>
       </p:sp>
     </p:spTree>
     <p:extLst>
       <p:ext uri="{BB962C8B-B14F-4D97-AF65-F5344CB8AC3E}">
-        <p14:creationId xmlns:p14="http://schemas.microsoft.com/office/powerpoint/2010/main" val="508213456"/>
+        <p14:creationId xmlns:p14="http://schemas.microsoft.com/office/powerpoint/2010/main" val="761048456"/>
       </p:ext>
     </p:extLst>
   </p:cSld>
   <p:clrMapOvr>
     <a:masterClrMapping/>
   </p:clrMapOvr>
+  <p:timing>
+    <p:tnLst>
+      <p:par>
+        <p:cTn id="1" dur="indefinite" restart="never" nodeType="tmRoot">
+          <p:childTnLst>
+            <p:seq concurrent="1" nextAc="seek">
+              <p:cTn id="2" dur="indefinite" nodeType="mainSeq">
+                <p:childTnLst>
+                  <p:par>
+                    <p:cTn id="3" fill="hold">
+                      <p:stCondLst>
+                        <p:cond delay="indefinite"/>
+                      </p:stCondLst>
+                      <p:childTnLst>
+                        <p:par>
+                          <p:cTn id="4" fill="hold">
+                            <p:stCondLst>
+                              <p:cond delay="0"/>
+                            </p:stCondLst>
+                            <p:childTnLst>
+                              <p:par>
+                                <p:cTn id="5" presetID="1" presetClass="entr" presetSubtype="0" fill="hold" grpId="0" nodeType="clickEffect">
+                                  <p:stCondLst>
+                                    <p:cond delay="0"/>
+                                  </p:stCondLst>
+                                  <p:childTnLst>
+                                    <p:set>
+                                      <p:cBhvr>
+                                        <p:cTn id="6" dur="1" fill="hold">
+                                          <p:stCondLst>
+                                            <p:cond delay="0"/>
+                                          </p:stCondLst>
+                                        </p:cTn>
+                                        <p:tgtEl>
+                                          <p:spTgt spid="6"/>
+                                        </p:tgtEl>
+                                        <p:attrNameLst>
+                                          <p:attrName>style.visibility</p:attrName>
+                                        </p:attrNameLst>
+                                      </p:cBhvr>
+                                      <p:to>
+                                        <p:strVal val="visible"/>
+                                      </p:to>
+                                    </p:set>
+                                  </p:childTnLst>
+                                </p:cTn>
+                              </p:par>
+                              <p:par>
+                                <p:cTn id="7" presetID="1" presetClass="entr" presetSubtype="0" fill="hold" grpId="0" nodeType="withEffect">
+                                  <p:stCondLst>
+                                    <p:cond delay="0"/>
+                                  </p:stCondLst>
+                                  <p:childTnLst>
+                                    <p:set>
+                                      <p:cBhvr>
+                                        <p:cTn id="8" dur="1" fill="hold">
+                                          <p:stCondLst>
+                                            <p:cond delay="0"/>
+                                          </p:stCondLst>
+                                        </p:cTn>
+                                        <p:tgtEl>
+                                          <p:spTgt spid="3"/>
+                                        </p:tgtEl>
+                                        <p:attrNameLst>
+                                          <p:attrName>style.visibility</p:attrName>
+                                        </p:attrNameLst>
+                                      </p:cBhvr>
+                                      <p:to>
+                                        <p:strVal val="visible"/>
+                                      </p:to>
+                                    </p:set>
+                                  </p:childTnLst>
+                                </p:cTn>
+                              </p:par>
+                            </p:childTnLst>
+                          </p:cTn>
+                        </p:par>
+                      </p:childTnLst>
+                    </p:cTn>
+                  </p:par>
+                  <p:par>
+                    <p:cTn id="9" fill="hold">
+                      <p:stCondLst>
+                        <p:cond delay="indefinite"/>
+                      </p:stCondLst>
+                      <p:childTnLst>
+                        <p:par>
+                          <p:cTn id="10" fill="hold">
+                            <p:stCondLst>
+                              <p:cond delay="0"/>
+                            </p:stCondLst>
+                            <p:childTnLst>
+                              <p:par>
+                                <p:cTn id="11" presetID="1" presetClass="entr" presetSubtype="0" fill="hold" grpId="0" nodeType="clickEffect">
+                                  <p:stCondLst>
+                                    <p:cond delay="0"/>
+                                  </p:stCondLst>
+                                  <p:childTnLst>
+                                    <p:set>
+                                      <p:cBhvr>
+                                        <p:cTn id="12" dur="1" fill="hold">
+                                          <p:stCondLst>
+                                            <p:cond delay="0"/>
+                                          </p:stCondLst>
+                                        </p:cTn>
+                                        <p:tgtEl>
+                                          <p:spTgt spid="2"/>
+                                        </p:tgtEl>
+                                        <p:attrNameLst>
+                                          <p:attrName>style.visibility</p:attrName>
+                                        </p:attrNameLst>
+                                      </p:cBhvr>
+                                      <p:to>
+                                        <p:strVal val="visible"/>
+                                      </p:to>
+                                    </p:set>
+                                  </p:childTnLst>
+                                </p:cTn>
+                              </p:par>
+                            </p:childTnLst>
+                          </p:cTn>
+                        </p:par>
+                      </p:childTnLst>
+                    </p:cTn>
+                  </p:par>
+                  <p:par>
+                    <p:cTn id="13" fill="hold">
+                      <p:stCondLst>
+                        <p:cond delay="indefinite"/>
+                      </p:stCondLst>
+                      <p:childTnLst>
+                        <p:par>
+                          <p:cTn id="14" fill="hold">
+                            <p:stCondLst>
+                              <p:cond delay="0"/>
+                            </p:stCondLst>
+                            <p:childTnLst>
+                              <p:par>
+                                <p:cTn id="15" presetID="1" presetClass="entr" presetSubtype="0" fill="hold" grpId="0" nodeType="clickEffect">
+                                  <p:stCondLst>
+                                    <p:cond delay="0"/>
+                                  </p:stCondLst>
+                                  <p:childTnLst>
+                                    <p:set>
+                                      <p:cBhvr>
+                                        <p:cTn id="16" dur="1" fill="hold">
+                                          <p:stCondLst>
+                                            <p:cond delay="0"/>
+                                          </p:stCondLst>
+                                        </p:cTn>
+                                        <p:tgtEl>
+                                          <p:spTgt spid="12"/>
+                                        </p:tgtEl>
+                                        <p:attrNameLst>
+                                          <p:attrName>style.visibility</p:attrName>
+                                        </p:attrNameLst>
+                                      </p:cBhvr>
+                                      <p:to>
+                                        <p:strVal val="visible"/>
+                                      </p:to>
+                                    </p:set>
+                                  </p:childTnLst>
+                                </p:cTn>
+                              </p:par>
+                            </p:childTnLst>
+                          </p:cTn>
+                        </p:par>
+                      </p:childTnLst>
+                    </p:cTn>
+                  </p:par>
+                  <p:par>
+                    <p:cTn id="17" fill="hold">
+                      <p:stCondLst>
+                        <p:cond delay="indefinite"/>
+                      </p:stCondLst>
+                      <p:childTnLst>
+                        <p:par>
+                          <p:cTn id="18" fill="hold">
+                            <p:stCondLst>
+                              <p:cond delay="0"/>
+                            </p:stCondLst>
+                            <p:childTnLst>
+                              <p:par>
+                                <p:cTn id="19" presetID="1" presetClass="entr" presetSubtype="0" fill="hold" grpId="0" nodeType="clickEffect">
+                                  <p:stCondLst>
+                                    <p:cond delay="0"/>
+                                  </p:stCondLst>
+                                  <p:childTnLst>
+                                    <p:set>
+                                      <p:cBhvr>
+                                        <p:cTn id="20" dur="1" fill="hold">
+                                          <p:stCondLst>
+                                            <p:cond delay="0"/>
+                                          </p:stCondLst>
+                                        </p:cTn>
+                                        <p:tgtEl>
+                                          <p:spTgt spid="13"/>
+                                        </p:tgtEl>
+                                        <p:attrNameLst>
+                                          <p:attrName>style.visibility</p:attrName>
+                                        </p:attrNameLst>
+                                      </p:cBhvr>
+                                      <p:to>
+                                        <p:strVal val="visible"/>
+                                      </p:to>
+                                    </p:set>
+                                  </p:childTnLst>
+                                </p:cTn>
+                              </p:par>
+                            </p:childTnLst>
+                          </p:cTn>
+                        </p:par>
+                      </p:childTnLst>
+                    </p:cTn>
+                  </p:par>
+                  <p:par>
+                    <p:cTn id="21" fill="hold">
+                      <p:stCondLst>
+                        <p:cond delay="indefinite"/>
+                      </p:stCondLst>
+                      <p:childTnLst>
+                        <p:par>
+                          <p:cTn id="22" fill="hold">
+                            <p:stCondLst>
+                              <p:cond delay="0"/>
+                            </p:stCondLst>
+                            <p:childTnLst>
+                              <p:par>
+                                <p:cTn id="23" presetID="1" presetClass="entr" presetSubtype="0" fill="hold" grpId="0" nodeType="clickEffect">
+                                  <p:stCondLst>
+                                    <p:cond delay="0"/>
+                                  </p:stCondLst>
+                                  <p:childTnLst>
+                                    <p:set>
+                                      <p:cBhvr>
+                                        <p:cTn id="24" dur="1" fill="hold">
+                                          <p:stCondLst>
+                                            <p:cond delay="0"/>
+                                          </p:stCondLst>
+                                        </p:cTn>
+                                        <p:tgtEl>
+                                          <p:spTgt spid="9"/>
+                                        </p:tgtEl>
+                                        <p:attrNameLst>
+                                          <p:attrName>style.visibility</p:attrName>
+                                        </p:attrNameLst>
+                                      </p:cBhvr>
+                                      <p:to>
+                                        <p:strVal val="visible"/>
+                                      </p:to>
+                                    </p:set>
+                                  </p:childTnLst>
+                                </p:cTn>
+                              </p:par>
+                            </p:childTnLst>
+                          </p:cTn>
+                        </p:par>
+                      </p:childTnLst>
+                    </p:cTn>
+                  </p:par>
+                </p:childTnLst>
+              </p:cTn>
+              <p:prevCondLst>
+                <p:cond evt="onPrev" delay="0">
+                  <p:tgtEl>
+                    <p:sldTgt/>
+                  </p:tgtEl>
+                </p:cond>
+              </p:prevCondLst>
+              <p:nextCondLst>
+                <p:cond evt="onNext" delay="0">
+                  <p:tgtEl>
+                    <p:sldTgt/>
+                  </p:tgtEl>
+                </p:cond>
+              </p:nextCondLst>
+            </p:seq>
+          </p:childTnLst>
+        </p:cTn>
+      </p:par>
+    </p:tnLst>
+    <p:bldLst>
+      <p:bldP spid="6" grpId="0" animBg="1"/>
+      <p:bldP spid="2" grpId="0" animBg="1"/>
+      <p:bldP spid="3" grpId="0" animBg="1"/>
+      <p:bldP spid="9" grpId="0" animBg="1"/>
+      <p:bldP spid="12" grpId="0" animBg="1"/>
+      <p:bldP spid="13" grpId="0" animBg="1"/>
+    </p:bldLst>
+  </p:timing>
 </p:sld>
 </file>
 
@@ -10193,7 +11511,7 @@
           <p:cNvPr id="2" name="Title 1">
             <a:extLst>
               <a:ext uri="{FF2B5EF4-FFF2-40B4-BE49-F238E27FC236}">
-                <a16:creationId xmlns:a16="http://schemas.microsoft.com/office/drawing/2014/main" id="{DE46E33A-F380-3143-7C8D-E956C9D6A359}"/>
+                <a16:creationId xmlns:a16="http://schemas.microsoft.com/office/drawing/2014/main" id="{1D11E668-30CE-45D4-A465-1F60F14ED7CF}"/>
               </a:ext>
             </a:extLst>
           </p:cNvPr>
@@ -10211,54 +11529,17 @@
           <a:p>
             <a:r>
               <a:rPr lang="en-US" dirty="0"/>
-              <a:t>Example of an MCP request from LLM</a:t>
-            </a:r>
-          </a:p>
-        </p:txBody>
-      </p:sp>
-      <p:pic>
-        <p:nvPicPr>
-          <p:cNvPr id="4" name="Picture 3" descr="A cartoon of a rabbit with a brain coming out of a computer screen&#10;&#10;AI-generated content may be incorrect.">
-            <a:extLst>
-              <a:ext uri="{FF2B5EF4-FFF2-40B4-BE49-F238E27FC236}">
-                <a16:creationId xmlns:a16="http://schemas.microsoft.com/office/drawing/2014/main" id="{7073D04A-C241-3F15-B586-9D3460A186D2}"/>
-              </a:ext>
-            </a:extLst>
-          </p:cNvPr>
-          <p:cNvPicPr>
-            <a:picLocks noChangeAspect="1"/>
-          </p:cNvPicPr>
-          <p:nvPr/>
-        </p:nvPicPr>
-        <p:blipFill>
-          <a:blip r:embed="rId2">
-            <a:extLst>
-              <a:ext uri="{28A0092B-C50C-407E-A947-70E740481C1C}">
-                <a14:useLocalDpi xmlns:a14="http://schemas.microsoft.com/office/drawing/2010/main" val="0"/>
-              </a:ext>
-            </a:extLst>
-          </a:blip>
-          <a:srcRect r="55134" b="13804"/>
-          <a:stretch>
-            <a:fillRect/>
-          </a:stretch>
-        </p:blipFill>
-        <p:spPr>
-          <a:xfrm>
-            <a:off x="520701" y="1565383"/>
-            <a:ext cx="3784852" cy="4247317"/>
-          </a:xfrm>
-          <a:prstGeom prst="rect">
-            <a:avLst/>
-          </a:prstGeom>
-        </p:spPr>
-      </p:pic>
-      <p:sp>
-        <p:nvSpPr>
-          <p:cNvPr id="6" name="TextBox 5">
-            <a:extLst>
-              <a:ext uri="{FF2B5EF4-FFF2-40B4-BE49-F238E27FC236}">
-                <a16:creationId xmlns:a16="http://schemas.microsoft.com/office/drawing/2014/main" id="{9345D5A7-7683-859C-E57C-F6D0B34AA514}"/>
+              <a:t>Agent sends Tool Descriptions with Context</a:t>
+            </a:r>
+          </a:p>
+        </p:txBody>
+      </p:sp>
+      <p:sp>
+        <p:nvSpPr>
+          <p:cNvPr id="5" name="TextBox 4">
+            <a:extLst>
+              <a:ext uri="{FF2B5EF4-FFF2-40B4-BE49-F238E27FC236}">
+                <a16:creationId xmlns:a16="http://schemas.microsoft.com/office/drawing/2014/main" id="{6AF4292B-1E6E-0D4B-8F00-C2D02CC4BE7F}"/>
               </a:ext>
             </a:extLst>
           </p:cNvPr>
@@ -10267,78 +11548,8 @@
         </p:nvSpPr>
         <p:spPr>
           <a:xfrm>
-            <a:off x="2320609" y="4547031"/>
-            <a:ext cx="598241" cy="369332"/>
-          </a:xfrm>
-          <a:prstGeom prst="rect">
-            <a:avLst/>
-          </a:prstGeom>
-          <a:noFill/>
-        </p:spPr>
-        <p:txBody>
-          <a:bodyPr wrap="none" rtlCol="0">
-            <a:spAutoFit/>
-          </a:bodyPr>
-          <a:lstStyle/>
-          <a:p>
-            <a:r>
-              <a:rPr lang="en-US" dirty="0"/>
-              <a:t>LLM</a:t>
-            </a:r>
-          </a:p>
-        </p:txBody>
-      </p:sp>
-      <p:sp>
-        <p:nvSpPr>
-          <p:cNvPr id="8" name="TextBox 7">
-            <a:extLst>
-              <a:ext uri="{FF2B5EF4-FFF2-40B4-BE49-F238E27FC236}">
-                <a16:creationId xmlns:a16="http://schemas.microsoft.com/office/drawing/2014/main" id="{F358F8E7-A73B-C749-5CE7-1B77979E9015}"/>
-              </a:ext>
-            </a:extLst>
-          </p:cNvPr>
-          <p:cNvSpPr txBox="1"/>
-          <p:nvPr/>
-        </p:nvSpPr>
-        <p:spPr>
-          <a:xfrm rot="2200018">
-            <a:off x="3178742" y="3429000"/>
-            <a:ext cx="1245854" cy="369332"/>
-          </a:xfrm>
-          <a:prstGeom prst="rect">
-            <a:avLst/>
-          </a:prstGeom>
-          <a:noFill/>
-        </p:spPr>
-        <p:txBody>
-          <a:bodyPr wrap="none" rtlCol="0">
-            <a:spAutoFit/>
-          </a:bodyPr>
-          <a:lstStyle/>
-          <a:p>
-            <a:r>
-              <a:rPr lang="en-US" dirty="0"/>
-              <a:t>MCP JSON</a:t>
-            </a:r>
-          </a:p>
-        </p:txBody>
-      </p:sp>
-      <p:sp>
-        <p:nvSpPr>
-          <p:cNvPr id="11" name="TextBox 10">
-            <a:extLst>
-              <a:ext uri="{FF2B5EF4-FFF2-40B4-BE49-F238E27FC236}">
-                <a16:creationId xmlns:a16="http://schemas.microsoft.com/office/drawing/2014/main" id="{32E16BDD-EDD9-939E-0CD1-C6A654EB7CBB}"/>
-              </a:ext>
-            </a:extLst>
-          </p:cNvPr>
-          <p:cNvSpPr txBox="1"/>
-          <p:nvPr/>
-        </p:nvSpPr>
-        <p:spPr>
-          <a:xfrm>
-            <a:off x="4740032" y="2182470"/>
-            <a:ext cx="6094990" cy="3785652"/>
+            <a:off x="509789" y="1426865"/>
+            <a:ext cx="6142149" cy="4832092"/>
           </a:xfrm>
           <a:prstGeom prst="rect">
             <a:avLst/>
@@ -10357,7 +11568,34 @@
           <a:lstStyle/>
           <a:p>
             <a:r>
-              <a:rPr lang="en-US" sz="2400" b="0" i="0" dirty="0">
+              <a:rPr lang="en-US" sz="1400" b="0" i="0" dirty="0">
+                <a:solidFill>
+                  <a:srgbClr val="C41A16"/>
+                </a:solidFill>
+                <a:effectLst/>
+                <a:latin typeface="source-code-pro"/>
+              </a:rPr>
+              <a:t>"tools"</a:t>
+            </a:r>
+            <a:r>
+              <a:rPr lang="en-US" sz="1400" b="0" i="0" dirty="0">
+                <a:solidFill>
+                  <a:srgbClr val="242424"/>
+                </a:solidFill>
+                <a:effectLst/>
+                <a:latin typeface="source-code-pro"/>
+              </a:rPr>
+              <a:t>: [</a:t>
+            </a:r>
+            <a:br>
+              <a:rPr lang="en-US" sz="1400" dirty="0"/>
+            </a:br>
+            <a:r>
+              <a:rPr lang="en-US" sz="1400" dirty="0"/>
+              <a:t>        </a:t>
+            </a:r>
+            <a:r>
+              <a:rPr lang="en-US" sz="1400" b="0" i="0" dirty="0">
                 <a:solidFill>
                   <a:srgbClr val="242424"/>
                 </a:solidFill>
@@ -10367,24 +11605,24 @@
               <a:t>{</a:t>
             </a:r>
             <a:br>
-              <a:rPr lang="en-US" sz="2400" dirty="0"/>
+              <a:rPr lang="en-US" sz="1400" dirty="0"/>
             </a:br>
             <a:r>
-              <a:rPr lang="en-US" sz="2400" dirty="0"/>
+              <a:rPr lang="en-US" sz="1400" dirty="0"/>
               <a:t>	</a:t>
             </a:r>
             <a:r>
-              <a:rPr lang="en-US" sz="2400" b="0" i="0" dirty="0">
+              <a:rPr lang="en-US" sz="1400" b="0" i="0" dirty="0">
                 <a:solidFill>
-                  <a:srgbClr val="836C28"/>
+                  <a:srgbClr val="C41A16"/>
                 </a:solidFill>
                 <a:effectLst/>
                 <a:latin typeface="source-code-pro"/>
               </a:rPr>
-              <a:t>"method"</a:t>
-            </a:r>
-            <a:r>
-              <a:rPr lang="en-US" sz="2400" b="0" i="0" dirty="0">
+              <a:t>"name"</a:t>
+            </a:r>
+            <a:r>
+              <a:rPr lang="en-US" sz="1400" b="0" i="0" dirty="0">
                 <a:solidFill>
                   <a:srgbClr val="242424"/>
                 </a:solidFill>
@@ -10394,17 +11632,17 @@
               <a:t>: </a:t>
             </a:r>
             <a:r>
-              <a:rPr lang="en-US" sz="2400" b="0" i="0" dirty="0">
+              <a:rPr lang="en-US" sz="1400" b="0" i="0" dirty="0">
                 <a:solidFill>
                   <a:srgbClr val="C41A16"/>
                 </a:solidFill>
                 <a:effectLst/>
                 <a:latin typeface="source-code-pro"/>
               </a:rPr>
-              <a:t>"tools/call"</a:t>
-            </a:r>
-            <a:r>
-              <a:rPr lang="en-US" sz="2400" b="0" i="0" dirty="0">
+              <a:t>"add"</a:t>
+            </a:r>
+            <a:r>
+              <a:rPr lang="en-US" sz="1400" b="0" i="0" dirty="0">
                 <a:solidFill>
                   <a:srgbClr val="242424"/>
                 </a:solidFill>
@@ -10414,24 +11652,91 @@
               <a:t>,</a:t>
             </a:r>
             <a:br>
-              <a:rPr lang="en-US" sz="2400" dirty="0"/>
+              <a:rPr lang="en-US" sz="1400" dirty="0"/>
             </a:br>
             <a:r>
-              <a:rPr lang="en-US" sz="2400" dirty="0"/>
+              <a:rPr lang="en-US" sz="1400" dirty="0"/>
               <a:t>	</a:t>
             </a:r>
             <a:r>
-              <a:rPr lang="en-US" sz="2400" b="0" i="0" dirty="0">
+              <a:rPr lang="en-US" sz="1400" b="0" i="0" dirty="0">
                 <a:solidFill>
-                  <a:srgbClr val="836C28"/>
+                  <a:srgbClr val="C41A16"/>
                 </a:solidFill>
                 <a:effectLst/>
                 <a:latin typeface="source-code-pro"/>
               </a:rPr>
-              <a:t>"params"</a:t>
-            </a:r>
-            <a:r>
-              <a:rPr lang="en-US" sz="2400" b="0" i="0" dirty="0">
+              <a:t>"description"</a:t>
+            </a:r>
+            <a:r>
+              <a:rPr lang="en-US" sz="1400" b="0" i="0" dirty="0">
+                <a:solidFill>
+                  <a:srgbClr val="242424"/>
+                </a:solidFill>
+                <a:effectLst/>
+                <a:latin typeface="source-code-pro"/>
+              </a:rPr>
+              <a:t>: </a:t>
+            </a:r>
+            <a:r>
+              <a:rPr lang="en-US" sz="1400" b="0" i="0" dirty="0">
+                <a:solidFill>
+                  <a:srgbClr val="C41A16"/>
+                </a:solidFill>
+                <a:effectLst/>
+                <a:latin typeface="source-code-pro"/>
+              </a:rPr>
+              <a:t>"Add two numbers"</a:t>
+            </a:r>
+            <a:r>
+              <a:rPr lang="en-US" sz="1400" b="0" i="0" dirty="0">
+                <a:solidFill>
+                  <a:srgbClr val="242424"/>
+                </a:solidFill>
+                <a:effectLst/>
+                <a:latin typeface="source-code-pro"/>
+              </a:rPr>
+              <a:t>,</a:t>
+            </a:r>
+            <a:br>
+              <a:rPr lang="en-US" sz="1400" dirty="0"/>
+            </a:br>
+            <a:r>
+              <a:rPr lang="en-US" sz="1400" dirty="0"/>
+              <a:t>	</a:t>
+            </a:r>
+            <a:r>
+              <a:rPr lang="en-US" sz="1400" b="0" i="0" dirty="0">
+                <a:solidFill>
+                  <a:srgbClr val="C41A16"/>
+                </a:solidFill>
+                <a:effectLst/>
+                <a:latin typeface="source-code-pro"/>
+              </a:rPr>
+              <a:t>"</a:t>
+            </a:r>
+            <a:r>
+              <a:rPr lang="en-US" sz="1400" b="0" i="0" dirty="0" err="1">
+                <a:solidFill>
+                  <a:srgbClr val="C41A16"/>
+                </a:solidFill>
+                <a:effectLst/>
+                <a:latin typeface="source-code-pro"/>
+              </a:rPr>
+              <a:t>inputSchema</a:t>
+            </a:r>
+            <a:r>
+              <a:rPr lang="en-US" sz="1400" b="0" i="0" dirty="0">
+                <a:solidFill>
+                  <a:srgbClr val="C41A16"/>
+                </a:solidFill>
+                <a:effectLst/>
+                <a:latin typeface="source-code-pro"/>
+              </a:rPr>
+              <a:t>"</a:t>
+            </a:r>
+            <a:r>
+              <a:rPr lang="en-US" sz="1400" b="0" i="0" dirty="0">
                 <a:solidFill>
                   <a:srgbClr val="242424"/>
                 </a:solidFill>
@@ -10441,24 +11746,87 @@
               <a:t>: {</a:t>
             </a:r>
             <a:br>
-              <a:rPr lang="en-US" sz="2400" dirty="0"/>
+              <a:rPr lang="en-US" sz="1400" dirty="0"/>
             </a:br>
             <a:r>
-              <a:rPr lang="en-US" sz="2400" dirty="0"/>
+              <a:rPr lang="en-US" sz="1400" dirty="0"/>
               <a:t>		</a:t>
             </a:r>
             <a:r>
-              <a:rPr lang="en-US" sz="2400" b="0" i="0" dirty="0">
+              <a:rPr lang="en-US" sz="1400" b="0" i="0" dirty="0">
                 <a:solidFill>
-                  <a:srgbClr val="836C28"/>
+                  <a:srgbClr val="C41A16"/>
                 </a:solidFill>
                 <a:effectLst/>
                 <a:latin typeface="source-code-pro"/>
               </a:rPr>
-              <a:t>"name"</a:t>
-            </a:r>
-            <a:r>
-              <a:rPr lang="en-US" sz="2400" b="0" i="0" dirty="0">
+              <a:t>"properties"</a:t>
+            </a:r>
+            <a:r>
+              <a:rPr lang="en-US" sz="1400" b="0" i="0" dirty="0">
+                <a:solidFill>
+                  <a:srgbClr val="242424"/>
+                </a:solidFill>
+                <a:effectLst/>
+                <a:latin typeface="source-code-pro"/>
+              </a:rPr>
+              <a:t>: {</a:t>
+            </a:r>
+            <a:br>
+              <a:rPr lang="en-US" sz="1400" dirty="0"/>
+            </a:br>
+            <a:r>
+              <a:rPr lang="en-US" sz="1400" dirty="0"/>
+              <a:t>			</a:t>
+            </a:r>
+            <a:r>
+              <a:rPr lang="en-US" sz="1400" dirty="0">
+                <a:solidFill>
+                  <a:srgbClr val="C41A16"/>
+                </a:solidFill>
+                <a:latin typeface="source-code-pro"/>
+              </a:rPr>
+              <a:t>"</a:t>
+            </a:r>
+            <a:r>
+              <a:rPr lang="en-US" sz="1400" b="0" i="0" dirty="0">
+                <a:solidFill>
+                  <a:srgbClr val="C41A16"/>
+                </a:solidFill>
+                <a:effectLst/>
+                <a:latin typeface="source-code-pro"/>
+              </a:rPr>
+              <a:t>a"</a:t>
+            </a:r>
+            <a:r>
+              <a:rPr lang="en-US" sz="1400" b="0" i="0" dirty="0">
+                <a:solidFill>
+                  <a:srgbClr val="242424"/>
+                </a:solidFill>
+                <a:effectLst/>
+                <a:latin typeface="source-code-pro"/>
+              </a:rPr>
+              <a:t>: {</a:t>
+            </a:r>
+            <a:br>
+              <a:rPr lang="en-US" sz="1400" dirty="0"/>
+            </a:br>
+            <a:r>
+              <a:rPr lang="en-US" sz="1400" dirty="0"/>
+              <a:t>				</a:t>
+            </a:r>
+            <a:r>
+              <a:rPr lang="en-US" sz="1400" b="0" i="0" dirty="0">
+                <a:solidFill>
+                  <a:srgbClr val="C41A16"/>
+                </a:solidFill>
+                <a:effectLst/>
+                <a:latin typeface="source-code-pro"/>
+              </a:rPr>
+              <a:t>"title"</a:t>
+            </a:r>
+            <a:r>
+              <a:rPr lang="en-US" sz="1400" b="0" i="0" dirty="0">
                 <a:solidFill>
                   <a:srgbClr val="242424"/>
                 </a:solidFill>
@@ -10468,17 +11836,26 @@
               <a:t>: </a:t>
             </a:r>
             <a:r>
-              <a:rPr lang="en-US" sz="2400" b="0" i="0" dirty="0">
+              <a:rPr lang="en-US" sz="1400" dirty="0">
+                <a:solidFill>
+                  <a:srgbClr val="C41A16"/>
+                </a:solidFill>
+                <a:latin typeface="source-code-pro"/>
+              </a:rPr>
+              <a:t>"</a:t>
+            </a:r>
+            <a:r>
+              <a:rPr lang="en-US" sz="1400" b="0" i="0" dirty="0">
                 <a:solidFill>
                   <a:srgbClr val="C41A16"/>
                 </a:solidFill>
                 <a:effectLst/>
                 <a:latin typeface="source-code-pro"/>
               </a:rPr>
-              <a:t>"add"</a:t>
-            </a:r>
-            <a:r>
-              <a:rPr lang="en-US" sz="2400" b="0" i="0" dirty="0">
+              <a:t>a"</a:t>
+            </a:r>
+            <a:r>
+              <a:rPr lang="en-US" sz="1400" b="0" i="0" dirty="0">
                 <a:solidFill>
                   <a:srgbClr val="242424"/>
                 </a:solidFill>
@@ -10488,24 +11865,96 @@
               <a:t>,</a:t>
             </a:r>
             <a:br>
-              <a:rPr lang="en-US" sz="2400" dirty="0"/>
+              <a:rPr lang="en-US" sz="1400" dirty="0"/>
             </a:br>
             <a:r>
-              <a:rPr lang="en-US" sz="2400" dirty="0"/>
-              <a:t>		</a:t>
-            </a:r>
-            <a:r>
-              <a:rPr lang="en-US" sz="2400" b="0" i="0" dirty="0">
+              <a:rPr lang="en-US" sz="1400" dirty="0"/>
+              <a:t>				</a:t>
+            </a:r>
+            <a:r>
+              <a:rPr lang="en-US" sz="1400" b="0" i="0" dirty="0">
                 <a:solidFill>
-                  <a:srgbClr val="836C28"/>
+                  <a:srgbClr val="C41A16"/>
                 </a:solidFill>
                 <a:effectLst/>
                 <a:latin typeface="source-code-pro"/>
               </a:rPr>
-              <a:t>"arguments"</a:t>
-            </a:r>
-            <a:r>
-              <a:rPr lang="en-US" sz="2400" b="0" i="0" dirty="0">
+              <a:t>"type"</a:t>
+            </a:r>
+            <a:r>
+              <a:rPr lang="en-US" sz="1400" b="0" i="0" dirty="0">
+                <a:solidFill>
+                  <a:srgbClr val="242424"/>
+                </a:solidFill>
+                <a:effectLst/>
+                <a:latin typeface="source-code-pro"/>
+              </a:rPr>
+              <a:t>: </a:t>
+            </a:r>
+            <a:r>
+              <a:rPr lang="en-US" sz="1400" dirty="0">
+                <a:solidFill>
+                  <a:srgbClr val="C41A16"/>
+                </a:solidFill>
+                <a:latin typeface="source-code-pro"/>
+              </a:rPr>
+              <a:t>"</a:t>
+            </a:r>
+            <a:r>
+              <a:rPr lang="en-US" sz="1400" b="0" i="0" dirty="0">
+                <a:solidFill>
+                  <a:srgbClr val="C41A16"/>
+                </a:solidFill>
+                <a:effectLst/>
+                <a:latin typeface="source-code-pro"/>
+              </a:rPr>
+              <a:t>int"</a:t>
+            </a:r>
+            <a:br>
+              <a:rPr lang="en-US" sz="1400" dirty="0"/>
+            </a:br>
+            <a:r>
+              <a:rPr lang="en-US" sz="1400" dirty="0"/>
+              <a:t>			</a:t>
+            </a:r>
+            <a:r>
+              <a:rPr lang="en-US" sz="1400" b="0" i="0" dirty="0">
+                <a:solidFill>
+                  <a:srgbClr val="242424"/>
+                </a:solidFill>
+                <a:effectLst/>
+                <a:latin typeface="source-code-pro"/>
+              </a:rPr>
+              <a:t>},</a:t>
+            </a:r>
+            <a:br>
+              <a:rPr lang="en-US" sz="1400" dirty="0"/>
+            </a:br>
+            <a:r>
+              <a:rPr lang="en-US" sz="1400" dirty="0"/>
+              <a:t>			</a:t>
+            </a:r>
+            <a:r>
+              <a:rPr lang="en-US" sz="1400" dirty="0">
+                <a:solidFill>
+                  <a:srgbClr val="C41A16"/>
+                </a:solidFill>
+                <a:latin typeface="source-code-pro"/>
+              </a:rPr>
+              <a:t>"</a:t>
+            </a:r>
+            <a:r>
+              <a:rPr lang="en-US" sz="1400" b="0" i="0" dirty="0">
+                <a:solidFill>
+                  <a:srgbClr val="C41A16"/>
+                </a:solidFill>
+                <a:effectLst/>
+                <a:latin typeface="source-code-pro"/>
+              </a:rPr>
+              <a:t>b"</a:t>
+            </a:r>
+            <a:r>
+              <a:rPr lang="en-US" sz="1400" b="0" i="0" dirty="0">
                 <a:solidFill>
                   <a:srgbClr val="242424"/>
                 </a:solidFill>
@@ -10515,24 +11964,24 @@
               <a:t>: {</a:t>
             </a:r>
             <a:br>
-              <a:rPr lang="en-US" sz="2400" dirty="0"/>
+              <a:rPr lang="en-US" sz="1400" dirty="0"/>
             </a:br>
             <a:r>
-              <a:rPr lang="en-US" sz="2400" dirty="0"/>
-              <a:t>			</a:t>
-            </a:r>
-            <a:r>
-              <a:rPr lang="en-US" sz="2400" b="0" i="0" dirty="0">
+              <a:rPr lang="en-US" sz="1400" dirty="0"/>
+              <a:t>				</a:t>
+            </a:r>
+            <a:r>
+              <a:rPr lang="en-US" sz="1400" b="0" i="0" dirty="0">
                 <a:solidFill>
-                  <a:srgbClr val="836C28"/>
+                  <a:srgbClr val="C41A16"/>
                 </a:solidFill>
                 <a:effectLst/>
                 <a:latin typeface="source-code-pro"/>
               </a:rPr>
-              <a:t>“a"</a:t>
-            </a:r>
-            <a:r>
-              <a:rPr lang="en-US" sz="2400" b="0" i="0" dirty="0">
+              <a:t>"title"</a:t>
+            </a:r>
+            <a:r>
+              <a:rPr lang="en-US" sz="1400" b="0" i="0" dirty="0">
                 <a:solidFill>
                   <a:srgbClr val="242424"/>
                 </a:solidFill>
@@ -10542,17 +11991,26 @@
               <a:t>: </a:t>
             </a:r>
             <a:r>
-              <a:rPr lang="en-US" sz="2400" b="0" i="0" dirty="0">
+              <a:rPr lang="en-US" sz="1400" dirty="0">
                 <a:solidFill>
-                  <a:srgbClr val="1C00CF"/>
+                  <a:srgbClr val="C41A16"/>
+                </a:solidFill>
+                <a:latin typeface="source-code-pro"/>
+              </a:rPr>
+              <a:t>"</a:t>
+            </a:r>
+            <a:r>
+              <a:rPr lang="en-US" sz="1400" b="0" i="0" dirty="0">
+                <a:solidFill>
+                  <a:srgbClr val="C41A16"/>
                 </a:solidFill>
                 <a:effectLst/>
                 <a:latin typeface="source-code-pro"/>
               </a:rPr>
-              <a:t>3</a:t>
-            </a:r>
-            <a:r>
-              <a:rPr lang="en-US" sz="2400" b="0" i="0" dirty="0">
+              <a:t>b"</a:t>
+            </a:r>
+            <a:r>
+              <a:rPr lang="en-US" sz="1400" b="0" i="0" dirty="0">
                 <a:solidFill>
                   <a:srgbClr val="242424"/>
                 </a:solidFill>
@@ -10562,24 +12020,24 @@
               <a:t>,</a:t>
             </a:r>
             <a:br>
-              <a:rPr lang="en-US" sz="2400" dirty="0"/>
+              <a:rPr lang="en-US" sz="1400" dirty="0"/>
             </a:br>
             <a:r>
-              <a:rPr lang="en-US" sz="2400" dirty="0"/>
-              <a:t>			</a:t>
-            </a:r>
-            <a:r>
-              <a:rPr lang="en-US" sz="2400" b="0" i="0" dirty="0">
+              <a:rPr lang="en-US" sz="1400" dirty="0"/>
+              <a:t>				</a:t>
+            </a:r>
+            <a:r>
+              <a:rPr lang="en-US" sz="1400" b="0" i="0" dirty="0">
                 <a:solidFill>
-                  <a:srgbClr val="836C28"/>
+                  <a:srgbClr val="C41A16"/>
                 </a:solidFill>
                 <a:effectLst/>
                 <a:latin typeface="source-code-pro"/>
               </a:rPr>
-              <a:t>“b"</a:t>
-            </a:r>
-            <a:r>
-              <a:rPr lang="en-US" sz="2400" b="0" i="0" dirty="0">
+              <a:t>"type"</a:t>
+            </a:r>
+            <a:r>
+              <a:rPr lang="en-US" sz="1400" b="0" i="0" dirty="0">
                 <a:solidFill>
                   <a:srgbClr val="242424"/>
                 </a:solidFill>
@@ -10589,24 +12047,33 @@
               <a:t>: </a:t>
             </a:r>
             <a:r>
-              <a:rPr lang="en-US" sz="2400" b="0" i="0" dirty="0">
+              <a:rPr lang="en-US" sz="1400" dirty="0">
                 <a:solidFill>
-                  <a:srgbClr val="1C00CF"/>
+                  <a:srgbClr val="C41A16"/>
+                </a:solidFill>
+                <a:latin typeface="source-code-pro"/>
+              </a:rPr>
+              <a:t>"</a:t>
+            </a:r>
+            <a:r>
+              <a:rPr lang="en-US" sz="1400" b="0" i="0" dirty="0">
+                <a:solidFill>
+                  <a:srgbClr val="C41A16"/>
                 </a:solidFill>
                 <a:effectLst/>
                 <a:latin typeface="source-code-pro"/>
               </a:rPr>
-              <a:t>5</a:t>
+              <a:t>int"</a:t>
             </a:r>
             <a:br>
-              <a:rPr lang="en-US" sz="2400" dirty="0"/>
+              <a:rPr lang="en-US" sz="1400" dirty="0"/>
             </a:br>
             <a:r>
-              <a:rPr lang="en-US" sz="2400" dirty="0"/>
-              <a:t>		</a:t>
-            </a:r>
-            <a:r>
-              <a:rPr lang="en-US" sz="2400" b="0" i="0" dirty="0">
+              <a:rPr lang="en-US" sz="1400" dirty="0"/>
+              <a:t>			</a:t>
+            </a:r>
+            <a:r>
+              <a:rPr lang="en-US" sz="1400" b="0" i="0" dirty="0">
                 <a:solidFill>
                   <a:srgbClr val="242424"/>
                 </a:solidFill>
@@ -10616,14 +12083,137 @@
               <a:t>}</a:t>
             </a:r>
             <a:br>
-              <a:rPr lang="en-US" sz="2400" dirty="0"/>
+              <a:rPr lang="en-US" sz="1400" dirty="0"/>
             </a:br>
             <a:r>
-              <a:rPr lang="en-US" sz="2400" dirty="0"/>
+              <a:rPr lang="en-US" sz="1400" dirty="0"/>
+              <a:t>		</a:t>
+            </a:r>
+            <a:r>
+              <a:rPr lang="en-US" sz="1400" b="0" i="0" dirty="0">
+                <a:solidFill>
+                  <a:srgbClr val="242424"/>
+                </a:solidFill>
+                <a:effectLst/>
+                <a:latin typeface="source-code-pro"/>
+              </a:rPr>
+              <a:t>},</a:t>
+            </a:r>
+            <a:br>
+              <a:rPr lang="en-US" sz="1400" dirty="0"/>
+            </a:br>
+            <a:r>
+              <a:rPr lang="en-US" sz="1400" dirty="0"/>
+              <a:t>		</a:t>
+            </a:r>
+            <a:r>
+              <a:rPr lang="en-US" sz="1400" b="0" i="0" dirty="0">
+                <a:solidFill>
+                  <a:srgbClr val="C41A16"/>
+                </a:solidFill>
+                <a:effectLst/>
+                <a:latin typeface="source-code-pro"/>
+              </a:rPr>
+              <a:t>"required"</a:t>
+            </a:r>
+            <a:r>
+              <a:rPr lang="en-US" sz="1400" b="0" i="0" dirty="0">
+                <a:solidFill>
+                  <a:srgbClr val="242424"/>
+                </a:solidFill>
+                <a:effectLst/>
+                <a:latin typeface="source-code-pro"/>
+              </a:rPr>
+              <a:t>: [</a:t>
+            </a:r>
+            <a:br>
+              <a:rPr lang="en-US" sz="1400" dirty="0"/>
+            </a:br>
+            <a:r>
+              <a:rPr lang="en-US" sz="1400" dirty="0"/>
+              <a:t>			</a:t>
+            </a:r>
+            <a:r>
+              <a:rPr lang="en-US" sz="1400" dirty="0">
+                <a:solidFill>
+                  <a:srgbClr val="C41A16"/>
+                </a:solidFill>
+                <a:latin typeface="source-code-pro"/>
+              </a:rPr>
+              <a:t>"</a:t>
+            </a:r>
+            <a:r>
+              <a:rPr lang="en-US" sz="1400" b="0" i="0" dirty="0">
+                <a:solidFill>
+                  <a:srgbClr val="C41A16"/>
+                </a:solidFill>
+                <a:effectLst/>
+                <a:latin typeface="source-code-pro"/>
+              </a:rPr>
+              <a:t>a"</a:t>
+            </a:r>
+            <a:r>
+              <a:rPr lang="en-US" sz="1400" b="0" i="0" dirty="0">
+                <a:solidFill>
+                  <a:srgbClr val="242424"/>
+                </a:solidFill>
+                <a:effectLst/>
+                <a:latin typeface="source-code-pro"/>
+              </a:rPr>
+              <a:t>,</a:t>
+            </a:r>
+            <a:br>
+              <a:rPr lang="en-US" sz="1400" dirty="0"/>
+            </a:br>
+            <a:r>
+              <a:rPr lang="en-US" sz="1400" dirty="0"/>
+              <a:t>			</a:t>
+            </a:r>
+            <a:r>
+              <a:rPr lang="en-US" sz="1400" dirty="0">
+                <a:solidFill>
+                  <a:srgbClr val="C41A16"/>
+                </a:solidFill>
+                <a:latin typeface="source-code-pro"/>
+              </a:rPr>
+              <a:t>"</a:t>
+            </a:r>
+            <a:r>
+              <a:rPr lang="en-US" sz="1400" b="0" i="0" dirty="0">
+                <a:solidFill>
+                  <a:srgbClr val="C41A16"/>
+                </a:solidFill>
+                <a:effectLst/>
+                <a:latin typeface="source-code-pro"/>
+              </a:rPr>
+              <a:t>b"</a:t>
+            </a:r>
+            <a:br>
+              <a:rPr lang="en-US" sz="1400" dirty="0"/>
+            </a:br>
+            <a:r>
+              <a:rPr lang="en-US" sz="1400" dirty="0"/>
+              <a:t>		</a:t>
+            </a:r>
+            <a:r>
+              <a:rPr lang="en-US" sz="1400" b="0" i="0" dirty="0">
+                <a:solidFill>
+                  <a:srgbClr val="242424"/>
+                </a:solidFill>
+                <a:effectLst/>
+                <a:latin typeface="source-code-pro"/>
+              </a:rPr>
+              <a:t>]</a:t>
+            </a:r>
+            <a:br>
+              <a:rPr lang="en-US" sz="1400" dirty="0"/>
+            </a:br>
+            <a:r>
+              <a:rPr lang="en-US" sz="1400" dirty="0"/>
               <a:t>	</a:t>
             </a:r>
             <a:r>
-              <a:rPr lang="en-US" sz="2400" b="0" i="0" dirty="0">
+              <a:rPr lang="en-US" sz="1400" b="0" i="0" dirty="0">
                 <a:solidFill>
                   <a:srgbClr val="242424"/>
                 </a:solidFill>
@@ -10633,10 +12223,14 @@
               <a:t>}</a:t>
             </a:r>
             <a:br>
-              <a:rPr lang="en-US" sz="2400" dirty="0"/>
+              <a:rPr lang="en-US" sz="1400" dirty="0"/>
             </a:br>
             <a:r>
-              <a:rPr lang="en-US" sz="2400" b="0" i="0" dirty="0">
+              <a:rPr lang="en-US" sz="1400" dirty="0"/>
+              <a:t>        </a:t>
+            </a:r>
+            <a:r>
+              <a:rPr lang="en-US" sz="1400" b="0" i="0" dirty="0">
                 <a:solidFill>
                   <a:srgbClr val="242424"/>
                 </a:solidFill>
@@ -10645,28 +12239,150 @@
               </a:rPr>
               <a:t>}</a:t>
             </a:r>
-            <a:endParaRPr lang="en-US" sz="2400" dirty="0"/>
-          </a:p>
-        </p:txBody>
-      </p:sp>
-      <p:sp>
-        <p:nvSpPr>
-          <p:cNvPr id="12" name="Left Brace 11">
-            <a:extLst>
-              <a:ext uri="{FF2B5EF4-FFF2-40B4-BE49-F238E27FC236}">
-                <a16:creationId xmlns:a16="http://schemas.microsoft.com/office/drawing/2014/main" id="{4B6D3F5C-EAB4-1CA1-43FE-E5308DB2DF3D}"/>
-              </a:ext>
-            </a:extLst>
-          </p:cNvPr>
-          <p:cNvSpPr/>
+            <a:br>
+              <a:rPr lang="en-US" sz="1400" dirty="0"/>
+            </a:br>
+            <a:r>
+              <a:rPr lang="en-US" sz="1400" b="0" i="0" dirty="0">
+                <a:solidFill>
+                  <a:srgbClr val="242424"/>
+                </a:solidFill>
+                <a:effectLst/>
+                <a:latin typeface="source-code-pro"/>
+              </a:rPr>
+              <a:t>]</a:t>
+            </a:r>
+            <a:endParaRPr lang="en-US" sz="1400" dirty="0"/>
+          </a:p>
+        </p:txBody>
+      </p:sp>
+      <p:pic>
+        <p:nvPicPr>
+          <p:cNvPr id="6" name="Picture 5" descr="A cartoon of a rabbit with a brain coming out of a computer screen&#10;&#10;AI-generated content may be incorrect.">
+            <a:extLst>
+              <a:ext uri="{FF2B5EF4-FFF2-40B4-BE49-F238E27FC236}">
+                <a16:creationId xmlns:a16="http://schemas.microsoft.com/office/drawing/2014/main" id="{3DE864D6-9A11-FAC7-AF42-EC9F8AD94D7B}"/>
+              </a:ext>
+            </a:extLst>
+          </p:cNvPr>
+          <p:cNvPicPr>
+            <a:picLocks noChangeAspect="1"/>
+          </p:cNvPicPr>
           <p:nvPr/>
-        </p:nvSpPr>
+        </p:nvPicPr>
+        <p:blipFill>
+          <a:blip r:embed="rId2">
+            <a:extLst>
+              <a:ext uri="{28A0092B-C50C-407E-A947-70E740481C1C}">
+                <a14:useLocalDpi xmlns:a14="http://schemas.microsoft.com/office/drawing/2010/main" val="0"/>
+              </a:ext>
+            </a:extLst>
+          </a:blip>
+          <a:srcRect l="7852" r="64439"/>
+          <a:stretch>
+            <a:fillRect/>
+          </a:stretch>
+        </p:blipFill>
         <p:spPr>
           <a:xfrm>
-            <a:off x="4305553" y="2182469"/>
-            <a:ext cx="322461" cy="3785651"/>
-          </a:xfrm>
-          <a:prstGeom prst="leftBrace">
+            <a:off x="8062175" y="1426865"/>
+            <a:ext cx="2337515" cy="4927492"/>
+          </a:xfrm>
+          <a:prstGeom prst="rect">
+            <a:avLst/>
+          </a:prstGeom>
+        </p:spPr>
+      </p:pic>
+      <p:sp>
+        <p:nvSpPr>
+          <p:cNvPr id="7" name="TextBox 6">
+            <a:extLst>
+              <a:ext uri="{FF2B5EF4-FFF2-40B4-BE49-F238E27FC236}">
+                <a16:creationId xmlns:a16="http://schemas.microsoft.com/office/drawing/2014/main" id="{97B2179E-D188-7F74-2252-1624F4492B15}"/>
+              </a:ext>
+            </a:extLst>
+          </p:cNvPr>
+          <p:cNvSpPr txBox="1"/>
+          <p:nvPr/>
+        </p:nvSpPr>
+        <p:spPr>
+          <a:xfrm>
+            <a:off x="9171545" y="4408513"/>
+            <a:ext cx="598241" cy="369332"/>
+          </a:xfrm>
+          <a:prstGeom prst="rect">
+            <a:avLst/>
+          </a:prstGeom>
+          <a:noFill/>
+        </p:spPr>
+        <p:txBody>
+          <a:bodyPr wrap="none" rtlCol="0">
+            <a:spAutoFit/>
+          </a:bodyPr>
+          <a:lstStyle/>
+          <a:p>
+            <a:r>
+              <a:rPr lang="en-US" dirty="0"/>
+              <a:t>LLM</a:t>
+            </a:r>
+          </a:p>
+        </p:txBody>
+      </p:sp>
+      <p:sp>
+        <p:nvSpPr>
+          <p:cNvPr id="8" name="TextBox 7">
+            <a:extLst>
+              <a:ext uri="{FF2B5EF4-FFF2-40B4-BE49-F238E27FC236}">
+                <a16:creationId xmlns:a16="http://schemas.microsoft.com/office/drawing/2014/main" id="{6806654C-3E0B-4C25-7577-4784D83A0683}"/>
+              </a:ext>
+            </a:extLst>
+          </p:cNvPr>
+          <p:cNvSpPr txBox="1"/>
+          <p:nvPr/>
+        </p:nvSpPr>
+        <p:spPr>
+          <a:xfrm>
+            <a:off x="9180921" y="2709144"/>
+            <a:ext cx="701602" cy="369332"/>
+          </a:xfrm>
+          <a:prstGeom prst="rect">
+            <a:avLst/>
+          </a:prstGeom>
+          <a:noFill/>
+        </p:spPr>
+        <p:txBody>
+          <a:bodyPr wrap="none" rtlCol="0">
+            <a:spAutoFit/>
+          </a:bodyPr>
+          <a:lstStyle/>
+          <a:p>
+            <a:r>
+              <a:rPr lang="en-US" dirty="0"/>
+              <a:t>Tools</a:t>
+            </a:r>
+          </a:p>
+        </p:txBody>
+      </p:sp>
+      <p:cxnSp>
+        <p:nvCxnSpPr>
+          <p:cNvPr id="10" name="Straight Connector 9">
+            <a:extLst>
+              <a:ext uri="{FF2B5EF4-FFF2-40B4-BE49-F238E27FC236}">
+                <a16:creationId xmlns:a16="http://schemas.microsoft.com/office/drawing/2014/main" id="{56134CD6-7F75-BA7F-9CBC-FEFB205F6359}"/>
+              </a:ext>
+            </a:extLst>
+          </p:cNvPr>
+          <p:cNvCxnSpPr>
+            <a:cxnSpLocks/>
+          </p:cNvCxnSpPr>
+          <p:nvPr/>
+        </p:nvCxnSpPr>
+        <p:spPr>
+          <a:xfrm>
+            <a:off x="6651938" y="1426865"/>
+            <a:ext cx="2646608" cy="1282279"/>
+          </a:xfrm>
+          <a:prstGeom prst="line">
             <a:avLst/>
           </a:prstGeom>
         </p:spPr>
@@ -10684,21 +12400,51 @@
             <a:schemeClr val="tx1"/>
           </a:fontRef>
         </p:style>
-        <p:txBody>
-          <a:bodyPr rtlCol="0" anchor="ctr"/>
-          <a:lstStyle/>
-          <a:p>
-            <a:pPr algn="ctr"/>
-            <a:endParaRPr lang="en-US"/>
-          </a:p>
-        </p:txBody>
-      </p:sp>
-      <p:sp>
-        <p:nvSpPr>
-          <p:cNvPr id="13" name="TextBox 12">
-            <a:extLst>
-              <a:ext uri="{FF2B5EF4-FFF2-40B4-BE49-F238E27FC236}">
-                <a16:creationId xmlns:a16="http://schemas.microsoft.com/office/drawing/2014/main" id="{760CA154-D10D-56AC-A5F3-E713710DC2B8}"/>
+      </p:cxnSp>
+      <p:cxnSp>
+        <p:nvCxnSpPr>
+          <p:cNvPr id="12" name="Straight Connector 11">
+            <a:extLst>
+              <a:ext uri="{FF2B5EF4-FFF2-40B4-BE49-F238E27FC236}">
+                <a16:creationId xmlns:a16="http://schemas.microsoft.com/office/drawing/2014/main" id="{CC5EC403-411C-E647-EB56-827C2E06CF93}"/>
+              </a:ext>
+            </a:extLst>
+          </p:cNvPr>
+          <p:cNvCxnSpPr>
+            <a:cxnSpLocks/>
+          </p:cNvCxnSpPr>
+          <p:nvPr/>
+        </p:nvCxnSpPr>
+        <p:spPr>
+          <a:xfrm flipV="1">
+            <a:off x="6651938" y="3129566"/>
+            <a:ext cx="2646608" cy="3129391"/>
+          </a:xfrm>
+          <a:prstGeom prst="line">
+            <a:avLst/>
+          </a:prstGeom>
+        </p:spPr>
+        <p:style>
+          <a:lnRef idx="2">
+            <a:schemeClr val="accent1"/>
+          </a:lnRef>
+          <a:fillRef idx="0">
+            <a:schemeClr val="accent1"/>
+          </a:fillRef>
+          <a:effectRef idx="1">
+            <a:schemeClr val="accent1"/>
+          </a:effectRef>
+          <a:fontRef idx="minor">
+            <a:schemeClr val="tx1"/>
+          </a:fontRef>
+        </p:style>
+      </p:cxnSp>
+      <p:sp>
+        <p:nvSpPr>
+          <p:cNvPr id="16" name="TextBox 15">
+            <a:extLst>
+              <a:ext uri="{FF2B5EF4-FFF2-40B4-BE49-F238E27FC236}">
+                <a16:creationId xmlns:a16="http://schemas.microsoft.com/office/drawing/2014/main" id="{4F063A46-B971-6EA3-1D34-1555DA20B385}"/>
               </a:ext>
             </a:extLst>
           </p:cNvPr>
@@ -10707,8 +12453,8 @@
         </p:nvSpPr>
         <p:spPr>
           <a:xfrm>
-            <a:off x="4740032" y="5968120"/>
-            <a:ext cx="5908860" cy="646331"/>
+            <a:off x="866105" y="6310047"/>
+            <a:ext cx="6094926" cy="430887"/>
           </a:xfrm>
           <a:prstGeom prst="rect">
             <a:avLst/>
@@ -10716,75 +12462,27 @@
           <a:noFill/>
         </p:spPr>
         <p:txBody>
-          <a:bodyPr wrap="square" rtlCol="0">
+          <a:bodyPr wrap="square">
             <a:spAutoFit/>
           </a:bodyPr>
           <a:lstStyle/>
           <a:p>
-            <a:pPr algn="ctr"/>
-            <a:r>
-              <a:rPr lang="en-US" dirty="0"/>
-              <a:t>The LLM </a:t>
-            </a:r>
-            <a:r>
-              <a:rPr lang="en-US" i="1" dirty="0"/>
-              <a:t>emits</a:t>
-            </a:r>
-            <a:r>
-              <a:rPr lang="en-US" dirty="0"/>
-              <a:t> precise JSON in its response to the Agent.</a:t>
-            </a:r>
-          </a:p>
-          <a:p>
-            <a:pPr algn="ctr"/>
-            <a:r>
-              <a:rPr lang="en-US" dirty="0"/>
-              <a:t>(Nothing can possibly go wrong with this plan)</a:t>
-            </a:r>
-          </a:p>
-        </p:txBody>
-      </p:sp>
-      <p:sp>
-        <p:nvSpPr>
-          <p:cNvPr id="14" name="TextBox 13">
-            <a:extLst>
-              <a:ext uri="{FF2B5EF4-FFF2-40B4-BE49-F238E27FC236}">
-                <a16:creationId xmlns:a16="http://schemas.microsoft.com/office/drawing/2014/main" id="{204DA94F-D312-40F3-A59A-68D2C85C7187}"/>
-              </a:ext>
-            </a:extLst>
-          </p:cNvPr>
-          <p:cNvSpPr txBox="1"/>
-          <p:nvPr/>
-        </p:nvSpPr>
-        <p:spPr>
-          <a:xfrm>
-            <a:off x="2275367" y="2884507"/>
-            <a:ext cx="701602" cy="369332"/>
-          </a:xfrm>
-          <a:prstGeom prst="rect">
-            <a:avLst/>
-          </a:prstGeom>
-          <a:noFill/>
-        </p:spPr>
-        <p:txBody>
-          <a:bodyPr wrap="none" rtlCol="0">
-            <a:spAutoFit/>
-          </a:bodyPr>
-          <a:lstStyle/>
-          <a:p>
-            <a:r>
-              <a:rPr lang="en-US" dirty="0"/>
-              <a:t>Tools</a:t>
-            </a:r>
-          </a:p>
-        </p:txBody>
-      </p:sp>
-      <p:sp>
-        <p:nvSpPr>
-          <p:cNvPr id="7" name="Speech Bubble: Oval 6">
-            <a:extLst>
-              <a:ext uri="{FF2B5EF4-FFF2-40B4-BE49-F238E27FC236}">
-                <a16:creationId xmlns:a16="http://schemas.microsoft.com/office/drawing/2014/main" id="{91623B1E-D183-F0B8-FFAC-B97AABB0D12F}"/>
+            <a:r>
+              <a:rPr lang="en-US" sz="1050" dirty="0">
+                <a:hlinkClick r:id="rId3"/>
+              </a:rPr>
+              <a:t>Deep Dive: Understanding MCP Client-Server Communication with Agent and LLM | by James Tang | Medium</a:t>
+            </a:r>
+            <a:endParaRPr lang="en-US" sz="1050" dirty="0"/>
+          </a:p>
+        </p:txBody>
+      </p:sp>
+      <p:sp>
+        <p:nvSpPr>
+          <p:cNvPr id="3" name="Speech Bubble: Oval 2">
+            <a:extLst>
+              <a:ext uri="{FF2B5EF4-FFF2-40B4-BE49-F238E27FC236}">
+                <a16:creationId xmlns:a16="http://schemas.microsoft.com/office/drawing/2014/main" id="{00AB98CB-1B2C-B96A-FA8B-2057C72573C1}"/>
               </a:ext>
             </a:extLst>
           </p:cNvPr>
@@ -10793,7 +12491,7 @@
         </p:nvSpPr>
         <p:spPr>
           <a:xfrm>
-            <a:off x="245368" y="2243673"/>
+            <a:off x="6972859" y="2481060"/>
             <a:ext cx="1707538" cy="825500"/>
           </a:xfrm>
           <a:prstGeom prst="wedgeEllipseCallout">
@@ -10826,117 +12524,14 @@
             <a:pPr algn="ctr"/>
             <a:r>
               <a:rPr lang="en-US" dirty="0"/>
-              <a:t>Add three and five</a:t>
-            </a:r>
-          </a:p>
-        </p:txBody>
-      </p:sp>
-      <p:pic>
-        <p:nvPicPr>
-          <p:cNvPr id="9" name="Picture 8" descr="A cartoon of a rabbit with a brain coming out of a computer screen&#10;&#10;AI-generated content may be incorrect.">
-            <a:extLst>
-              <a:ext uri="{FF2B5EF4-FFF2-40B4-BE49-F238E27FC236}">
-                <a16:creationId xmlns:a16="http://schemas.microsoft.com/office/drawing/2014/main" id="{3BADDBC4-A6AA-A19B-A91A-CEEAB6DC911D}"/>
-              </a:ext>
-            </a:extLst>
-          </p:cNvPr>
-          <p:cNvPicPr>
-            <a:picLocks noChangeAspect="1"/>
-          </p:cNvPicPr>
-          <p:nvPr/>
-        </p:nvPicPr>
-        <p:blipFill>
-          <a:blip r:embed="rId2">
-            <a:extLst>
-              <a:ext uri="{28A0092B-C50C-407E-A947-70E740481C1C}">
-                <a14:useLocalDpi xmlns:a14="http://schemas.microsoft.com/office/drawing/2010/main" val="0"/>
-              </a:ext>
-            </a:extLst>
-          </a:blip>
-          <a:srcRect l="44796" r="30347"/>
-          <a:stretch>
-            <a:fillRect/>
-          </a:stretch>
-        </p:blipFill>
-        <p:spPr>
-          <a:xfrm>
-            <a:off x="10835022" y="1959083"/>
-            <a:ext cx="1738901" cy="4086225"/>
-          </a:xfrm>
-          <a:prstGeom prst="rect">
-            <a:avLst/>
-          </a:prstGeom>
-        </p:spPr>
-      </p:pic>
-      <p:pic>
-        <p:nvPicPr>
-          <p:cNvPr id="10" name="Picture 9">
-            <a:extLst>
-              <a:ext uri="{FF2B5EF4-FFF2-40B4-BE49-F238E27FC236}">
-                <a16:creationId xmlns:a16="http://schemas.microsoft.com/office/drawing/2014/main" id="{B3767EA8-0367-1EC7-6976-FAB35707B0C6}"/>
-              </a:ext>
-            </a:extLst>
-          </p:cNvPr>
-          <p:cNvPicPr>
-            <a:picLocks noChangeAspect="1"/>
-          </p:cNvPicPr>
-          <p:nvPr/>
-        </p:nvPicPr>
-        <p:blipFill>
-          <a:blip r:embed="rId3"/>
-          <a:stretch>
-            <a:fillRect/>
-          </a:stretch>
-        </p:blipFill>
-        <p:spPr>
-          <a:xfrm>
-            <a:off x="11456584" y="3736967"/>
-            <a:ext cx="495777" cy="530456"/>
-          </a:xfrm>
-          <a:prstGeom prst="rect">
-            <a:avLst/>
-          </a:prstGeom>
-        </p:spPr>
-      </p:pic>
-      <p:sp>
-        <p:nvSpPr>
-          <p:cNvPr id="15" name="TextBox 14">
-            <a:extLst>
-              <a:ext uri="{FF2B5EF4-FFF2-40B4-BE49-F238E27FC236}">
-                <a16:creationId xmlns:a16="http://schemas.microsoft.com/office/drawing/2014/main" id="{14EA9DF3-44F9-3DF4-A8CB-C44BA8D50622}"/>
-              </a:ext>
-            </a:extLst>
-          </p:cNvPr>
-          <p:cNvSpPr txBox="1"/>
-          <p:nvPr/>
-        </p:nvSpPr>
-        <p:spPr>
-          <a:xfrm>
-            <a:off x="10754754" y="4738047"/>
-            <a:ext cx="1501886" cy="646331"/>
-          </a:xfrm>
-          <a:prstGeom prst="rect">
-            <a:avLst/>
-          </a:prstGeom>
-          <a:noFill/>
-        </p:spPr>
-        <p:txBody>
-          <a:bodyPr wrap="none" rtlCol="0">
-            <a:spAutoFit/>
-          </a:bodyPr>
-          <a:lstStyle/>
-          <a:p>
-            <a:pPr algn="ctr"/>
-            <a:r>
-              <a:rPr lang="en-US" dirty="0"/>
-              <a:t>MCP Client</a:t>
-            </a:r>
-          </a:p>
-          <a:p>
-            <a:pPr algn="ctr"/>
-            <a:r>
-              <a:rPr lang="en-US" dirty="0"/>
-              <a:t>(Agent Mode)</a:t>
+              <a:t>Tools:</a:t>
+            </a:r>
+            <a:br>
+              <a:rPr lang="en-US" dirty="0"/>
+            </a:br>
+            <a:r>
+              <a:rPr lang="en-US" dirty="0"/>
+              <a:t>add(a, b)</a:t>
             </a:r>
           </a:p>
         </p:txBody>
@@ -10944,7 +12539,7 @@
     </p:spTree>
     <p:extLst>
       <p:ext uri="{BB962C8B-B14F-4D97-AF65-F5344CB8AC3E}">
-        <p14:creationId xmlns:p14="http://schemas.microsoft.com/office/powerpoint/2010/main" val="745538185"/>
+        <p14:creationId xmlns:p14="http://schemas.microsoft.com/office/powerpoint/2010/main" val="508213456"/>
       </p:ext>
     </p:extLst>
   </p:cSld>
@@ -10959,13 +12554,7 @@
   <p:cSld>
     <p:spTree>
       <p:nvGrpSpPr>
-        <p:cNvPr id="1" name="">
-          <a:extLst>
-            <a:ext uri="{FF2B5EF4-FFF2-40B4-BE49-F238E27FC236}">
-              <a16:creationId xmlns:a16="http://schemas.microsoft.com/office/drawing/2014/main" id="{DC9A4B7B-E6AE-D82D-0146-03405F3D325C}"/>
-            </a:ext>
-          </a:extLst>
-        </p:cNvPr>
+        <p:cNvPr id="1" name=""/>
         <p:cNvGrpSpPr/>
         <p:nvPr/>
       </p:nvGrpSpPr>
@@ -10982,7 +12571,7 @@
           <p:cNvPr id="2" name="Title 1">
             <a:extLst>
               <a:ext uri="{FF2B5EF4-FFF2-40B4-BE49-F238E27FC236}">
-                <a16:creationId xmlns:a16="http://schemas.microsoft.com/office/drawing/2014/main" id="{F089600B-C19C-8D32-9E95-61D65376766E}"/>
+                <a16:creationId xmlns:a16="http://schemas.microsoft.com/office/drawing/2014/main" id="{DE46E33A-F380-3143-7C8D-E956C9D6A359}"/>
               </a:ext>
             </a:extLst>
           </p:cNvPr>
@@ -10995,39 +12584,59 @@
         </p:nvSpPr>
         <p:spPr/>
         <p:txBody>
-          <a:bodyPr>
-            <a:normAutofit/>
-          </a:bodyPr>
-          <a:lstStyle/>
-          <a:p>
-            <a:r>
-              <a:rPr lang="en-US" dirty="0"/>
-              <a:t>Agent Mode passes the JSON to your server.</a:t>
-            </a:r>
-            <a:br>
-              <a:rPr lang="en-US" dirty="0"/>
-            </a:br>
-            <a:r>
-              <a:rPr lang="en-US" dirty="0"/>
-              <a:t>Now you just need to </a:t>
-            </a:r>
-            <a:r>
-              <a:rPr lang="en-US" u="sng" dirty="0"/>
-              <a:t>act</a:t>
-            </a:r>
-            <a:r>
-              <a:rPr lang="en-US" dirty="0"/>
-              <a:t> on it.</a:t>
-            </a:r>
-          </a:p>
-        </p:txBody>
-      </p:sp>
-      <p:sp>
-        <p:nvSpPr>
-          <p:cNvPr id="11" name="TextBox 10">
-            <a:extLst>
-              <a:ext uri="{FF2B5EF4-FFF2-40B4-BE49-F238E27FC236}">
-                <a16:creationId xmlns:a16="http://schemas.microsoft.com/office/drawing/2014/main" id="{70693631-32BA-EBDA-95C4-6B8A3DF79EF1}"/>
+          <a:bodyPr/>
+          <a:lstStyle/>
+          <a:p>
+            <a:r>
+              <a:rPr lang="en-US" dirty="0"/>
+              <a:t>MCP Request object from LLM</a:t>
+            </a:r>
+          </a:p>
+        </p:txBody>
+      </p:sp>
+      <p:pic>
+        <p:nvPicPr>
+          <p:cNvPr id="4" name="Picture 3" descr="A cartoon of a rabbit with a brain coming out of a computer screen&#10;&#10;AI-generated content may be incorrect.">
+            <a:extLst>
+              <a:ext uri="{FF2B5EF4-FFF2-40B4-BE49-F238E27FC236}">
+                <a16:creationId xmlns:a16="http://schemas.microsoft.com/office/drawing/2014/main" id="{7073D04A-C241-3F15-B586-9D3460A186D2}"/>
+              </a:ext>
+            </a:extLst>
+          </p:cNvPr>
+          <p:cNvPicPr>
+            <a:picLocks noChangeAspect="1"/>
+          </p:cNvPicPr>
+          <p:nvPr/>
+        </p:nvPicPr>
+        <p:blipFill>
+          <a:blip r:embed="rId2">
+            <a:extLst>
+              <a:ext uri="{28A0092B-C50C-407E-A947-70E740481C1C}">
+                <a14:useLocalDpi xmlns:a14="http://schemas.microsoft.com/office/drawing/2010/main" val="0"/>
+              </a:ext>
+            </a:extLst>
+          </a:blip>
+          <a:srcRect r="55134" b="13804"/>
+          <a:stretch>
+            <a:fillRect/>
+          </a:stretch>
+        </p:blipFill>
+        <p:spPr>
+          <a:xfrm>
+            <a:off x="520701" y="1565383"/>
+            <a:ext cx="3784852" cy="4247317"/>
+          </a:xfrm>
+          <a:prstGeom prst="rect">
+            <a:avLst/>
+          </a:prstGeom>
+        </p:spPr>
+      </p:pic>
+      <p:sp>
+        <p:nvSpPr>
+          <p:cNvPr id="6" name="TextBox 5">
+            <a:extLst>
+              <a:ext uri="{FF2B5EF4-FFF2-40B4-BE49-F238E27FC236}">
+                <a16:creationId xmlns:a16="http://schemas.microsoft.com/office/drawing/2014/main" id="{9345D5A7-7683-859C-E57C-F6D0B34AA514}"/>
               </a:ext>
             </a:extLst>
           </p:cNvPr>
@@ -11036,7 +12645,77 @@
         </p:nvSpPr>
         <p:spPr>
           <a:xfrm>
-            <a:off x="2369536" y="1871659"/>
+            <a:off x="2320609" y="4547031"/>
+            <a:ext cx="598241" cy="369332"/>
+          </a:xfrm>
+          <a:prstGeom prst="rect">
+            <a:avLst/>
+          </a:prstGeom>
+          <a:noFill/>
+        </p:spPr>
+        <p:txBody>
+          <a:bodyPr wrap="none" rtlCol="0">
+            <a:spAutoFit/>
+          </a:bodyPr>
+          <a:lstStyle/>
+          <a:p>
+            <a:r>
+              <a:rPr lang="en-US" dirty="0"/>
+              <a:t>LLM</a:t>
+            </a:r>
+          </a:p>
+        </p:txBody>
+      </p:sp>
+      <p:sp>
+        <p:nvSpPr>
+          <p:cNvPr id="8" name="TextBox 7">
+            <a:extLst>
+              <a:ext uri="{FF2B5EF4-FFF2-40B4-BE49-F238E27FC236}">
+                <a16:creationId xmlns:a16="http://schemas.microsoft.com/office/drawing/2014/main" id="{F358F8E7-A73B-C749-5CE7-1B77979E9015}"/>
+              </a:ext>
+            </a:extLst>
+          </p:cNvPr>
+          <p:cNvSpPr txBox="1"/>
+          <p:nvPr/>
+        </p:nvSpPr>
+        <p:spPr>
+          <a:xfrm rot="2200018">
+            <a:off x="3178742" y="3429000"/>
+            <a:ext cx="1245854" cy="369332"/>
+          </a:xfrm>
+          <a:prstGeom prst="rect">
+            <a:avLst/>
+          </a:prstGeom>
+          <a:noFill/>
+        </p:spPr>
+        <p:txBody>
+          <a:bodyPr wrap="none" rtlCol="0">
+            <a:spAutoFit/>
+          </a:bodyPr>
+          <a:lstStyle/>
+          <a:p>
+            <a:r>
+              <a:rPr lang="en-US" dirty="0"/>
+              <a:t>MCP JSON</a:t>
+            </a:r>
+          </a:p>
+        </p:txBody>
+      </p:sp>
+      <p:sp>
+        <p:nvSpPr>
+          <p:cNvPr id="11" name="TextBox 10">
+            <a:extLst>
+              <a:ext uri="{FF2B5EF4-FFF2-40B4-BE49-F238E27FC236}">
+                <a16:creationId xmlns:a16="http://schemas.microsoft.com/office/drawing/2014/main" id="{32E16BDD-EDD9-939E-0CD1-C6A654EB7CBB}"/>
+              </a:ext>
+            </a:extLst>
+          </p:cNvPr>
+          <p:cNvSpPr txBox="1"/>
+          <p:nvPr/>
+        </p:nvSpPr>
+        <p:spPr>
+          <a:xfrm>
+            <a:off x="4740032" y="2182470"/>
             <a:ext cx="6094990" cy="3785652"/>
           </a:xfrm>
           <a:prstGeom prst="rect">
@@ -11221,6 +12900,15 @@
               <a:t>			</a:t>
             </a:r>
             <a:r>
+              <a:rPr lang="en-US" sz="2400" dirty="0">
+                <a:solidFill>
+                  <a:srgbClr val="836C28"/>
+                </a:solidFill>
+                <a:latin typeface="source-code-pro"/>
+              </a:rPr>
+              <a:t>"</a:t>
+            </a:r>
+            <a:r>
               <a:rPr lang="en-US" sz="2400" b="0" i="0" dirty="0">
                 <a:solidFill>
                   <a:srgbClr val="836C28"/>
@@ -11228,7 +12916,7 @@
                 <a:effectLst/>
                 <a:latin typeface="source-code-pro"/>
               </a:rPr>
-              <a:t>“a"</a:t>
+              <a:t>a"</a:t>
             </a:r>
             <a:r>
               <a:rPr lang="en-US" sz="2400" b="0" i="0" dirty="0">
@@ -11268,6 +12956,15 @@
               <a:t>			</a:t>
             </a:r>
             <a:r>
+              <a:rPr lang="en-US" sz="2400" dirty="0">
+                <a:solidFill>
+                  <a:srgbClr val="836C28"/>
+                </a:solidFill>
+                <a:latin typeface="source-code-pro"/>
+              </a:rPr>
+              <a:t>"</a:t>
+            </a:r>
+            <a:r>
               <a:rPr lang="en-US" sz="2400" b="0" i="0" dirty="0">
                 <a:solidFill>
                   <a:srgbClr val="836C28"/>
@@ -11275,7 +12972,7 @@
                 <a:effectLst/>
                 <a:latin typeface="source-code-pro"/>
               </a:rPr>
-              <a:t>“b"</a:t>
+              <a:t>b"</a:t>
             </a:r>
             <a:r>
               <a:rPr lang="en-US" sz="2400" b="0" i="0" dirty="0">
@@ -11348,135 +13045,12 @@
           </a:p>
         </p:txBody>
       </p:sp>
-      <p:pic>
-        <p:nvPicPr>
-          <p:cNvPr id="3" name="Picture 2" descr="A cartoon of a rabbit with a brain coming out of a computer screen&#10;&#10;AI-generated content may be incorrect.">
-            <a:extLst>
-              <a:ext uri="{FF2B5EF4-FFF2-40B4-BE49-F238E27FC236}">
-                <a16:creationId xmlns:a16="http://schemas.microsoft.com/office/drawing/2014/main" id="{556483FF-D4C5-3047-05DC-75AE35502D7C}"/>
-              </a:ext>
-            </a:extLst>
-          </p:cNvPr>
-          <p:cNvPicPr>
-            <a:picLocks noChangeAspect="1"/>
-          </p:cNvPicPr>
-          <p:nvPr/>
-        </p:nvPicPr>
-        <p:blipFill>
-          <a:blip r:embed="rId2">
-            <a:extLst>
-              <a:ext uri="{28A0092B-C50C-407E-A947-70E740481C1C}">
-                <a14:useLocalDpi xmlns:a14="http://schemas.microsoft.com/office/drawing/2010/main" val="0"/>
-              </a:ext>
-            </a:extLst>
-          </a:blip>
-          <a:srcRect l="68286" t="7045"/>
-          <a:stretch>
-            <a:fillRect/>
-          </a:stretch>
-        </p:blipFill>
-        <p:spPr>
-          <a:xfrm>
-            <a:off x="8913432" y="1545465"/>
-            <a:ext cx="2675329" cy="4580362"/>
-          </a:xfrm>
-          <a:prstGeom prst="rect">
-            <a:avLst/>
-          </a:prstGeom>
-        </p:spPr>
-      </p:pic>
-      <p:sp>
-        <p:nvSpPr>
-          <p:cNvPr id="5" name="TextBox 4">
-            <a:extLst>
-              <a:ext uri="{FF2B5EF4-FFF2-40B4-BE49-F238E27FC236}">
-                <a16:creationId xmlns:a16="http://schemas.microsoft.com/office/drawing/2014/main" id="{A1E0D41A-BE6C-8D35-2A10-FD8E42549955}"/>
-              </a:ext>
-            </a:extLst>
-          </p:cNvPr>
-          <p:cNvSpPr txBox="1"/>
-          <p:nvPr/>
-        </p:nvSpPr>
-        <p:spPr>
-          <a:xfrm>
-            <a:off x="10059150" y="4549315"/>
-            <a:ext cx="1340047" cy="646331"/>
-          </a:xfrm>
-          <a:prstGeom prst="rect">
-            <a:avLst/>
-          </a:prstGeom>
-          <a:noFill/>
-        </p:spPr>
-        <p:txBody>
-          <a:bodyPr wrap="none" rtlCol="0">
-            <a:spAutoFit/>
-          </a:bodyPr>
-          <a:lstStyle/>
-          <a:p>
-            <a:pPr algn="ctr"/>
-            <a:r>
-              <a:rPr lang="en-US" dirty="0"/>
-              <a:t>MCP Server</a:t>
-            </a:r>
-          </a:p>
-          <a:p>
-            <a:pPr algn="ctr"/>
-            <a:r>
-              <a:rPr lang="en-US" dirty="0"/>
-              <a:t>(</a:t>
-            </a:r>
-            <a:r>
-              <a:rPr lang="en-US" u="sng" dirty="0"/>
-              <a:t>your</a:t>
-            </a:r>
-            <a:r>
-              <a:rPr lang="en-US" dirty="0"/>
-              <a:t> code)</a:t>
-            </a:r>
-          </a:p>
-        </p:txBody>
-      </p:sp>
-      <p:sp>
-        <p:nvSpPr>
-          <p:cNvPr id="7" name="TextBox 6">
-            <a:extLst>
-              <a:ext uri="{FF2B5EF4-FFF2-40B4-BE49-F238E27FC236}">
-                <a16:creationId xmlns:a16="http://schemas.microsoft.com/office/drawing/2014/main" id="{22847707-8E3B-7A52-6B30-47292F3960C4}"/>
-              </a:ext>
-            </a:extLst>
-          </p:cNvPr>
-          <p:cNvSpPr txBox="1"/>
-          <p:nvPr/>
-        </p:nvSpPr>
-        <p:spPr>
-          <a:xfrm>
-            <a:off x="8813296" y="3582066"/>
-            <a:ext cx="1245854" cy="369332"/>
-          </a:xfrm>
-          <a:prstGeom prst="rect">
-            <a:avLst/>
-          </a:prstGeom>
-          <a:noFill/>
-        </p:spPr>
-        <p:txBody>
-          <a:bodyPr wrap="none" rtlCol="0">
-            <a:spAutoFit/>
-          </a:bodyPr>
-          <a:lstStyle/>
-          <a:p>
-            <a:r>
-              <a:rPr lang="en-US" dirty="0"/>
-              <a:t>MCP JSON</a:t>
-            </a:r>
-          </a:p>
-        </p:txBody>
-      </p:sp>
-      <p:sp>
-        <p:nvSpPr>
-          <p:cNvPr id="9" name="Left Brace 8">
-            <a:extLst>
-              <a:ext uri="{FF2B5EF4-FFF2-40B4-BE49-F238E27FC236}">
-                <a16:creationId xmlns:a16="http://schemas.microsoft.com/office/drawing/2014/main" id="{74D5E888-D2CF-C9EF-8527-C8AE53AD5A89}"/>
+      <p:sp>
+        <p:nvSpPr>
+          <p:cNvPr id="12" name="Left Brace 11">
+            <a:extLst>
+              <a:ext uri="{FF2B5EF4-FFF2-40B4-BE49-F238E27FC236}">
+                <a16:creationId xmlns:a16="http://schemas.microsoft.com/office/drawing/2014/main" id="{4B6D3F5C-EAB4-1CA1-43FE-E5308DB2DF3D}"/>
               </a:ext>
             </a:extLst>
           </p:cNvPr>
@@ -11484,9 +13058,9 @@
           <p:nvPr/>
         </p:nvSpPr>
         <p:spPr>
-          <a:xfrm flipH="1">
-            <a:off x="8502148" y="1892532"/>
-            <a:ext cx="311147" cy="3743906"/>
+          <a:xfrm>
+            <a:off x="4305553" y="2182469"/>
+            <a:ext cx="322461" cy="3785651"/>
           </a:xfrm>
           <a:prstGeom prst="leftBrace">
             <a:avLst/>
@@ -11517,10 +13091,10 @@
       </p:sp>
       <p:sp>
         <p:nvSpPr>
-          <p:cNvPr id="4" name="TextBox 3">
-            <a:extLst>
-              <a:ext uri="{FF2B5EF4-FFF2-40B4-BE49-F238E27FC236}">
-                <a16:creationId xmlns:a16="http://schemas.microsoft.com/office/drawing/2014/main" id="{A438EDCA-ACCA-02DE-1372-A1A2591ABCFB}"/>
+          <p:cNvPr id="13" name="TextBox 12">
+            <a:extLst>
+              <a:ext uri="{FF2B5EF4-FFF2-40B4-BE49-F238E27FC236}">
+                <a16:creationId xmlns:a16="http://schemas.microsoft.com/office/drawing/2014/main" id="{760CA154-D10D-56AC-A5F3-E713710DC2B8}"/>
               </a:ext>
             </a:extLst>
           </p:cNvPr>
@@ -11529,8 +13103,8 @@
         </p:nvSpPr>
         <p:spPr>
           <a:xfrm>
-            <a:off x="2920065" y="5838282"/>
-            <a:ext cx="4993931" cy="369332"/>
+            <a:off x="4740032" y="5968120"/>
+            <a:ext cx="5908860" cy="646331"/>
           </a:xfrm>
           <a:prstGeom prst="rect">
             <a:avLst/>
@@ -11538,6 +13112,57 @@
           <a:noFill/>
         </p:spPr>
         <p:txBody>
+          <a:bodyPr wrap="square" rtlCol="0">
+            <a:spAutoFit/>
+          </a:bodyPr>
+          <a:lstStyle/>
+          <a:p>
+            <a:pPr algn="ctr"/>
+            <a:r>
+              <a:rPr lang="en-US" dirty="0"/>
+              <a:t>The LLM </a:t>
+            </a:r>
+            <a:r>
+              <a:rPr lang="en-US" i="1" dirty="0"/>
+              <a:t>emits</a:t>
+            </a:r>
+            <a:r>
+              <a:rPr lang="en-US" dirty="0"/>
+              <a:t> precise JSON in its response to the Agent.</a:t>
+            </a:r>
+          </a:p>
+          <a:p>
+            <a:pPr algn="ctr"/>
+            <a:r>
+              <a:rPr lang="en-US" dirty="0"/>
+              <a:t>(Nothing can possibly go wrong with this plan)</a:t>
+            </a:r>
+          </a:p>
+        </p:txBody>
+      </p:sp>
+      <p:sp>
+        <p:nvSpPr>
+          <p:cNvPr id="14" name="TextBox 13">
+            <a:extLst>
+              <a:ext uri="{FF2B5EF4-FFF2-40B4-BE49-F238E27FC236}">
+                <a16:creationId xmlns:a16="http://schemas.microsoft.com/office/drawing/2014/main" id="{204DA94F-D312-40F3-A59A-68D2C85C7187}"/>
+              </a:ext>
+            </a:extLst>
+          </p:cNvPr>
+          <p:cNvSpPr txBox="1"/>
+          <p:nvPr/>
+        </p:nvSpPr>
+        <p:spPr>
+          <a:xfrm>
+            <a:off x="2275367" y="2884507"/>
+            <a:ext cx="701602" cy="369332"/>
+          </a:xfrm>
+          <a:prstGeom prst="rect">
+            <a:avLst/>
+          </a:prstGeom>
+          <a:noFill/>
+        </p:spPr>
+        <p:txBody>
           <a:bodyPr wrap="none" rtlCol="0">
             <a:spAutoFit/>
           </a:bodyPr>
@@ -11545,17 +13170,17 @@
           <a:p>
             <a:r>
               <a:rPr lang="en-US" dirty="0"/>
-              <a:t>This has reduced to a very ordinary web-dev task.</a:t>
+              <a:t>Tools</a:t>
             </a:r>
           </a:p>
         </p:txBody>
       </p:sp>
       <p:pic>
         <p:nvPicPr>
-          <p:cNvPr id="8" name="Picture 7" descr="A cartoon of a rabbit with a brain coming out of a computer screen&#10;&#10;AI-generated content may be incorrect.">
-            <a:extLst>
-              <a:ext uri="{FF2B5EF4-FFF2-40B4-BE49-F238E27FC236}">
-                <a16:creationId xmlns:a16="http://schemas.microsoft.com/office/drawing/2014/main" id="{2C95E9BE-22D0-C6CC-39F5-72BECC7F773B}"/>
+          <p:cNvPr id="9" name="Picture 8" descr="A cartoon of a rabbit with a brain coming out of a computer screen&#10;&#10;AI-generated content may be incorrect.">
+            <a:extLst>
+              <a:ext uri="{FF2B5EF4-FFF2-40B4-BE49-F238E27FC236}">
+                <a16:creationId xmlns:a16="http://schemas.microsoft.com/office/drawing/2014/main" id="{3BADDBC4-A6AA-A19B-A91A-CEEAB6DC911D}"/>
               </a:ext>
             </a:extLst>
           </p:cNvPr>
@@ -11572,105 +13197,27 @@
               </a:ext>
             </a:extLst>
           </a:blip>
-          <a:srcRect l="44796" r="19998"/>
+          <a:srcRect l="44796" r="30347"/>
           <a:stretch>
             <a:fillRect/>
           </a:stretch>
         </p:blipFill>
         <p:spPr>
           <a:xfrm>
-            <a:off x="-233951" y="1792533"/>
-            <a:ext cx="2462846" cy="4086225"/>
+            <a:off x="10835022" y="1959083"/>
+            <a:ext cx="1738901" cy="4086225"/>
           </a:xfrm>
           <a:prstGeom prst="rect">
             <a:avLst/>
           </a:prstGeom>
         </p:spPr>
       </p:pic>
-      <p:sp>
-        <p:nvSpPr>
-          <p:cNvPr id="10" name="TextBox 9">
-            <a:extLst>
-              <a:ext uri="{FF2B5EF4-FFF2-40B4-BE49-F238E27FC236}">
-                <a16:creationId xmlns:a16="http://schemas.microsoft.com/office/drawing/2014/main" id="{1008050C-4B36-540F-0BA3-D4270782D7AA}"/>
-              </a:ext>
-            </a:extLst>
-          </p:cNvPr>
-          <p:cNvSpPr txBox="1"/>
-          <p:nvPr/>
-        </p:nvSpPr>
-        <p:spPr>
-          <a:xfrm>
-            <a:off x="-147704" y="4549314"/>
-            <a:ext cx="1501886" cy="646331"/>
-          </a:xfrm>
-          <a:prstGeom prst="rect">
-            <a:avLst/>
-          </a:prstGeom>
-          <a:noFill/>
-        </p:spPr>
-        <p:txBody>
-          <a:bodyPr wrap="none" rtlCol="0">
-            <a:spAutoFit/>
-          </a:bodyPr>
-          <a:lstStyle/>
-          <a:p>
-            <a:pPr algn="ctr"/>
-            <a:r>
-              <a:rPr lang="en-US" dirty="0"/>
-              <a:t>MCP Client</a:t>
-            </a:r>
-          </a:p>
-          <a:p>
-            <a:pPr algn="ctr"/>
-            <a:r>
-              <a:rPr lang="en-US" dirty="0"/>
-              <a:t>(Agent Mode)</a:t>
-            </a:r>
-          </a:p>
-        </p:txBody>
-      </p:sp>
-      <p:sp>
-        <p:nvSpPr>
-          <p:cNvPr id="15" name="TextBox 14">
-            <a:extLst>
-              <a:ext uri="{FF2B5EF4-FFF2-40B4-BE49-F238E27FC236}">
-                <a16:creationId xmlns:a16="http://schemas.microsoft.com/office/drawing/2014/main" id="{388E9E91-85DE-78BD-2010-70F9BA442AA5}"/>
-              </a:ext>
-            </a:extLst>
-          </p:cNvPr>
-          <p:cNvSpPr txBox="1"/>
-          <p:nvPr/>
-        </p:nvSpPr>
-        <p:spPr>
-          <a:xfrm>
-            <a:off x="1354182" y="3681535"/>
-            <a:ext cx="1245854" cy="369332"/>
-          </a:xfrm>
-          <a:prstGeom prst="rect">
-            <a:avLst/>
-          </a:prstGeom>
-          <a:noFill/>
-        </p:spPr>
-        <p:txBody>
-          <a:bodyPr wrap="none" rtlCol="0">
-            <a:spAutoFit/>
-          </a:bodyPr>
-          <a:lstStyle/>
-          <a:p>
-            <a:r>
-              <a:rPr lang="en-US" dirty="0"/>
-              <a:t>MCP JSON</a:t>
-            </a:r>
-          </a:p>
-        </p:txBody>
-      </p:sp>
       <p:pic>
         <p:nvPicPr>
-          <p:cNvPr id="17" name="Picture 16">
-            <a:extLst>
-              <a:ext uri="{FF2B5EF4-FFF2-40B4-BE49-F238E27FC236}">
-                <a16:creationId xmlns:a16="http://schemas.microsoft.com/office/drawing/2014/main" id="{BC9801C7-5AE5-D3C9-BA5A-C25C0FAF5815}"/>
+          <p:cNvPr id="10" name="Picture 9">
+            <a:extLst>
+              <a:ext uri="{FF2B5EF4-FFF2-40B4-BE49-F238E27FC236}">
+                <a16:creationId xmlns:a16="http://schemas.microsoft.com/office/drawing/2014/main" id="{B3767EA8-0367-1EC7-6976-FAB35707B0C6}"/>
               </a:ext>
             </a:extLst>
           </p:cNvPr>
@@ -11687,7 +13234,7 @@
         </p:blipFill>
         <p:spPr>
           <a:xfrm>
-            <a:off x="312227" y="3570417"/>
+            <a:off x="11456584" y="3736967"/>
             <a:ext cx="495777" cy="530456"/>
           </a:xfrm>
           <a:prstGeom prst="rect">
@@ -11695,10 +13242,102 @@
           </a:prstGeom>
         </p:spPr>
       </p:pic>
+      <p:sp>
+        <p:nvSpPr>
+          <p:cNvPr id="15" name="TextBox 14">
+            <a:extLst>
+              <a:ext uri="{FF2B5EF4-FFF2-40B4-BE49-F238E27FC236}">
+                <a16:creationId xmlns:a16="http://schemas.microsoft.com/office/drawing/2014/main" id="{14EA9DF3-44F9-3DF4-A8CB-C44BA8D50622}"/>
+              </a:ext>
+            </a:extLst>
+          </p:cNvPr>
+          <p:cNvSpPr txBox="1"/>
+          <p:nvPr/>
+        </p:nvSpPr>
+        <p:spPr>
+          <a:xfrm>
+            <a:off x="10754754" y="4738047"/>
+            <a:ext cx="1501886" cy="646331"/>
+          </a:xfrm>
+          <a:prstGeom prst="rect">
+            <a:avLst/>
+          </a:prstGeom>
+          <a:noFill/>
+        </p:spPr>
+        <p:txBody>
+          <a:bodyPr wrap="none" rtlCol="0">
+            <a:spAutoFit/>
+          </a:bodyPr>
+          <a:lstStyle/>
+          <a:p>
+            <a:pPr algn="ctr"/>
+            <a:r>
+              <a:rPr lang="en-US" dirty="0"/>
+              <a:t>MCP Client</a:t>
+            </a:r>
+          </a:p>
+          <a:p>
+            <a:pPr algn="ctr"/>
+            <a:r>
+              <a:rPr lang="en-US" dirty="0"/>
+              <a:t>(Agent Mode)</a:t>
+            </a:r>
+          </a:p>
+        </p:txBody>
+      </p:sp>
+      <p:sp>
+        <p:nvSpPr>
+          <p:cNvPr id="16" name="Arrow: Right 15">
+            <a:extLst>
+              <a:ext uri="{FF2B5EF4-FFF2-40B4-BE49-F238E27FC236}">
+                <a16:creationId xmlns:a16="http://schemas.microsoft.com/office/drawing/2014/main" id="{200D0C25-E252-ACD5-C703-4E243BDE84A1}"/>
+              </a:ext>
+            </a:extLst>
+          </p:cNvPr>
+          <p:cNvSpPr/>
+          <p:nvPr/>
+        </p:nvSpPr>
+        <p:spPr>
+          <a:xfrm>
+            <a:off x="3240705" y="2716631"/>
+            <a:ext cx="1775657" cy="530456"/>
+          </a:xfrm>
+          <a:prstGeom prst="rightArrow">
+            <a:avLst/>
+          </a:prstGeom>
+        </p:spPr>
+        <p:style>
+          <a:lnRef idx="2">
+            <a:schemeClr val="accent1">
+              <a:shade val="15000"/>
+            </a:schemeClr>
+          </a:lnRef>
+          <a:fillRef idx="1">
+            <a:schemeClr val="accent1"/>
+          </a:fillRef>
+          <a:effectRef idx="0">
+            <a:schemeClr val="accent1"/>
+          </a:effectRef>
+          <a:fontRef idx="minor">
+            <a:schemeClr val="lt1"/>
+          </a:fontRef>
+        </p:style>
+        <p:txBody>
+          <a:bodyPr rtlCol="0" anchor="ctr"/>
+          <a:lstStyle/>
+          <a:p>
+            <a:pPr algn="ctr"/>
+            <a:r>
+              <a:rPr lang="en-US" dirty="0"/>
+              <a:t>add(a=3, b=5)</a:t>
+            </a:r>
+          </a:p>
+        </p:txBody>
+      </p:sp>
     </p:spTree>
     <p:extLst>
       <p:ext uri="{BB962C8B-B14F-4D97-AF65-F5344CB8AC3E}">
-        <p14:creationId xmlns:p14="http://schemas.microsoft.com/office/powerpoint/2010/main" val="2269356496"/>
+        <p14:creationId xmlns:p14="http://schemas.microsoft.com/office/powerpoint/2010/main" val="745538185"/>
       </p:ext>
     </p:extLst>
   </p:cSld>
